--- a/Whitney-CocainUsagePrediction.pptx
+++ b/Whitney-CocainUsagePrediction.pptx
@@ -1,23 +1,23 @@
 
 <file path=ppt/presentation.xml><?xml version="1.0" encoding="utf-8"?>
-<p:presentation xmlns:a="http://schemas.openxmlformats.org/drawingml/2006/main" xmlns:r="http://schemas.openxmlformats.org/officeDocument/2006/relationships" xmlns:p="http://schemas.openxmlformats.org/presentationml/2006/main" xmlns:m="http://schemas.openxmlformats.org/officeDocument/2006/math" xmlns:a14="http://schemas.microsoft.com/office/drawing/2010/main">
+<p:presentation xmlns:a="http://schemas.openxmlformats.org/drawingml/2006/main" xmlns:r="http://schemas.openxmlformats.org/officeDocument/2006/relationships" xmlns:p="http://schemas.openxmlformats.org/presentationml/2006/main">
   <p:sldMasterIdLst>
-    <p:sldMasterId id="2147483648" r:id="rId5"/>
+    <p:sldMasterId id="2147483648" r:id="rId1"/>
   </p:sldMasterIdLst>
   <p:notesMasterIdLst>
-    <p:notesMasterId r:id="rId7"/>
+    <p:notesMasterId r:id="rId12"/>
   </p:notesMasterIdLst>
   <p:sldIdLst>
-    <p:sldId id="256" r:id="rId8"/>
-    <p:sldId id="257" r:id="rId9"/>
-    <p:sldId id="258" r:id="rId10"/>
-    <p:sldId id="259" r:id="rId11"/>
-    <p:sldId id="260" r:id="rId12"/>
-    <p:sldId id="261" r:id="rId13"/>
-    <p:sldId id="262" r:id="rId14"/>
-    <p:sldId id="263" r:id="rId15"/>
-    <p:sldId id="264" r:id="rId16"/>
-    <p:sldId id="265" r:id="rId17"/>
+    <p:sldId id="256" r:id="rId2"/>
+    <p:sldId id="257" r:id="rId3"/>
+    <p:sldId id="258" r:id="rId4"/>
+    <p:sldId id="259" r:id="rId5"/>
+    <p:sldId id="260" r:id="rId6"/>
+    <p:sldId id="261" r:id="rId7"/>
+    <p:sldId id="262" r:id="rId8"/>
+    <p:sldId id="263" r:id="rId9"/>
+    <p:sldId id="264" r:id="rId10"/>
+    <p:sldId id="265" r:id="rId11"/>
   </p:sldIdLst>
   <p:sldSz cx="24384000" cy="13716000"/>
   <p:notesSz cx="6858000" cy="9144000"/>
@@ -37,7 +37,7 @@
       <a:buFontTx/>
       <a:buNone/>
       <a:tabLst/>
-      <a:defRPr b="0" baseline="0" cap="none" i="0" spc="0" strike="noStrike" sz="1800" u="none" kumimoji="0" normalizeH="0">
+      <a:defRPr kumimoji="0" sz="1800" b="0" i="0" u="none" strike="noStrike" cap="none" spc="0" normalizeH="0" baseline="0">
         <a:ln>
           <a:noFill/>
         </a:ln>
@@ -63,7 +63,7 @@
       <a:buFontTx/>
       <a:buNone/>
       <a:tabLst/>
-      <a:defRPr b="0" baseline="0" cap="none" i="0" spc="0" strike="noStrike" sz="5200" u="none" kumimoji="0" normalizeH="0">
+      <a:defRPr kumimoji="0" sz="5200" b="0" i="0" u="none" strike="noStrike" cap="none" spc="0" normalizeH="0" baseline="0">
         <a:ln>
           <a:noFill/>
         </a:ln>
@@ -93,7 +93,7 @@
       <a:buFontTx/>
       <a:buNone/>
       <a:tabLst/>
-      <a:defRPr b="0" baseline="0" cap="none" i="0" spc="0" strike="noStrike" sz="5200" u="none" kumimoji="0" normalizeH="0">
+      <a:defRPr kumimoji="0" sz="5200" b="0" i="0" u="none" strike="noStrike" cap="none" spc="0" normalizeH="0" baseline="0">
         <a:ln>
           <a:noFill/>
         </a:ln>
@@ -123,7 +123,7 @@
       <a:buFontTx/>
       <a:buNone/>
       <a:tabLst/>
-      <a:defRPr b="0" baseline="0" cap="none" i="0" spc="0" strike="noStrike" sz="5200" u="none" kumimoji="0" normalizeH="0">
+      <a:defRPr kumimoji="0" sz="5200" b="0" i="0" u="none" strike="noStrike" cap="none" spc="0" normalizeH="0" baseline="0">
         <a:ln>
           <a:noFill/>
         </a:ln>
@@ -153,7 +153,7 @@
       <a:buFontTx/>
       <a:buNone/>
       <a:tabLst/>
-      <a:defRPr b="0" baseline="0" cap="none" i="0" spc="0" strike="noStrike" sz="5200" u="none" kumimoji="0" normalizeH="0">
+      <a:defRPr kumimoji="0" sz="5200" b="0" i="0" u="none" strike="noStrike" cap="none" spc="0" normalizeH="0" baseline="0">
         <a:ln>
           <a:noFill/>
         </a:ln>
@@ -183,7 +183,7 @@
       <a:buFontTx/>
       <a:buNone/>
       <a:tabLst/>
-      <a:defRPr b="0" baseline="0" cap="none" i="0" spc="0" strike="noStrike" sz="5200" u="none" kumimoji="0" normalizeH="0">
+      <a:defRPr kumimoji="0" sz="5200" b="0" i="0" u="none" strike="noStrike" cap="none" spc="0" normalizeH="0" baseline="0">
         <a:ln>
           <a:noFill/>
         </a:ln>
@@ -213,7 +213,7 @@
       <a:buFontTx/>
       <a:buNone/>
       <a:tabLst/>
-      <a:defRPr b="0" baseline="0" cap="none" i="0" spc="0" strike="noStrike" sz="5200" u="none" kumimoji="0" normalizeH="0">
+      <a:defRPr kumimoji="0" sz="5200" b="0" i="0" u="none" strike="noStrike" cap="none" spc="0" normalizeH="0" baseline="0">
         <a:ln>
           <a:noFill/>
         </a:ln>
@@ -243,7 +243,7 @@
       <a:buFontTx/>
       <a:buNone/>
       <a:tabLst/>
-      <a:defRPr b="0" baseline="0" cap="none" i="0" spc="0" strike="noStrike" sz="5200" u="none" kumimoji="0" normalizeH="0">
+      <a:defRPr kumimoji="0" sz="5200" b="0" i="0" u="none" strike="noStrike" cap="none" spc="0" normalizeH="0" baseline="0">
         <a:ln>
           <a:noFill/>
         </a:ln>
@@ -273,7 +273,7 @@
       <a:buFontTx/>
       <a:buNone/>
       <a:tabLst/>
-      <a:defRPr b="0" baseline="0" cap="none" i="0" spc="0" strike="noStrike" sz="5200" u="none" kumimoji="0" normalizeH="0">
+      <a:defRPr kumimoji="0" sz="5200" b="0" i="0" u="none" strike="noStrike" cap="none" spc="0" normalizeH="0" baseline="0">
         <a:ln>
           <a:noFill/>
         </a:ln>
@@ -303,7 +303,7 @@
       <a:buFontTx/>
       <a:buNone/>
       <a:tabLst/>
-      <a:defRPr b="0" baseline="0" cap="none" i="0" spc="0" strike="noStrike" sz="5200" u="none" kumimoji="0" normalizeH="0">
+      <a:defRPr kumimoji="0" sz="5200" b="0" i="0" u="none" strike="noStrike" cap="none" spc="0" normalizeH="0" baseline="0">
         <a:ln>
           <a:noFill/>
         </a:ln>
@@ -322,13 +322,14 @@
 </p:presentation>
 </file>
 
-<file path=ppt/commentAuthors.xml><?xml version="1.0" encoding="utf-8"?>
-<p:cmAuthorLst xmlns:a="http://schemas.openxmlformats.org/drawingml/2006/main" xmlns:r="http://schemas.openxmlformats.org/officeDocument/2006/relationships" xmlns:p="http://schemas.openxmlformats.org/presentationml/2006/main" xmlns:m="http://schemas.openxmlformats.org/officeDocument/2006/math" xmlns:a14="http://schemas.microsoft.com/office/drawing/2010/main"/>
-</file>
-
 <file path=ppt/notesMasters/notesMaster1.xml><?xml version="1.0" encoding="utf-8"?>
-<p:notesMaster xmlns:a="http://schemas.openxmlformats.org/drawingml/2006/main" xmlns:r="http://schemas.openxmlformats.org/officeDocument/2006/relationships" xmlns:p="http://schemas.openxmlformats.org/presentationml/2006/main" xmlns:m="http://schemas.openxmlformats.org/officeDocument/2006/math" xmlns:a14="http://schemas.microsoft.com/office/drawing/2010/main">
+<p:notesMaster xmlns:a="http://schemas.openxmlformats.org/drawingml/2006/main" xmlns:r="http://schemas.openxmlformats.org/officeDocument/2006/relationships" xmlns:p="http://schemas.openxmlformats.org/presentationml/2006/main">
   <p:cSld>
+    <p:bg>
+      <p:bgRef idx="1001">
+        <a:schemeClr val="bg1"/>
+      </p:bgRef>
+    </p:bg>
     <p:spTree>
       <p:nvGrpSpPr>
         <p:cNvPr id="1" name=""/>
@@ -346,7 +347,9 @@
       <p:sp>
         <p:nvSpPr>
           <p:cNvPr id="152" name="Shape 152"/>
-          <p:cNvSpPr/>
+          <p:cNvSpPr>
+            <a:spLocks noGrp="1" noRot="1" noChangeAspect="1"/>
+          </p:cNvSpPr>
           <p:nvPr>
             <p:ph type="sldImg"/>
           </p:nvPr>
@@ -364,14 +367,16 @@
           <a:bodyPr/>
           <a:lstStyle/>
           <a:p>
-            <a:pPr/>
+            <a:endParaRPr/>
           </a:p>
         </p:txBody>
       </p:sp>
       <p:sp>
         <p:nvSpPr>
           <p:cNvPr id="153" name="Shape 153"/>
-          <p:cNvSpPr/>
+          <p:cNvSpPr>
+            <a:spLocks noGrp="1"/>
+          </p:cNvSpPr>
           <p:nvPr>
             <p:ph type="body" sz="quarter" idx="1"/>
           </p:nvPr>
@@ -389,7 +394,7 @@
           <a:bodyPr/>
           <a:lstStyle/>
           <a:p>
-            <a:pPr/>
+            <a:endParaRPr/>
           </a:p>
         </p:txBody>
       </p:sp>
@@ -501,7 +506,7 @@
 </file>
 
 <file path=ppt/notesSlides/notesSlide1.xml><?xml version="1.0" encoding="utf-8"?>
-<p:notes xmlns:a="http://schemas.openxmlformats.org/drawingml/2006/main" xmlns:r="http://schemas.openxmlformats.org/officeDocument/2006/relationships" xmlns:p="http://schemas.openxmlformats.org/presentationml/2006/main" xmlns:m="http://schemas.openxmlformats.org/officeDocument/2006/math" xmlns:a14="http://schemas.microsoft.com/office/drawing/2010/main" showMasterSp="1" showMasterPhAnim="1">
+<p:notes xmlns:a="http://schemas.openxmlformats.org/drawingml/2006/main" xmlns:r="http://schemas.openxmlformats.org/officeDocument/2006/relationships" xmlns:p="http://schemas.openxmlformats.org/presentationml/2006/main">
   <p:cSld>
     <p:spTree>
       <p:nvGrpSpPr>
@@ -520,12 +525,18 @@
       <p:sp>
         <p:nvSpPr>
           <p:cNvPr id="159" name="Shape 159"/>
-          <p:cNvSpPr/>
+          <p:cNvSpPr>
+            <a:spLocks noGrp="1" noRot="1" noChangeAspect="1"/>
+          </p:cNvSpPr>
           <p:nvPr>
             <p:ph type="sldImg"/>
           </p:nvPr>
         </p:nvSpPr>
         <p:spPr>
+          <a:xfrm>
+            <a:off x="381000" y="685800"/>
+            <a:ext cx="6096000" cy="3429000"/>
+          </a:xfrm>
           <a:prstGeom prst="rect">
             <a:avLst/>
           </a:prstGeom>
@@ -534,14 +545,16 @@
           <a:bodyPr/>
           <a:lstStyle/>
           <a:p>
-            <a:pPr/>
+            <a:endParaRPr/>
           </a:p>
         </p:txBody>
       </p:sp>
       <p:sp>
         <p:nvSpPr>
           <p:cNvPr id="160" name="Shape 160"/>
-          <p:cNvSpPr/>
+          <p:cNvSpPr>
+            <a:spLocks noGrp="1"/>
+          </p:cNvSpPr>
           <p:nvPr>
             <p:ph type="body" sz="quarter" idx="1"/>
           </p:nvPr>
@@ -555,49 +568,7 @@
           <a:bodyPr/>
           <a:lstStyle/>
           <a:p>
-            <a:pPr/>
-            <a:r>
-              <a:t>Hello everyone, Im Whitney from University of Toronto,</a:t>
-            </a:r>
-          </a:p>
-          <a:p>
-            <a:pPr/>
-            <a:r>
-              <a:t>Drug use is a major problem affecting many people that are experiencing mental health issues, social insecure and even homelessness. </a:t>
-            </a:r>
-          </a:p>
-          <a:p>
-            <a:pPr/>
-            <a:r>
-              <a:t>As well, together with other social and demographic risk factors, multiple drug use are likely mutually implicated.</a:t>
-            </a:r>
-            <a:br/>
-          </a:p>
-          <a:p>
-            <a:pPr/>
-            <a:r>
-              <a:t>Cocaine, one of the most addictive stimulant drug, has affected all levels of society across a wide range of age. According to the Advisory Council on the Misuse of Drugs (ACMD) in the UK, compared to other drugs, cocaine has been used up to the age of 54. </a:t>
-            </a:r>
-            <a:br/>
-          </a:p>
-          <a:p>
-            <a:pPr/>
-            <a:r>
-              <a:t>In this project, we aim to predict the cocaine consumption frequency with demographic data combined with other drug usage frequency. We aim to apply numerous machine learning techniques to see which model would accurately predict a person’s cocaine consumption frequency.</a:t>
-            </a:r>
-            <a:br/>
-          </a:p>
-          <a:p>
-            <a:pPr/>
-            <a:r>
-              <a:t>Final deliverable would include an interactive web page or app that enables prediction of a person’s cocaine usage.  Other extensions would be included later on when the project moves forward and ideas spawn.</a:t>
-            </a:r>
-          </a:p>
-          <a:p>
-            <a:pPr/>
-            <a:r>
-              <a:t>assess whether the use of substance use would prolong the experience of homelessness. In this project, I aim to test the association between substance use and stage of homelessness. Findings would assist in preventing people from relapsed and prolonged homelessness as well as inform policy for intervention of social assistance in targeted groups.</a:t>
-            </a:r>
+            <a:endParaRPr dirty="0"/>
           </a:p>
         </p:txBody>
       </p:sp>
@@ -610,7 +581,7 @@
 </file>
 
 <file path=ppt/notesSlides/notesSlide2.xml><?xml version="1.0" encoding="utf-8"?>
-<p:notes xmlns:a="http://schemas.openxmlformats.org/drawingml/2006/main" xmlns:r="http://schemas.openxmlformats.org/officeDocument/2006/relationships" xmlns:p="http://schemas.openxmlformats.org/presentationml/2006/main" xmlns:m="http://schemas.openxmlformats.org/officeDocument/2006/math" xmlns:a14="http://schemas.microsoft.com/office/drawing/2010/main" showMasterSp="1" showMasterPhAnim="1">
+<p:notes xmlns:a="http://schemas.openxmlformats.org/drawingml/2006/main" xmlns:r="http://schemas.openxmlformats.org/officeDocument/2006/relationships" xmlns:p="http://schemas.openxmlformats.org/presentationml/2006/main">
   <p:cSld>
     <p:spTree>
       <p:nvGrpSpPr>
@@ -629,12 +600,18 @@
       <p:sp>
         <p:nvSpPr>
           <p:cNvPr id="177" name="Shape 177"/>
-          <p:cNvSpPr/>
+          <p:cNvSpPr>
+            <a:spLocks noGrp="1" noRot="1" noChangeAspect="1"/>
+          </p:cNvSpPr>
           <p:nvPr>
             <p:ph type="sldImg"/>
           </p:nvPr>
         </p:nvSpPr>
         <p:spPr>
+          <a:xfrm>
+            <a:off x="381000" y="685800"/>
+            <a:ext cx="6096000" cy="3429000"/>
+          </a:xfrm>
           <a:prstGeom prst="rect">
             <a:avLst/>
           </a:prstGeom>
@@ -643,14 +620,16 @@
           <a:bodyPr/>
           <a:lstStyle/>
           <a:p>
-            <a:pPr/>
+            <a:endParaRPr/>
           </a:p>
         </p:txBody>
       </p:sp>
       <p:sp>
         <p:nvSpPr>
           <p:cNvPr id="178" name="Shape 178"/>
-          <p:cNvSpPr/>
+          <p:cNvSpPr>
+            <a:spLocks noGrp="1"/>
+          </p:cNvSpPr>
           <p:nvPr>
             <p:ph type="body" sz="quarter" idx="1"/>
           </p:nvPr>
@@ -664,10 +643,10 @@
           <a:bodyPr/>
           <a:lstStyle/>
           <a:p>
-            <a:pPr/>
-          </a:p>
-          <a:p>
-            <a:pPr/>
+            <a:endParaRPr/>
+          </a:p>
+          <a:p>
+            <a:endParaRPr/>
           </a:p>
         </p:txBody>
       </p:sp>
@@ -680,7 +659,7 @@
 </file>
 
 <file path=ppt/notesSlides/notesSlide3.xml><?xml version="1.0" encoding="utf-8"?>
-<p:notes xmlns:a="http://schemas.openxmlformats.org/drawingml/2006/main" xmlns:r="http://schemas.openxmlformats.org/officeDocument/2006/relationships" xmlns:p="http://schemas.openxmlformats.org/presentationml/2006/main" xmlns:m="http://schemas.openxmlformats.org/officeDocument/2006/math" xmlns:a14="http://schemas.microsoft.com/office/drawing/2010/main" showMasterSp="1" showMasterPhAnim="1">
+<p:notes xmlns:a="http://schemas.openxmlformats.org/drawingml/2006/main" xmlns:r="http://schemas.openxmlformats.org/officeDocument/2006/relationships" xmlns:p="http://schemas.openxmlformats.org/presentationml/2006/main">
   <p:cSld>
     <p:spTree>
       <p:nvGrpSpPr>
@@ -699,12 +678,18 @@
       <p:sp>
         <p:nvSpPr>
           <p:cNvPr id="189" name="Shape 189"/>
-          <p:cNvSpPr/>
+          <p:cNvSpPr>
+            <a:spLocks noGrp="1" noRot="1" noChangeAspect="1"/>
+          </p:cNvSpPr>
           <p:nvPr>
             <p:ph type="sldImg"/>
           </p:nvPr>
         </p:nvSpPr>
         <p:spPr>
+          <a:xfrm>
+            <a:off x="381000" y="685800"/>
+            <a:ext cx="6096000" cy="3429000"/>
+          </a:xfrm>
           <a:prstGeom prst="rect">
             <a:avLst/>
           </a:prstGeom>
@@ -713,14 +698,16 @@
           <a:bodyPr/>
           <a:lstStyle/>
           <a:p>
-            <a:pPr/>
+            <a:endParaRPr/>
           </a:p>
         </p:txBody>
       </p:sp>
       <p:sp>
         <p:nvSpPr>
           <p:cNvPr id="190" name="Shape 190"/>
-          <p:cNvSpPr/>
+          <p:cNvSpPr>
+            <a:spLocks noGrp="1"/>
+          </p:cNvSpPr>
           <p:nvPr>
             <p:ph type="body" sz="quarter" idx="1"/>
           </p:nvPr>
@@ -734,43 +721,7 @@
           <a:bodyPr/>
           <a:lstStyle/>
           <a:p>
-            <a:pPr/>
-            <a:r>
-              <a:t>Drug use is a major problem affecting many people that are experiencing mental health issues, social insecure and even homelessness. </a:t>
-            </a:r>
-          </a:p>
-          <a:p>
-            <a:pPr/>
-            <a:r>
-              <a:t>As well, together with other social and demographic risk factors, multiple drug use are likely mutually implicated.</a:t>
-            </a:r>
-            <a:br/>
-          </a:p>
-          <a:p>
-            <a:pPr/>
-            <a:r>
-              <a:t>Cocaine, one of the most addictive stimulant drug, has affected all levels of society across a wide range of age. According to the Advisory Council on the Misuse of Drugs (ACMD) in the UK, compared to other drugs, cocaine has been used up to the age of 54. </a:t>
-            </a:r>
-            <a:br/>
-          </a:p>
-          <a:p>
-            <a:pPr/>
-            <a:r>
-              <a:t>In this project, we aim to predict the cocaine consumption frequency with demographic data combined with other drug usage frequency. We aim to apply numerous machine learning techniques to see which model would accurately predict a person’s cocaine consumption frequency.</a:t>
-            </a:r>
-            <a:br/>
-          </a:p>
-          <a:p>
-            <a:pPr/>
-            <a:r>
-              <a:t>Final deliverable would include an interactive web page or app that enables prediction of a person’s cocaine usage.  Other extensions would be included later on when the project moves forward and ideas spawn.</a:t>
-            </a:r>
-          </a:p>
-          <a:p>
-            <a:pPr/>
-            <a:r>
-              <a:t>assess whether the use of substance use would prolong the experience of homelessness. In this project, I aim to test the association between substance use and stage of homelessness. Findings would assist in preventing people from relapsed and prolonged homelessness as well as inform policy for intervention of social assistance in targeted groups.</a:t>
-            </a:r>
+            <a:endParaRPr dirty="0"/>
           </a:p>
         </p:txBody>
       </p:sp>
@@ -783,7 +734,7 @@
 </file>
 
 <file path=ppt/notesSlides/notesSlide4.xml><?xml version="1.0" encoding="utf-8"?>
-<p:notes xmlns:a="http://schemas.openxmlformats.org/drawingml/2006/main" xmlns:r="http://schemas.openxmlformats.org/officeDocument/2006/relationships" xmlns:p="http://schemas.openxmlformats.org/presentationml/2006/main" xmlns:m="http://schemas.openxmlformats.org/officeDocument/2006/math" xmlns:a14="http://schemas.microsoft.com/office/drawing/2010/main" showMasterSp="1" showMasterPhAnim="1">
+<p:notes xmlns:a="http://schemas.openxmlformats.org/drawingml/2006/main" xmlns:r="http://schemas.openxmlformats.org/officeDocument/2006/relationships" xmlns:p="http://schemas.openxmlformats.org/presentationml/2006/main">
   <p:cSld>
     <p:spTree>
       <p:nvGrpSpPr>
@@ -802,12 +753,18 @@
       <p:sp>
         <p:nvSpPr>
           <p:cNvPr id="198" name="Shape 198"/>
-          <p:cNvSpPr/>
+          <p:cNvSpPr>
+            <a:spLocks noGrp="1" noRot="1" noChangeAspect="1"/>
+          </p:cNvSpPr>
           <p:nvPr>
             <p:ph type="sldImg"/>
           </p:nvPr>
         </p:nvSpPr>
         <p:spPr>
+          <a:xfrm>
+            <a:off x="381000" y="685800"/>
+            <a:ext cx="6096000" cy="3429000"/>
+          </a:xfrm>
           <a:prstGeom prst="rect">
             <a:avLst/>
           </a:prstGeom>
@@ -816,14 +773,16 @@
           <a:bodyPr/>
           <a:lstStyle/>
           <a:p>
-            <a:pPr/>
+            <a:endParaRPr/>
           </a:p>
         </p:txBody>
       </p:sp>
       <p:sp>
         <p:nvSpPr>
           <p:cNvPr id="199" name="Shape 199"/>
-          <p:cNvSpPr/>
+          <p:cNvSpPr>
+            <a:spLocks noGrp="1"/>
+          </p:cNvSpPr>
           <p:nvPr>
             <p:ph type="body" sz="quarter" idx="1"/>
           </p:nvPr>
@@ -837,52 +796,7 @@
           <a:bodyPr/>
           <a:lstStyle/>
           <a:p>
-            <a:pPr/>
-            <a:r>
-              <a:t>Drug use is a major problem affecting many people that are experiencing mental health issues, social insecure and even homelessness. </a:t>
-            </a:r>
-          </a:p>
-          <a:p>
-            <a:pPr/>
-            <a:r>
-              <a:t>As well, together with other social and demographic risk factors, multiple drug use are likely mutually implicated.</a:t>
-            </a:r>
-            <a:br/>
-          </a:p>
-          <a:p>
-            <a:pPr/>
-            <a:r>
-              <a:t>Cocaine, one of the most addictive stimulant drug, has affected all levels of society across a wide range of age. According to the Advisory Council on the Misuse of Drugs (ACMD) in the UK, compared to other drugs, cocaine has been used up to the age of 54. </a:t>
-            </a:r>
-            <a:br/>
-          </a:p>
-          <a:p>
-            <a:pPr/>
-            <a:r>
-              <a:t>In this project, we aim to predict the cocaine consumption frequency with demographic data combined with other drug usage frequency. We aim to apply numerous machine learning techniques to see which model would accurately predict a person’s cocaine consumption frequency.</a:t>
-            </a:r>
-            <a:br/>
-          </a:p>
-          <a:p>
-            <a:pPr/>
-            <a:r>
-              <a:t>Final deliverable would include an interactive web page or app that enables prediction of a person’s cocaine usage.  Other extensions would be included later on when the project moves forward and ideas spawn.</a:t>
-            </a:r>
-          </a:p>
-          <a:p>
-            <a:pPr/>
-            <a:r>
-              <a:t>assess whether the use of substance use would prolong the experience of homelessness. In this project, I aim to test the association between substance use and stage of homelessness. Findings would assist in preventing people from relapsed and prolonged homelessness as well as inform policy for intervention of social assistance in targeted groups.</a:t>
-            </a:r>
-          </a:p>
-          <a:p>
-            <a:pPr/>
-          </a:p>
-          <a:p>
-            <a:pPr/>
-            <a:r>
-              <a:t>Backpropagation, Perceptron, Decision tree, Support Vector Machine(SVM), k-nearest neighbors</a:t>
-            </a:r>
+            <a:endParaRPr dirty="0"/>
           </a:p>
         </p:txBody>
       </p:sp>
@@ -895,7 +809,7 @@
 </file>
 
 <file path=ppt/notesSlides/notesSlide5.xml><?xml version="1.0" encoding="utf-8"?>
-<p:notes xmlns:a="http://schemas.openxmlformats.org/drawingml/2006/main" xmlns:r="http://schemas.openxmlformats.org/officeDocument/2006/relationships" xmlns:p="http://schemas.openxmlformats.org/presentationml/2006/main" xmlns:m="http://schemas.openxmlformats.org/officeDocument/2006/math" xmlns:a14="http://schemas.microsoft.com/office/drawing/2010/main" showMasterSp="1" showMasterPhAnim="1">
+<p:notes xmlns:a="http://schemas.openxmlformats.org/drawingml/2006/main" xmlns:r="http://schemas.openxmlformats.org/officeDocument/2006/relationships" xmlns:p="http://schemas.openxmlformats.org/presentationml/2006/main">
   <p:cSld>
     <p:spTree>
       <p:nvGrpSpPr>
@@ -914,12 +828,18 @@
       <p:sp>
         <p:nvSpPr>
           <p:cNvPr id="206" name="Shape 206"/>
-          <p:cNvSpPr/>
+          <p:cNvSpPr>
+            <a:spLocks noGrp="1" noRot="1" noChangeAspect="1"/>
+          </p:cNvSpPr>
           <p:nvPr>
             <p:ph type="sldImg"/>
           </p:nvPr>
         </p:nvSpPr>
         <p:spPr>
+          <a:xfrm>
+            <a:off x="381000" y="685800"/>
+            <a:ext cx="6096000" cy="3429000"/>
+          </a:xfrm>
           <a:prstGeom prst="rect">
             <a:avLst/>
           </a:prstGeom>
@@ -928,14 +848,16 @@
           <a:bodyPr/>
           <a:lstStyle/>
           <a:p>
-            <a:pPr/>
+            <a:endParaRPr/>
           </a:p>
         </p:txBody>
       </p:sp>
       <p:sp>
         <p:nvSpPr>
           <p:cNvPr id="207" name="Shape 207"/>
-          <p:cNvSpPr/>
+          <p:cNvSpPr>
+            <a:spLocks noGrp="1"/>
+          </p:cNvSpPr>
           <p:nvPr>
             <p:ph type="body" sz="quarter" idx="1"/>
           </p:nvPr>
@@ -953,24 +875,7 @@
               <a:buSzPct val="75000"/>
               <a:buChar char="-"/>
             </a:pPr>
-            <a:r>
-              <a:t>Database contains records for 1885 respondents. For each respondent 12 attributes are known: Personality measurements which include NEO-FFI-R (neuroticism, extraversion, openness to experience, agreeableness, and conscientiousness), BIS-11 (impulsivity), and ImpSS (sensation seeking), level of education, age, gender, country of residence and ethnicity. All input attributes are originally categorical and are quantified. After quantification values of all input features can be considered as real-valued. In addition, </a:t>
-            </a:r>
-          </a:p>
-          <a:p>
-            <a:pPr marL="154118" indent="-154118">
-              <a:buSzPct val="75000"/>
-              <a:buChar char="-"/>
-            </a:pPr>
-          </a:p>
-          <a:p>
-            <a:pPr marL="154118" indent="-154118">
-              <a:buSzPct val="75000"/>
-              <a:buChar char="-"/>
-            </a:pPr>
-            <a:r>
-              <a:t>participants were questioned concerning their use of 18 legal and illegal drugs (alcohol, amphetamines, amyl nitrite, benzodiazepine, cannabis, chocolate, cocaine, caffeine, crack, ecstasy, heroin, ketamine, legal highs, LSD, methadone, mushrooms, nicotine and volatile substance abuse and one fictitious drug (Semeron) which was introduced to identify over-claimers. For each drug they have to select one of the answers: never used the drug, used it over a decade ago, or in the last decade, year, month, week, or day. Database contains 18 classification problems. Each of independent label variables contains seven classes: "Never Used", "Used over a Decade Ago", "Used in Last Decade", "Used in Last Year", "Used in Last Month", "Used in Last Week", and "Used in Last Day".</a:t>
-            </a:r>
+            <a:endParaRPr dirty="0"/>
           </a:p>
         </p:txBody>
       </p:sp>
@@ -983,7 +888,7 @@
 </file>
 
 <file path=ppt/notesSlides/notesSlide6.xml><?xml version="1.0" encoding="utf-8"?>
-<p:notes xmlns:a="http://schemas.openxmlformats.org/drawingml/2006/main" xmlns:r="http://schemas.openxmlformats.org/officeDocument/2006/relationships" xmlns:p="http://schemas.openxmlformats.org/presentationml/2006/main" xmlns:m="http://schemas.openxmlformats.org/officeDocument/2006/math" xmlns:a14="http://schemas.microsoft.com/office/drawing/2010/main" showMasterSp="1" showMasterPhAnim="1">
+<p:notes xmlns:a="http://schemas.openxmlformats.org/drawingml/2006/main" xmlns:r="http://schemas.openxmlformats.org/officeDocument/2006/relationships" xmlns:p="http://schemas.openxmlformats.org/presentationml/2006/main">
   <p:cSld>
     <p:spTree>
       <p:nvGrpSpPr>
@@ -1001,128 +906,46 @@
       </p:grpSpPr>
       <p:sp>
         <p:nvSpPr>
-          <p:cNvPr id="227" name="Shape 227"/>
-          <p:cNvSpPr/>
+          <p:cNvPr id="2" name="Slide Image Placeholder 1"/>
+          <p:cNvSpPr>
+            <a:spLocks noGrp="1" noRot="1" noChangeAspect="1"/>
+          </p:cNvSpPr>
           <p:nvPr>
             <p:ph type="sldImg"/>
           </p:nvPr>
         </p:nvSpPr>
         <p:spPr>
-          <a:prstGeom prst="rect">
-            <a:avLst/>
-          </a:prstGeom>
-        </p:spPr>
+          <a:xfrm>
+            <a:off x="381000" y="685800"/>
+            <a:ext cx="6096000" cy="3429000"/>
+          </a:xfrm>
+        </p:spPr>
+      </p:sp>
+      <p:sp>
+        <p:nvSpPr>
+          <p:cNvPr id="3" name="Notes Placeholder 2"/>
+          <p:cNvSpPr>
+            <a:spLocks noGrp="1"/>
+          </p:cNvSpPr>
+          <p:nvPr>
+            <p:ph type="body" idx="1"/>
+          </p:nvPr>
+        </p:nvSpPr>
+        <p:spPr/>
         <p:txBody>
           <a:bodyPr/>
           <a:lstStyle/>
           <a:p>
-            <a:pPr/>
-          </a:p>
-        </p:txBody>
-      </p:sp>
-      <p:sp>
-        <p:nvSpPr>
-          <p:cNvPr id="228" name="Shape 228"/>
-          <p:cNvSpPr/>
-          <p:nvPr>
-            <p:ph type="body" sz="quarter" idx="1"/>
-          </p:nvPr>
-        </p:nvSpPr>
-        <p:spPr>
-          <a:prstGeom prst="rect">
-            <a:avLst/>
-          </a:prstGeom>
-        </p:spPr>
-        <p:txBody>
-          <a:bodyPr/>
-          <a:lstStyle/>
-          <a:p>
-            <a:pPr marL="154118" indent="-154118">
-              <a:buSzPct val="75000"/>
-              <a:buChar char="-"/>
-            </a:pPr>
-            <a:r>
-              <a:t>Number of total users decreased as age increases</a:t>
-            </a:r>
-          </a:p>
-          <a:p>
-            <a:pPr marL="154118" indent="-154118">
-              <a:buSzPct val="75000"/>
-              <a:buChar char="-"/>
-            </a:pPr>
-            <a:r>
-              <a:t>Those ages</a:t>
-            </a:r>
-          </a:p>
-          <a:p>
-            <a:pPr marL="154118" indent="-154118">
-              <a:buSzPct val="75000"/>
-              <a:buChar char="-"/>
-            </a:pPr>
-            <a:r>
-              <a:t>-0.95197 18-24 643 34.11%</a:t>
-            </a:r>
-          </a:p>
-          <a:p>
-            <a:pPr marL="154118" indent="-154118">
-              <a:buSzPct val="75000"/>
-              <a:buChar char="-"/>
-            </a:pPr>
-            <a:r>
-              <a:t>-0.07854 25-34 481 25.52%</a:t>
-            </a:r>
-          </a:p>
-          <a:p>
-            <a:pPr marL="154118" indent="-154118">
-              <a:buSzPct val="75000"/>
-              <a:buChar char="-"/>
-            </a:pPr>
-            <a:r>
-              <a:t>0.49788 35-44 356 18.89%</a:t>
-            </a:r>
-          </a:p>
-          <a:p>
-            <a:pPr marL="154118" indent="-154118">
-              <a:buSzPct val="75000"/>
-              <a:buChar char="-"/>
-            </a:pPr>
-            <a:r>
-              <a:t>1.09449 45-54 294 15.60%</a:t>
-            </a:r>
-          </a:p>
-          <a:p>
-            <a:pPr marL="154118" indent="-154118">
-              <a:buSzPct val="75000"/>
-              <a:buChar char="-"/>
-            </a:pPr>
-            <a:r>
-              <a:t>1.82213 55-64 93 4.93%</a:t>
-            </a:r>
-          </a:p>
-          <a:p>
-            <a:pPr marL="154118" indent="-154118">
-              <a:buSzPct val="75000"/>
-              <a:buChar char="-"/>
-            </a:pPr>
-            <a:r>
-              <a:t>2.59171 65+ 18 0.95%</a:t>
-            </a:r>
-          </a:p>
-          <a:p>
-            <a:pPr/>
-          </a:p>
-          <a:p>
-            <a:pPr/>
-          </a:p>
-          <a:p>
-            <a:pPr/>
-            <a:r>
-              <a:t>Portion of people never used cocaine</a:t>
-            </a:r>
+            <a:endParaRPr lang="en-US" dirty="0"/>
           </a:p>
         </p:txBody>
       </p:sp>
     </p:spTree>
+    <p:extLst>
+      <p:ext uri="{BB962C8B-B14F-4D97-AF65-F5344CB8AC3E}">
+        <p14:creationId xmlns:p14="http://schemas.microsoft.com/office/powerpoint/2010/main" val="3959886039"/>
+      </p:ext>
+    </p:extLst>
   </p:cSld>
   <p:clrMapOvr>
     <a:masterClrMapping/>
@@ -1131,7 +954,7 @@
 </file>
 
 <file path=ppt/notesSlides/notesSlide7.xml><?xml version="1.0" encoding="utf-8"?>
-<p:notes xmlns:a="http://schemas.openxmlformats.org/drawingml/2006/main" xmlns:r="http://schemas.openxmlformats.org/officeDocument/2006/relationships" xmlns:p="http://schemas.openxmlformats.org/presentationml/2006/main" xmlns:m="http://schemas.openxmlformats.org/officeDocument/2006/math" xmlns:a14="http://schemas.microsoft.com/office/drawing/2010/main" showMasterSp="1" showMasterPhAnim="1">
+<p:notes xmlns:a="http://schemas.openxmlformats.org/drawingml/2006/main" xmlns:r="http://schemas.openxmlformats.org/officeDocument/2006/relationships" xmlns:p="http://schemas.openxmlformats.org/presentationml/2006/main">
   <p:cSld>
     <p:spTree>
       <p:nvGrpSpPr>
@@ -1149,13 +972,19 @@
       </p:grpSpPr>
       <p:sp>
         <p:nvSpPr>
-          <p:cNvPr id="239" name="Shape 239"/>
-          <p:cNvSpPr/>
+          <p:cNvPr id="227" name="Shape 227"/>
+          <p:cNvSpPr>
+            <a:spLocks noGrp="1" noRot="1" noChangeAspect="1"/>
+          </p:cNvSpPr>
           <p:nvPr>
             <p:ph type="sldImg"/>
           </p:nvPr>
         </p:nvSpPr>
         <p:spPr>
+          <a:xfrm>
+            <a:off x="381000" y="685800"/>
+            <a:ext cx="6096000" cy="3429000"/>
+          </a:xfrm>
           <a:prstGeom prst="rect">
             <a:avLst/>
           </a:prstGeom>
@@ -1164,14 +993,16 @@
           <a:bodyPr/>
           <a:lstStyle/>
           <a:p>
-            <a:pPr/>
-          </a:p>
-        </p:txBody>
-      </p:sp>
-      <p:sp>
-        <p:nvSpPr>
-          <p:cNvPr id="240" name="Shape 240"/>
-          <p:cNvSpPr/>
+            <a:endParaRPr/>
+          </a:p>
+        </p:txBody>
+      </p:sp>
+      <p:sp>
+        <p:nvSpPr>
+          <p:cNvPr id="228" name="Shape 228"/>
+          <p:cNvSpPr>
+            <a:spLocks noGrp="1"/>
+          </p:cNvSpPr>
           <p:nvPr>
             <p:ph type="body" sz="quarter" idx="1"/>
           </p:nvPr>
@@ -1183,17 +1014,13 @@
         </p:spPr>
         <p:txBody>
           <a:bodyPr/>
-          <a:lstStyle>
-            <a:lvl1pPr marL="154118" indent="-154118">
+          <a:lstStyle/>
+          <a:p>
+            <a:pPr marL="154118" indent="-154118">
               <a:buSzPct val="75000"/>
               <a:buChar char="-"/>
-            </a:lvl1pPr>
-          </a:lstStyle>
-          <a:p>
-            <a:pPr/>
-            <a:r>
-              <a:t>There were approximately the same number of males and females in the </a:t>
-            </a:r>
+            </a:pPr>
+            <a:endParaRPr dirty="0"/>
           </a:p>
         </p:txBody>
       </p:sp>
@@ -1206,7 +1033,7 @@
 </file>
 
 <file path=ppt/notesSlides/notesSlide8.xml><?xml version="1.0" encoding="utf-8"?>
-<p:notes xmlns:a="http://schemas.openxmlformats.org/drawingml/2006/main" xmlns:r="http://schemas.openxmlformats.org/officeDocument/2006/relationships" xmlns:p="http://schemas.openxmlformats.org/presentationml/2006/main" xmlns:m="http://schemas.openxmlformats.org/officeDocument/2006/math" xmlns:a14="http://schemas.microsoft.com/office/drawing/2010/main" showMasterSp="1" showMasterPhAnim="1">
+<p:notes xmlns:a="http://schemas.openxmlformats.org/drawingml/2006/main" xmlns:r="http://schemas.openxmlformats.org/officeDocument/2006/relationships" xmlns:p="http://schemas.openxmlformats.org/presentationml/2006/main">
   <p:cSld>
     <p:spTree>
       <p:nvGrpSpPr>
@@ -1224,13 +1051,19 @@
       </p:grpSpPr>
       <p:sp>
         <p:nvSpPr>
-          <p:cNvPr id="248" name="Shape 248"/>
-          <p:cNvSpPr/>
+          <p:cNvPr id="239" name="Shape 239"/>
+          <p:cNvSpPr>
+            <a:spLocks noGrp="1" noRot="1" noChangeAspect="1"/>
+          </p:cNvSpPr>
           <p:nvPr>
             <p:ph type="sldImg"/>
           </p:nvPr>
         </p:nvSpPr>
         <p:spPr>
+          <a:xfrm>
+            <a:off x="381000" y="685800"/>
+            <a:ext cx="6096000" cy="3429000"/>
+          </a:xfrm>
           <a:prstGeom prst="rect">
             <a:avLst/>
           </a:prstGeom>
@@ -1239,14 +1072,16 @@
           <a:bodyPr/>
           <a:lstStyle/>
           <a:p>
-            <a:pPr/>
-          </a:p>
-        </p:txBody>
-      </p:sp>
-      <p:sp>
-        <p:nvSpPr>
-          <p:cNvPr id="249" name="Shape 249"/>
-          <p:cNvSpPr/>
+            <a:endParaRPr/>
+          </a:p>
+        </p:txBody>
+      </p:sp>
+      <p:sp>
+        <p:nvSpPr>
+          <p:cNvPr id="240" name="Shape 240"/>
+          <p:cNvSpPr>
+            <a:spLocks noGrp="1"/>
+          </p:cNvSpPr>
           <p:nvPr>
             <p:ph type="body" sz="quarter" idx="1"/>
           </p:nvPr>
@@ -1265,10 +1100,87 @@
             </a:lvl1pPr>
           </a:lstStyle>
           <a:p>
-            <a:pPr/>
-            <a:r>
-              <a:t>The impact of the Act on decision making Are still unknown and </a:t>
-            </a:r>
+            <a:endParaRPr dirty="0"/>
+          </a:p>
+        </p:txBody>
+      </p:sp>
+    </p:spTree>
+  </p:cSld>
+  <p:clrMapOvr>
+    <a:masterClrMapping/>
+  </p:clrMapOvr>
+</p:notes>
+</file>
+
+<file path=ppt/notesSlides/notesSlide9.xml><?xml version="1.0" encoding="utf-8"?>
+<p:notes xmlns:a="http://schemas.openxmlformats.org/drawingml/2006/main" xmlns:r="http://schemas.openxmlformats.org/officeDocument/2006/relationships" xmlns:p="http://schemas.openxmlformats.org/presentationml/2006/main">
+  <p:cSld>
+    <p:spTree>
+      <p:nvGrpSpPr>
+        <p:cNvPr id="1" name=""/>
+        <p:cNvGrpSpPr/>
+        <p:nvPr/>
+      </p:nvGrpSpPr>
+      <p:grpSpPr>
+        <a:xfrm>
+          <a:off x="0" y="0"/>
+          <a:ext cx="0" cy="0"/>
+          <a:chOff x="0" y="0"/>
+          <a:chExt cx="0" cy="0"/>
+        </a:xfrm>
+      </p:grpSpPr>
+      <p:sp>
+        <p:nvSpPr>
+          <p:cNvPr id="248" name="Shape 248"/>
+          <p:cNvSpPr>
+            <a:spLocks noGrp="1" noRot="1" noChangeAspect="1"/>
+          </p:cNvSpPr>
+          <p:nvPr>
+            <p:ph type="sldImg"/>
+          </p:nvPr>
+        </p:nvSpPr>
+        <p:spPr>
+          <a:xfrm>
+            <a:off x="381000" y="685800"/>
+            <a:ext cx="6096000" cy="3429000"/>
+          </a:xfrm>
+          <a:prstGeom prst="rect">
+            <a:avLst/>
+          </a:prstGeom>
+        </p:spPr>
+        <p:txBody>
+          <a:bodyPr/>
+          <a:lstStyle/>
+          <a:p>
+            <a:endParaRPr/>
+          </a:p>
+        </p:txBody>
+      </p:sp>
+      <p:sp>
+        <p:nvSpPr>
+          <p:cNvPr id="249" name="Shape 249"/>
+          <p:cNvSpPr>
+            <a:spLocks noGrp="1"/>
+          </p:cNvSpPr>
+          <p:nvPr>
+            <p:ph type="body" sz="quarter" idx="1"/>
+          </p:nvPr>
+        </p:nvSpPr>
+        <p:spPr>
+          <a:prstGeom prst="rect">
+            <a:avLst/>
+          </a:prstGeom>
+        </p:spPr>
+        <p:txBody>
+          <a:bodyPr/>
+          <a:lstStyle>
+            <a:lvl1pPr marL="154118" indent="-154118">
+              <a:buSzPct val="75000"/>
+              <a:buChar char="-"/>
+            </a:lvl1pPr>
+          </a:lstStyle>
+          <a:p>
+            <a:endParaRPr dirty="0"/>
           </a:p>
         </p:txBody>
       </p:sp>
@@ -1281,7 +1193,7 @@
 </file>
 
 <file path=ppt/slideLayouts/slideLayout1.xml><?xml version="1.0" encoding="utf-8"?>
-<p:sldLayout xmlns:a="http://schemas.openxmlformats.org/drawingml/2006/main" xmlns:r="http://schemas.openxmlformats.org/officeDocument/2006/relationships" xmlns:p="http://schemas.openxmlformats.org/presentationml/2006/main" xmlns:m="http://schemas.openxmlformats.org/officeDocument/2006/math" xmlns:a14="http://schemas.microsoft.com/office/drawing/2010/main" type="title" showMasterSp="1" showMasterPhAnim="1">
+<p:sldLayout xmlns:a="http://schemas.openxmlformats.org/drawingml/2006/main" xmlns:r="http://schemas.openxmlformats.org/officeDocument/2006/relationships" xmlns:p="http://schemas.openxmlformats.org/presentationml/2006/main" type="title">
   <p:cSld name="Title &amp; Subtitle">
     <p:spTree>
       <p:nvGrpSpPr>
@@ -1300,7 +1212,9 @@
       <p:sp>
         <p:nvSpPr>
           <p:cNvPr id="11" name="Title Text"/>
-          <p:cNvSpPr txBox="1"/>
+          <p:cNvSpPr txBox="1">
+            <a:spLocks noGrp="1"/>
+          </p:cNvSpPr>
           <p:nvPr>
             <p:ph type="title"/>
           </p:nvPr>
@@ -1318,7 +1232,6 @@
           <a:bodyPr anchor="b"/>
           <a:lstStyle/>
           <a:p>
-            <a:pPr/>
             <a:r>
               <a:t>Title Text</a:t>
             </a:r>
@@ -1328,7 +1241,9 @@
       <p:sp>
         <p:nvSpPr>
           <p:cNvPr id="12" name="Body Level One…"/>
-          <p:cNvSpPr txBox="1"/>
+          <p:cNvSpPr txBox="1">
+            <a:spLocks noGrp="1"/>
+          </p:cNvSpPr>
           <p:nvPr>
             <p:ph type="body" sz="quarter" idx="1"/>
           </p:nvPr>
@@ -1387,7 +1302,6 @@
             </a:lvl5pPr>
           </a:lstStyle>
           <a:p>
-            <a:pPr/>
             <a:r>
               <a:t>Body Level One</a:t>
             </a:r>
@@ -1421,7 +1335,9 @@
       <p:sp>
         <p:nvSpPr>
           <p:cNvPr id="13" name="Slide Number"/>
-          <p:cNvSpPr txBox="1"/>
+          <p:cNvSpPr txBox="1">
+            <a:spLocks noGrp="1"/>
+          </p:cNvSpPr>
           <p:nvPr>
             <p:ph type="sldNum" sz="quarter" idx="2"/>
           </p:nvPr>
@@ -1435,8 +1351,10 @@
           <a:bodyPr/>
           <a:lstStyle/>
           <a:p>
-            <a:pPr/>
-            <a:fld id="{86CB4B4D-7CA3-9044-876B-883B54F8677D}" type="slidenum"/>
+            <a:fld id="{86CB4B4D-7CA3-9044-876B-883B54F8677D}" type="slidenum">
+              <a:t>‹#›</a:t>
+            </a:fld>
+            <a:endParaRPr/>
           </a:p>
         </p:txBody>
       </p:sp>
@@ -1445,12 +1363,12 @@
   <p:clrMapOvr>
     <a:masterClrMapping/>
   </p:clrMapOvr>
-  <p:transition xmlns:p14="http://schemas.microsoft.com/office/powerpoint/2010/main" spd="med" advClick="1"/>
+  <p:transition spd="med"/>
 </p:sldLayout>
 </file>
 
 <file path=ppt/slideLayouts/slideLayout10.xml><?xml version="1.0" encoding="utf-8"?>
-<p:sldLayout xmlns:a="http://schemas.openxmlformats.org/drawingml/2006/main" xmlns:r="http://schemas.openxmlformats.org/officeDocument/2006/relationships" xmlns:p="http://schemas.openxmlformats.org/presentationml/2006/main" xmlns:m="http://schemas.openxmlformats.org/officeDocument/2006/math" xmlns:a14="http://schemas.microsoft.com/office/drawing/2010/main" type="tx" showMasterSp="1" showMasterPhAnim="1">
+<p:sldLayout xmlns:a="http://schemas.openxmlformats.org/drawingml/2006/main" xmlns:r="http://schemas.openxmlformats.org/officeDocument/2006/relationships" xmlns:p="http://schemas.openxmlformats.org/presentationml/2006/main" type="tx">
   <p:cSld name="Quote">
     <p:spTree>
       <p:nvGrpSpPr>
@@ -1469,7 +1387,9 @@
       <p:sp>
         <p:nvSpPr>
           <p:cNvPr id="93" name="–Johnny Appleseed"/>
-          <p:cNvSpPr/>
+          <p:cNvSpPr>
+            <a:spLocks noGrp="1"/>
+          </p:cNvSpPr>
           <p:nvPr>
             <p:ph type="body" sz="quarter" idx="13"/>
           </p:nvPr>
@@ -1499,7 +1419,6 @@
             </a:lvl1pPr>
           </a:lstStyle>
           <a:p>
-            <a:pPr/>
             <a:r>
               <a:t>–Johnny Appleseed</a:t>
             </a:r>
@@ -1509,7 +1428,9 @@
       <p:sp>
         <p:nvSpPr>
           <p:cNvPr id="94" name="“Type a quote here.”"/>
-          <p:cNvSpPr/>
+          <p:cNvSpPr>
+            <a:spLocks noGrp="1"/>
+          </p:cNvSpPr>
           <p:nvPr>
             <p:ph type="body" sz="quarter" idx="14"/>
           </p:nvPr>
@@ -1543,7 +1464,6 @@
             </a:lvl1pPr>
           </a:lstStyle>
           <a:p>
-            <a:pPr/>
             <a:r>
               <a:t>“Type a quote here.” </a:t>
             </a:r>
@@ -1553,7 +1473,9 @@
       <p:sp>
         <p:nvSpPr>
           <p:cNvPr id="95" name="Slide Number"/>
-          <p:cNvSpPr txBox="1"/>
+          <p:cNvSpPr txBox="1">
+            <a:spLocks noGrp="1"/>
+          </p:cNvSpPr>
           <p:nvPr>
             <p:ph type="sldNum" sz="quarter" idx="2"/>
           </p:nvPr>
@@ -1567,8 +1489,10 @@
           <a:bodyPr/>
           <a:lstStyle/>
           <a:p>
-            <a:pPr/>
-            <a:fld id="{86CB4B4D-7CA3-9044-876B-883B54F8677D}" type="slidenum"/>
+            <a:fld id="{86CB4B4D-7CA3-9044-876B-883B54F8677D}" type="slidenum">
+              <a:t>‹#›</a:t>
+            </a:fld>
+            <a:endParaRPr/>
           </a:p>
         </p:txBody>
       </p:sp>
@@ -1577,12 +1501,12 @@
   <p:clrMapOvr>
     <a:masterClrMapping/>
   </p:clrMapOvr>
-  <p:transition xmlns:p14="http://schemas.microsoft.com/office/powerpoint/2010/main" spd="med" advClick="1"/>
+  <p:transition spd="med"/>
 </p:sldLayout>
 </file>
 
 <file path=ppt/slideLayouts/slideLayout11.xml><?xml version="1.0" encoding="utf-8"?>
-<p:sldLayout xmlns:a="http://schemas.openxmlformats.org/drawingml/2006/main" xmlns:r="http://schemas.openxmlformats.org/officeDocument/2006/relationships" xmlns:p="http://schemas.openxmlformats.org/presentationml/2006/main" xmlns:m="http://schemas.openxmlformats.org/officeDocument/2006/math" xmlns:a14="http://schemas.microsoft.com/office/drawing/2010/main" type="tx" showMasterSp="1" showMasterPhAnim="1">
+<p:sldLayout xmlns:a="http://schemas.openxmlformats.org/drawingml/2006/main" xmlns:r="http://schemas.openxmlformats.org/officeDocument/2006/relationships" xmlns:p="http://schemas.openxmlformats.org/presentationml/2006/main" type="tx">
   <p:cSld name="Photo">
     <p:spTree>
       <p:nvGrpSpPr>
@@ -1601,7 +1525,9 @@
       <p:sp>
         <p:nvSpPr>
           <p:cNvPr id="102" name="Image"/>
-          <p:cNvSpPr/>
+          <p:cNvSpPr>
+            <a:spLocks noGrp="1"/>
+          </p:cNvSpPr>
           <p:nvPr>
             <p:ph type="pic" idx="13"/>
           </p:nvPr>
@@ -1621,14 +1547,16 @@
           </a:bodyPr>
           <a:lstStyle/>
           <a:p>
-            <a:pPr/>
+            <a:endParaRPr/>
           </a:p>
         </p:txBody>
       </p:sp>
       <p:sp>
         <p:nvSpPr>
           <p:cNvPr id="103" name="Slide Number"/>
-          <p:cNvSpPr txBox="1"/>
+          <p:cNvSpPr txBox="1">
+            <a:spLocks noGrp="1"/>
+          </p:cNvSpPr>
           <p:nvPr>
             <p:ph type="sldNum" sz="quarter" idx="2"/>
           </p:nvPr>
@@ -1642,8 +1570,10 @@
           <a:bodyPr/>
           <a:lstStyle/>
           <a:p>
-            <a:pPr/>
-            <a:fld id="{86CB4B4D-7CA3-9044-876B-883B54F8677D}" type="slidenum"/>
+            <a:fld id="{86CB4B4D-7CA3-9044-876B-883B54F8677D}" type="slidenum">
+              <a:t>‹#›</a:t>
+            </a:fld>
+            <a:endParaRPr/>
           </a:p>
         </p:txBody>
       </p:sp>
@@ -1652,12 +1582,12 @@
   <p:clrMapOvr>
     <a:masterClrMapping/>
   </p:clrMapOvr>
-  <p:transition xmlns:p14="http://schemas.microsoft.com/office/powerpoint/2010/main" spd="med" advClick="1"/>
+  <p:transition spd="med"/>
 </p:sldLayout>
 </file>
 
 <file path=ppt/slideLayouts/slideLayout12.xml><?xml version="1.0" encoding="utf-8"?>
-<p:sldLayout xmlns:a="http://schemas.openxmlformats.org/drawingml/2006/main" xmlns:r="http://schemas.openxmlformats.org/officeDocument/2006/relationships" xmlns:p="http://schemas.openxmlformats.org/presentationml/2006/main" xmlns:m="http://schemas.openxmlformats.org/officeDocument/2006/math" xmlns:a14="http://schemas.microsoft.com/office/drawing/2010/main" type="tx" showMasterSp="1" showMasterPhAnim="1">
+<p:sldLayout xmlns:a="http://schemas.openxmlformats.org/drawingml/2006/main" xmlns:r="http://schemas.openxmlformats.org/officeDocument/2006/relationships" xmlns:p="http://schemas.openxmlformats.org/presentationml/2006/main" type="tx">
   <p:cSld name="Blank">
     <p:spTree>
       <p:nvGrpSpPr>
@@ -1676,7 +1606,9 @@
       <p:sp>
         <p:nvSpPr>
           <p:cNvPr id="110" name="Slide Number"/>
-          <p:cNvSpPr txBox="1"/>
+          <p:cNvSpPr txBox="1">
+            <a:spLocks noGrp="1"/>
+          </p:cNvSpPr>
           <p:nvPr>
             <p:ph type="sldNum" sz="quarter" idx="2"/>
           </p:nvPr>
@@ -1690,8 +1622,10 @@
           <a:bodyPr/>
           <a:lstStyle/>
           <a:p>
-            <a:pPr/>
-            <a:fld id="{86CB4B4D-7CA3-9044-876B-883B54F8677D}" type="slidenum"/>
+            <a:fld id="{86CB4B4D-7CA3-9044-876B-883B54F8677D}" type="slidenum">
+              <a:t>‹#›</a:t>
+            </a:fld>
+            <a:endParaRPr/>
           </a:p>
         </p:txBody>
       </p:sp>
@@ -1700,12 +1634,12 @@
   <p:clrMapOvr>
     <a:masterClrMapping/>
   </p:clrMapOvr>
-  <p:transition xmlns:p14="http://schemas.microsoft.com/office/powerpoint/2010/main" spd="med" advClick="1"/>
+  <p:transition spd="med"/>
 </p:sldLayout>
 </file>
 
 <file path=ppt/slideLayouts/slideLayout13.xml><?xml version="1.0" encoding="utf-8"?>
-<p:sldLayout xmlns:a="http://schemas.openxmlformats.org/drawingml/2006/main" xmlns:r="http://schemas.openxmlformats.org/officeDocument/2006/relationships" xmlns:p="http://schemas.openxmlformats.org/presentationml/2006/main" xmlns:m="http://schemas.openxmlformats.org/officeDocument/2006/math" xmlns:a14="http://schemas.microsoft.com/office/drawing/2010/main" type="tx" showMasterSp="1" showMasterPhAnim="1">
+<p:sldLayout xmlns:a="http://schemas.openxmlformats.org/drawingml/2006/main" xmlns:r="http://schemas.openxmlformats.org/officeDocument/2006/relationships" xmlns:p="http://schemas.openxmlformats.org/presentationml/2006/main" type="tx">
   <p:cSld name="Title &amp; Bullets">
     <p:spTree>
       <p:nvGrpSpPr>
@@ -1724,7 +1658,9 @@
       <p:sp>
         <p:nvSpPr>
           <p:cNvPr id="117" name="Title Text"/>
-          <p:cNvSpPr txBox="1"/>
+          <p:cNvSpPr txBox="1">
+            <a:spLocks noGrp="1"/>
+          </p:cNvSpPr>
           <p:nvPr>
             <p:ph type="title"/>
           </p:nvPr>
@@ -1750,7 +1686,6 @@
             </a:lvl1pPr>
           </a:lstStyle>
           <a:p>
-            <a:pPr/>
             <a:r>
               <a:t>Title Text</a:t>
             </a:r>
@@ -1760,7 +1695,9 @@
       <p:sp>
         <p:nvSpPr>
           <p:cNvPr id="118" name="Body Level One…"/>
-          <p:cNvSpPr txBox="1"/>
+          <p:cNvSpPr txBox="1">
+            <a:spLocks noGrp="1"/>
+          </p:cNvSpPr>
           <p:nvPr>
             <p:ph type="body" idx="1"/>
           </p:nvPr>
@@ -1774,7 +1711,6 @@
           <a:bodyPr/>
           <a:lstStyle/>
           <a:p>
-            <a:pPr/>
             <a:r>
               <a:t>Body Level One</a:t>
             </a:r>
@@ -1808,7 +1744,9 @@
       <p:sp>
         <p:nvSpPr>
           <p:cNvPr id="119" name="Slide Number"/>
-          <p:cNvSpPr txBox="1"/>
+          <p:cNvSpPr txBox="1">
+            <a:spLocks noGrp="1"/>
+          </p:cNvSpPr>
           <p:nvPr>
             <p:ph type="sldNum" sz="quarter" idx="2"/>
           </p:nvPr>
@@ -1822,8 +1760,10 @@
           <a:bodyPr/>
           <a:lstStyle/>
           <a:p>
-            <a:pPr/>
-            <a:fld id="{86CB4B4D-7CA3-9044-876B-883B54F8677D}" type="slidenum"/>
+            <a:fld id="{86CB4B4D-7CA3-9044-876B-883B54F8677D}" type="slidenum">
+              <a:t>‹#›</a:t>
+            </a:fld>
+            <a:endParaRPr/>
           </a:p>
         </p:txBody>
       </p:sp>
@@ -1832,12 +1772,12 @@
   <p:clrMapOvr>
     <a:masterClrMapping/>
   </p:clrMapOvr>
-  <p:transition xmlns:p14="http://schemas.microsoft.com/office/powerpoint/2010/main" spd="med" advClick="1"/>
+  <p:transition spd="med"/>
 </p:sldLayout>
 </file>
 
 <file path=ppt/slideLayouts/slideLayout14.xml><?xml version="1.0" encoding="utf-8"?>
-<p:sldLayout xmlns:a="http://schemas.openxmlformats.org/drawingml/2006/main" xmlns:r="http://schemas.openxmlformats.org/officeDocument/2006/relationships" xmlns:p="http://schemas.openxmlformats.org/presentationml/2006/main" xmlns:m="http://schemas.openxmlformats.org/officeDocument/2006/math" xmlns:a14="http://schemas.microsoft.com/office/drawing/2010/main" type="tx" showMasterSp="1" showMasterPhAnim="1">
+<p:sldLayout xmlns:a="http://schemas.openxmlformats.org/drawingml/2006/main" xmlns:r="http://schemas.openxmlformats.org/officeDocument/2006/relationships" xmlns:p="http://schemas.openxmlformats.org/presentationml/2006/main" type="tx">
   <p:cSld name="Title &amp; Bullets">
     <p:spTree>
       <p:nvGrpSpPr>
@@ -1856,7 +1796,9 @@
       <p:sp>
         <p:nvSpPr>
           <p:cNvPr id="126" name="Title Text"/>
-          <p:cNvSpPr txBox="1"/>
+          <p:cNvSpPr txBox="1">
+            <a:spLocks noGrp="1"/>
+          </p:cNvSpPr>
           <p:nvPr>
             <p:ph type="title"/>
           </p:nvPr>
@@ -1874,7 +1816,6 @@
             </a:lvl1pPr>
           </a:lstStyle>
           <a:p>
-            <a:pPr/>
             <a:r>
               <a:t>Title Text</a:t>
             </a:r>
@@ -1884,7 +1825,9 @@
       <p:sp>
         <p:nvSpPr>
           <p:cNvPr id="127" name="Body Level One…"/>
-          <p:cNvSpPr txBox="1"/>
+          <p:cNvSpPr txBox="1">
+            <a:spLocks noGrp="1"/>
+          </p:cNvSpPr>
           <p:nvPr>
             <p:ph type="body" idx="1"/>
           </p:nvPr>
@@ -1898,7 +1841,6 @@
           <a:bodyPr/>
           <a:lstStyle/>
           <a:p>
-            <a:pPr/>
             <a:r>
               <a:t>Body Level One</a:t>
             </a:r>
@@ -1932,7 +1874,9 @@
       <p:sp>
         <p:nvSpPr>
           <p:cNvPr id="128" name="Slide Number"/>
-          <p:cNvSpPr txBox="1"/>
+          <p:cNvSpPr txBox="1">
+            <a:spLocks noGrp="1"/>
+          </p:cNvSpPr>
           <p:nvPr>
             <p:ph type="sldNum" sz="quarter" idx="2"/>
           </p:nvPr>
@@ -1946,8 +1890,10 @@
           <a:bodyPr/>
           <a:lstStyle/>
           <a:p>
-            <a:pPr/>
-            <a:fld id="{86CB4B4D-7CA3-9044-876B-883B54F8677D}" type="slidenum"/>
+            <a:fld id="{86CB4B4D-7CA3-9044-876B-883B54F8677D}" type="slidenum">
+              <a:t>‹#›</a:t>
+            </a:fld>
+            <a:endParaRPr/>
           </a:p>
         </p:txBody>
       </p:sp>
@@ -1956,12 +1902,12 @@
   <p:clrMapOvr>
     <a:masterClrMapping/>
   </p:clrMapOvr>
-  <p:transition xmlns:p14="http://schemas.microsoft.com/office/powerpoint/2010/main" spd="med" advClick="1"/>
+  <p:transition spd="med"/>
 </p:sldLayout>
 </file>
 
 <file path=ppt/slideLayouts/slideLayout15.xml><?xml version="1.0" encoding="utf-8"?>
-<p:sldLayout xmlns:a="http://schemas.openxmlformats.org/drawingml/2006/main" xmlns:r="http://schemas.openxmlformats.org/officeDocument/2006/relationships" xmlns:p="http://schemas.openxmlformats.org/presentationml/2006/main" xmlns:m="http://schemas.openxmlformats.org/officeDocument/2006/math" xmlns:a14="http://schemas.microsoft.com/office/drawing/2010/main" type="tx" showMasterSp="1" showMasterPhAnim="1">
+<p:sldLayout xmlns:a="http://schemas.openxmlformats.org/drawingml/2006/main" xmlns:r="http://schemas.openxmlformats.org/officeDocument/2006/relationships" xmlns:p="http://schemas.openxmlformats.org/presentationml/2006/main" type="tx">
   <p:cSld name="Title &amp; Bullets">
     <p:spTree>
       <p:nvGrpSpPr>
@@ -1980,7 +1926,9 @@
       <p:sp>
         <p:nvSpPr>
           <p:cNvPr id="135" name="Title Text"/>
-          <p:cNvSpPr txBox="1"/>
+          <p:cNvSpPr txBox="1">
+            <a:spLocks noGrp="1"/>
+          </p:cNvSpPr>
           <p:nvPr>
             <p:ph type="title"/>
           </p:nvPr>
@@ -2006,7 +1954,6 @@
             </a:lvl1pPr>
           </a:lstStyle>
           <a:p>
-            <a:pPr/>
             <a:r>
               <a:t>Title Text</a:t>
             </a:r>
@@ -2016,7 +1963,9 @@
       <p:sp>
         <p:nvSpPr>
           <p:cNvPr id="136" name="Body Level One…"/>
-          <p:cNvSpPr txBox="1"/>
+          <p:cNvSpPr txBox="1">
+            <a:spLocks noGrp="1"/>
+          </p:cNvSpPr>
           <p:nvPr>
             <p:ph type="body" idx="1"/>
           </p:nvPr>
@@ -2071,7 +2020,6 @@
             </a:lvl5pPr>
           </a:lstStyle>
           <a:p>
-            <a:pPr/>
             <a:r>
               <a:t>Body Level One</a:t>
             </a:r>
@@ -2105,7 +2053,9 @@
       <p:sp>
         <p:nvSpPr>
           <p:cNvPr id="137" name="Slide Number"/>
-          <p:cNvSpPr txBox="1"/>
+          <p:cNvSpPr txBox="1">
+            <a:spLocks noGrp="1"/>
+          </p:cNvSpPr>
           <p:nvPr>
             <p:ph type="sldNum" sz="quarter" idx="2"/>
           </p:nvPr>
@@ -2119,8 +2069,10 @@
           <a:bodyPr/>
           <a:lstStyle/>
           <a:p>
-            <a:pPr/>
-            <a:fld id="{86CB4B4D-7CA3-9044-876B-883B54F8677D}" type="slidenum"/>
+            <a:fld id="{86CB4B4D-7CA3-9044-876B-883B54F8677D}" type="slidenum">
+              <a:t>‹#›</a:t>
+            </a:fld>
+            <a:endParaRPr/>
           </a:p>
         </p:txBody>
       </p:sp>
@@ -2129,12 +2081,12 @@
   <p:clrMapOvr>
     <a:masterClrMapping/>
   </p:clrMapOvr>
-  <p:transition xmlns:p14="http://schemas.microsoft.com/office/powerpoint/2010/main" spd="med" advClick="1"/>
+  <p:transition spd="med"/>
 </p:sldLayout>
 </file>
 
 <file path=ppt/slideLayouts/slideLayout16.xml><?xml version="1.0" encoding="utf-8"?>
-<p:sldLayout xmlns:a="http://schemas.openxmlformats.org/drawingml/2006/main" xmlns:r="http://schemas.openxmlformats.org/officeDocument/2006/relationships" xmlns:p="http://schemas.openxmlformats.org/presentationml/2006/main" xmlns:m="http://schemas.openxmlformats.org/officeDocument/2006/math" xmlns:a14="http://schemas.microsoft.com/office/drawing/2010/main" type="tx" showMasterSp="1" showMasterPhAnim="1">
+<p:sldLayout xmlns:a="http://schemas.openxmlformats.org/drawingml/2006/main" xmlns:r="http://schemas.openxmlformats.org/officeDocument/2006/relationships" xmlns:p="http://schemas.openxmlformats.org/presentationml/2006/main" type="tx">
   <p:cSld name="Title &amp; Subtitle">
     <p:spTree>
       <p:nvGrpSpPr>
@@ -2153,7 +2105,9 @@
       <p:sp>
         <p:nvSpPr>
           <p:cNvPr id="144" name="Title Text"/>
-          <p:cNvSpPr txBox="1"/>
+          <p:cNvSpPr txBox="1">
+            <a:spLocks noGrp="1"/>
+          </p:cNvSpPr>
           <p:nvPr>
             <p:ph type="title"/>
           </p:nvPr>
@@ -2180,7 +2134,6 @@
             </a:lvl1pPr>
           </a:lstStyle>
           <a:p>
-            <a:pPr/>
             <a:r>
               <a:t>Title Text</a:t>
             </a:r>
@@ -2190,7 +2143,9 @@
       <p:sp>
         <p:nvSpPr>
           <p:cNvPr id="145" name="Body Level One…"/>
-          <p:cNvSpPr txBox="1"/>
+          <p:cNvSpPr txBox="1">
+            <a:spLocks noGrp="1"/>
+          </p:cNvSpPr>
           <p:nvPr>
             <p:ph type="body" sz="quarter" idx="1"/>
           </p:nvPr>
@@ -2274,7 +2229,6 @@
             </a:lvl5pPr>
           </a:lstStyle>
           <a:p>
-            <a:pPr/>
             <a:r>
               <a:t>Body Level One</a:t>
             </a:r>
@@ -2308,7 +2262,9 @@
       <p:sp>
         <p:nvSpPr>
           <p:cNvPr id="146" name="Slide Number"/>
-          <p:cNvSpPr txBox="1"/>
+          <p:cNvSpPr txBox="1">
+            <a:spLocks noGrp="1"/>
+          </p:cNvSpPr>
           <p:nvPr>
             <p:ph type="sldNum" sz="quarter" idx="2"/>
           </p:nvPr>
@@ -2322,8 +2278,10 @@
           <a:bodyPr/>
           <a:lstStyle/>
           <a:p>
-            <a:pPr/>
-            <a:fld id="{86CB4B4D-7CA3-9044-876B-883B54F8677D}" type="slidenum"/>
+            <a:fld id="{86CB4B4D-7CA3-9044-876B-883B54F8677D}" type="slidenum">
+              <a:t>‹#›</a:t>
+            </a:fld>
+            <a:endParaRPr/>
           </a:p>
         </p:txBody>
       </p:sp>
@@ -2332,12 +2290,12 @@
   <p:clrMapOvr>
     <a:masterClrMapping/>
   </p:clrMapOvr>
-  <p:transition xmlns:p14="http://schemas.microsoft.com/office/powerpoint/2010/main" spd="med" advClick="1"/>
+  <p:transition spd="med"/>
 </p:sldLayout>
 </file>
 
 <file path=ppt/slideLayouts/slideLayout2.xml><?xml version="1.0" encoding="utf-8"?>
-<p:sldLayout xmlns:a="http://schemas.openxmlformats.org/drawingml/2006/main" xmlns:r="http://schemas.openxmlformats.org/officeDocument/2006/relationships" xmlns:p="http://schemas.openxmlformats.org/presentationml/2006/main" xmlns:m="http://schemas.openxmlformats.org/officeDocument/2006/math" xmlns:a14="http://schemas.microsoft.com/office/drawing/2010/main" type="tx" showMasterSp="1" showMasterPhAnim="1">
+<p:sldLayout xmlns:a="http://schemas.openxmlformats.org/drawingml/2006/main" xmlns:r="http://schemas.openxmlformats.org/officeDocument/2006/relationships" xmlns:p="http://schemas.openxmlformats.org/presentationml/2006/main" type="tx">
   <p:cSld name="Photo - Horizontal">
     <p:spTree>
       <p:nvGrpSpPr>
@@ -2356,7 +2314,9 @@
       <p:sp>
         <p:nvSpPr>
           <p:cNvPr id="20" name="Image"/>
-          <p:cNvSpPr/>
+          <p:cNvSpPr>
+            <a:spLocks noGrp="1"/>
+          </p:cNvSpPr>
           <p:nvPr>
             <p:ph type="pic" idx="13"/>
           </p:nvPr>
@@ -2376,14 +2336,16 @@
           </a:bodyPr>
           <a:lstStyle/>
           <a:p>
-            <a:pPr/>
+            <a:endParaRPr/>
           </a:p>
         </p:txBody>
       </p:sp>
       <p:sp>
         <p:nvSpPr>
           <p:cNvPr id="21" name="Title Text"/>
-          <p:cNvSpPr txBox="1"/>
+          <p:cNvSpPr txBox="1">
+            <a:spLocks noGrp="1"/>
+          </p:cNvSpPr>
           <p:nvPr>
             <p:ph type="title"/>
           </p:nvPr>
@@ -2401,7 +2363,6 @@
           <a:bodyPr/>
           <a:lstStyle/>
           <a:p>
-            <a:pPr/>
             <a:r>
               <a:t>Title Text</a:t>
             </a:r>
@@ -2411,7 +2372,9 @@
       <p:sp>
         <p:nvSpPr>
           <p:cNvPr id="22" name="Body Level One…"/>
-          <p:cNvSpPr txBox="1"/>
+          <p:cNvSpPr txBox="1">
+            <a:spLocks noGrp="1"/>
+          </p:cNvSpPr>
           <p:nvPr>
             <p:ph type="body" sz="quarter" idx="1"/>
           </p:nvPr>
@@ -2470,7 +2433,6 @@
             </a:lvl5pPr>
           </a:lstStyle>
           <a:p>
-            <a:pPr/>
             <a:r>
               <a:t>Body Level One</a:t>
             </a:r>
@@ -2504,7 +2466,9 @@
       <p:sp>
         <p:nvSpPr>
           <p:cNvPr id="23" name="Slide Number"/>
-          <p:cNvSpPr txBox="1"/>
+          <p:cNvSpPr txBox="1">
+            <a:spLocks noGrp="1"/>
+          </p:cNvSpPr>
           <p:nvPr>
             <p:ph type="sldNum" sz="quarter" idx="2"/>
           </p:nvPr>
@@ -2518,8 +2482,10 @@
           <a:bodyPr/>
           <a:lstStyle/>
           <a:p>
-            <a:pPr/>
-            <a:fld id="{86CB4B4D-7CA3-9044-876B-883B54F8677D}" type="slidenum"/>
+            <a:fld id="{86CB4B4D-7CA3-9044-876B-883B54F8677D}" type="slidenum">
+              <a:t>‹#›</a:t>
+            </a:fld>
+            <a:endParaRPr/>
           </a:p>
         </p:txBody>
       </p:sp>
@@ -2528,12 +2494,12 @@
   <p:clrMapOvr>
     <a:masterClrMapping/>
   </p:clrMapOvr>
-  <p:transition xmlns:p14="http://schemas.microsoft.com/office/powerpoint/2010/main" spd="med" advClick="1"/>
+  <p:transition spd="med"/>
 </p:sldLayout>
 </file>
 
 <file path=ppt/slideLayouts/slideLayout3.xml><?xml version="1.0" encoding="utf-8"?>
-<p:sldLayout xmlns:a="http://schemas.openxmlformats.org/drawingml/2006/main" xmlns:r="http://schemas.openxmlformats.org/officeDocument/2006/relationships" xmlns:p="http://schemas.openxmlformats.org/presentationml/2006/main" xmlns:m="http://schemas.openxmlformats.org/officeDocument/2006/math" xmlns:a14="http://schemas.microsoft.com/office/drawing/2010/main" type="tx" showMasterSp="1" showMasterPhAnim="1">
+<p:sldLayout xmlns:a="http://schemas.openxmlformats.org/drawingml/2006/main" xmlns:r="http://schemas.openxmlformats.org/officeDocument/2006/relationships" xmlns:p="http://schemas.openxmlformats.org/presentationml/2006/main" type="tx">
   <p:cSld name="Title - Center">
     <p:spTree>
       <p:nvGrpSpPr>
@@ -2552,7 +2518,9 @@
       <p:sp>
         <p:nvSpPr>
           <p:cNvPr id="30" name="Title Text"/>
-          <p:cNvSpPr txBox="1"/>
+          <p:cNvSpPr txBox="1">
+            <a:spLocks noGrp="1"/>
+          </p:cNvSpPr>
           <p:nvPr>
             <p:ph type="title"/>
           </p:nvPr>
@@ -2570,7 +2538,6 @@
           <a:bodyPr/>
           <a:lstStyle/>
           <a:p>
-            <a:pPr/>
             <a:r>
               <a:t>Title Text</a:t>
             </a:r>
@@ -2580,7 +2547,9 @@
       <p:sp>
         <p:nvSpPr>
           <p:cNvPr id="31" name="Slide Number"/>
-          <p:cNvSpPr txBox="1"/>
+          <p:cNvSpPr txBox="1">
+            <a:spLocks noGrp="1"/>
+          </p:cNvSpPr>
           <p:nvPr>
             <p:ph type="sldNum" sz="quarter" idx="2"/>
           </p:nvPr>
@@ -2594,8 +2563,10 @@
           <a:bodyPr/>
           <a:lstStyle/>
           <a:p>
-            <a:pPr/>
-            <a:fld id="{86CB4B4D-7CA3-9044-876B-883B54F8677D}" type="slidenum"/>
+            <a:fld id="{86CB4B4D-7CA3-9044-876B-883B54F8677D}" type="slidenum">
+              <a:t>‹#›</a:t>
+            </a:fld>
+            <a:endParaRPr/>
           </a:p>
         </p:txBody>
       </p:sp>
@@ -2604,12 +2575,12 @@
   <p:clrMapOvr>
     <a:masterClrMapping/>
   </p:clrMapOvr>
-  <p:transition xmlns:p14="http://schemas.microsoft.com/office/powerpoint/2010/main" spd="med" advClick="1"/>
+  <p:transition spd="med"/>
 </p:sldLayout>
 </file>
 
 <file path=ppt/slideLayouts/slideLayout4.xml><?xml version="1.0" encoding="utf-8"?>
-<p:sldLayout xmlns:a="http://schemas.openxmlformats.org/drawingml/2006/main" xmlns:r="http://schemas.openxmlformats.org/officeDocument/2006/relationships" xmlns:p="http://schemas.openxmlformats.org/presentationml/2006/main" xmlns:m="http://schemas.openxmlformats.org/officeDocument/2006/math" xmlns:a14="http://schemas.microsoft.com/office/drawing/2010/main" type="tx" showMasterSp="1" showMasterPhAnim="1">
+<p:sldLayout xmlns:a="http://schemas.openxmlformats.org/drawingml/2006/main" xmlns:r="http://schemas.openxmlformats.org/officeDocument/2006/relationships" xmlns:p="http://schemas.openxmlformats.org/presentationml/2006/main" type="tx">
   <p:cSld name="Photo - Vertical">
     <p:spTree>
       <p:nvGrpSpPr>
@@ -2628,7 +2599,9 @@
       <p:sp>
         <p:nvSpPr>
           <p:cNvPr id="38" name="Image"/>
-          <p:cNvSpPr/>
+          <p:cNvSpPr>
+            <a:spLocks noGrp="1"/>
+          </p:cNvSpPr>
           <p:nvPr>
             <p:ph type="pic" sz="half" idx="13"/>
           </p:nvPr>
@@ -2648,14 +2621,16 @@
           </a:bodyPr>
           <a:lstStyle/>
           <a:p>
-            <a:pPr/>
+            <a:endParaRPr/>
           </a:p>
         </p:txBody>
       </p:sp>
       <p:sp>
         <p:nvSpPr>
           <p:cNvPr id="39" name="Title Text"/>
-          <p:cNvSpPr txBox="1"/>
+          <p:cNvSpPr txBox="1">
+            <a:spLocks noGrp="1"/>
+          </p:cNvSpPr>
           <p:nvPr>
             <p:ph type="title"/>
           </p:nvPr>
@@ -2681,7 +2656,6 @@
             </a:lvl1pPr>
           </a:lstStyle>
           <a:p>
-            <a:pPr/>
             <a:r>
               <a:t>Title Text</a:t>
             </a:r>
@@ -2691,7 +2665,9 @@
       <p:sp>
         <p:nvSpPr>
           <p:cNvPr id="40" name="Body Level One…"/>
-          <p:cNvSpPr txBox="1"/>
+          <p:cNvSpPr txBox="1">
+            <a:spLocks noGrp="1"/>
+          </p:cNvSpPr>
           <p:nvPr>
             <p:ph type="body" sz="quarter" idx="1"/>
           </p:nvPr>
@@ -2750,7 +2726,6 @@
             </a:lvl5pPr>
           </a:lstStyle>
           <a:p>
-            <a:pPr/>
             <a:r>
               <a:t>Body Level One</a:t>
             </a:r>
@@ -2784,7 +2759,9 @@
       <p:sp>
         <p:nvSpPr>
           <p:cNvPr id="41" name="Slide Number"/>
-          <p:cNvSpPr txBox="1"/>
+          <p:cNvSpPr txBox="1">
+            <a:spLocks noGrp="1"/>
+          </p:cNvSpPr>
           <p:nvPr>
             <p:ph type="sldNum" sz="quarter" idx="2"/>
           </p:nvPr>
@@ -2798,8 +2775,10 @@
           <a:bodyPr/>
           <a:lstStyle/>
           <a:p>
-            <a:pPr/>
-            <a:fld id="{86CB4B4D-7CA3-9044-876B-883B54F8677D}" type="slidenum"/>
+            <a:fld id="{86CB4B4D-7CA3-9044-876B-883B54F8677D}" type="slidenum">
+              <a:t>‹#›</a:t>
+            </a:fld>
+            <a:endParaRPr/>
           </a:p>
         </p:txBody>
       </p:sp>
@@ -2808,12 +2787,12 @@
   <p:clrMapOvr>
     <a:masterClrMapping/>
   </p:clrMapOvr>
-  <p:transition xmlns:p14="http://schemas.microsoft.com/office/powerpoint/2010/main" spd="med" advClick="1"/>
+  <p:transition spd="med"/>
 </p:sldLayout>
 </file>
 
 <file path=ppt/slideLayouts/slideLayout5.xml><?xml version="1.0" encoding="utf-8"?>
-<p:sldLayout xmlns:a="http://schemas.openxmlformats.org/drawingml/2006/main" xmlns:r="http://schemas.openxmlformats.org/officeDocument/2006/relationships" xmlns:p="http://schemas.openxmlformats.org/presentationml/2006/main" xmlns:m="http://schemas.openxmlformats.org/officeDocument/2006/math" xmlns:a14="http://schemas.microsoft.com/office/drawing/2010/main" type="tx" showMasterSp="1" showMasterPhAnim="1">
+<p:sldLayout xmlns:a="http://schemas.openxmlformats.org/drawingml/2006/main" xmlns:r="http://schemas.openxmlformats.org/officeDocument/2006/relationships" xmlns:p="http://schemas.openxmlformats.org/presentationml/2006/main" type="tx">
   <p:cSld name="Title - Top">
     <p:spTree>
       <p:nvGrpSpPr>
@@ -2832,7 +2811,9 @@
       <p:sp>
         <p:nvSpPr>
           <p:cNvPr id="48" name="Title Text"/>
-          <p:cNvSpPr txBox="1"/>
+          <p:cNvSpPr txBox="1">
+            <a:spLocks noGrp="1"/>
+          </p:cNvSpPr>
           <p:nvPr>
             <p:ph type="title"/>
           </p:nvPr>
@@ -2846,7 +2827,6 @@
           <a:bodyPr/>
           <a:lstStyle/>
           <a:p>
-            <a:pPr/>
             <a:r>
               <a:t>Title Text</a:t>
             </a:r>
@@ -2856,7 +2836,9 @@
       <p:sp>
         <p:nvSpPr>
           <p:cNvPr id="49" name="Slide Number"/>
-          <p:cNvSpPr txBox="1"/>
+          <p:cNvSpPr txBox="1">
+            <a:spLocks noGrp="1"/>
+          </p:cNvSpPr>
           <p:nvPr>
             <p:ph type="sldNum" sz="quarter" idx="2"/>
           </p:nvPr>
@@ -2870,8 +2852,10 @@
           <a:bodyPr/>
           <a:lstStyle/>
           <a:p>
-            <a:pPr/>
-            <a:fld id="{86CB4B4D-7CA3-9044-876B-883B54F8677D}" type="slidenum"/>
+            <a:fld id="{86CB4B4D-7CA3-9044-876B-883B54F8677D}" type="slidenum">
+              <a:t>‹#›</a:t>
+            </a:fld>
+            <a:endParaRPr/>
           </a:p>
         </p:txBody>
       </p:sp>
@@ -2880,12 +2864,12 @@
   <p:clrMapOvr>
     <a:masterClrMapping/>
   </p:clrMapOvr>
-  <p:transition xmlns:p14="http://schemas.microsoft.com/office/powerpoint/2010/main" spd="med" advClick="1"/>
+  <p:transition spd="med"/>
 </p:sldLayout>
 </file>
 
 <file path=ppt/slideLayouts/slideLayout6.xml><?xml version="1.0" encoding="utf-8"?>
-<p:sldLayout xmlns:a="http://schemas.openxmlformats.org/drawingml/2006/main" xmlns:r="http://schemas.openxmlformats.org/officeDocument/2006/relationships" xmlns:p="http://schemas.openxmlformats.org/presentationml/2006/main" xmlns:m="http://schemas.openxmlformats.org/officeDocument/2006/math" xmlns:a14="http://schemas.microsoft.com/office/drawing/2010/main" type="tx" showMasterSp="1" showMasterPhAnim="1">
+<p:sldLayout xmlns:a="http://schemas.openxmlformats.org/drawingml/2006/main" xmlns:r="http://schemas.openxmlformats.org/officeDocument/2006/relationships" xmlns:p="http://schemas.openxmlformats.org/presentationml/2006/main" type="tx">
   <p:cSld name="Title &amp; Bullets">
     <p:spTree>
       <p:nvGrpSpPr>
@@ -2904,7 +2888,9 @@
       <p:sp>
         <p:nvSpPr>
           <p:cNvPr id="56" name="Title Text"/>
-          <p:cNvSpPr txBox="1"/>
+          <p:cNvSpPr txBox="1">
+            <a:spLocks noGrp="1"/>
+          </p:cNvSpPr>
           <p:nvPr>
             <p:ph type="title"/>
           </p:nvPr>
@@ -2918,7 +2904,6 @@
           <a:bodyPr/>
           <a:lstStyle/>
           <a:p>
-            <a:pPr/>
             <a:r>
               <a:t>Title Text</a:t>
             </a:r>
@@ -2928,7 +2913,9 @@
       <p:sp>
         <p:nvSpPr>
           <p:cNvPr id="57" name="Body Level One…"/>
-          <p:cNvSpPr txBox="1"/>
+          <p:cNvSpPr txBox="1">
+            <a:spLocks noGrp="1"/>
+          </p:cNvSpPr>
           <p:nvPr>
             <p:ph type="body" idx="1"/>
           </p:nvPr>
@@ -2942,7 +2929,6 @@
           <a:bodyPr/>
           <a:lstStyle/>
           <a:p>
-            <a:pPr/>
             <a:r>
               <a:t>Body Level One</a:t>
             </a:r>
@@ -2976,7 +2962,9 @@
       <p:sp>
         <p:nvSpPr>
           <p:cNvPr id="58" name="Slide Number"/>
-          <p:cNvSpPr txBox="1"/>
+          <p:cNvSpPr txBox="1">
+            <a:spLocks noGrp="1"/>
+          </p:cNvSpPr>
           <p:nvPr>
             <p:ph type="sldNum" sz="quarter" idx="2"/>
           </p:nvPr>
@@ -2990,8 +2978,10 @@
           <a:bodyPr/>
           <a:lstStyle/>
           <a:p>
-            <a:pPr/>
-            <a:fld id="{86CB4B4D-7CA3-9044-876B-883B54F8677D}" type="slidenum"/>
+            <a:fld id="{86CB4B4D-7CA3-9044-876B-883B54F8677D}" type="slidenum">
+              <a:t>‹#›</a:t>
+            </a:fld>
+            <a:endParaRPr/>
           </a:p>
         </p:txBody>
       </p:sp>
@@ -3000,12 +2990,12 @@
   <p:clrMapOvr>
     <a:masterClrMapping/>
   </p:clrMapOvr>
-  <p:transition xmlns:p14="http://schemas.microsoft.com/office/powerpoint/2010/main" spd="med" advClick="1"/>
+  <p:transition spd="med"/>
 </p:sldLayout>
 </file>
 
 <file path=ppt/slideLayouts/slideLayout7.xml><?xml version="1.0" encoding="utf-8"?>
-<p:sldLayout xmlns:a="http://schemas.openxmlformats.org/drawingml/2006/main" xmlns:r="http://schemas.openxmlformats.org/officeDocument/2006/relationships" xmlns:p="http://schemas.openxmlformats.org/presentationml/2006/main" xmlns:m="http://schemas.openxmlformats.org/officeDocument/2006/math" xmlns:a14="http://schemas.microsoft.com/office/drawing/2010/main" type="tx" showMasterSp="1" showMasterPhAnim="1">
+<p:sldLayout xmlns:a="http://schemas.openxmlformats.org/drawingml/2006/main" xmlns:r="http://schemas.openxmlformats.org/officeDocument/2006/relationships" xmlns:p="http://schemas.openxmlformats.org/presentationml/2006/main" type="tx">
   <p:cSld name="Title, Bullets &amp; Photo">
     <p:spTree>
       <p:nvGrpSpPr>
@@ -3024,7 +3014,9 @@
       <p:sp>
         <p:nvSpPr>
           <p:cNvPr id="65" name="Image"/>
-          <p:cNvSpPr/>
+          <p:cNvSpPr>
+            <a:spLocks noGrp="1"/>
+          </p:cNvSpPr>
           <p:nvPr>
             <p:ph type="pic" sz="half" idx="13"/>
           </p:nvPr>
@@ -3044,14 +3036,16 @@
           </a:bodyPr>
           <a:lstStyle/>
           <a:p>
-            <a:pPr/>
+            <a:endParaRPr/>
           </a:p>
         </p:txBody>
       </p:sp>
       <p:sp>
         <p:nvSpPr>
           <p:cNvPr id="66" name="Title Text"/>
-          <p:cNvSpPr txBox="1"/>
+          <p:cNvSpPr txBox="1">
+            <a:spLocks noGrp="1"/>
+          </p:cNvSpPr>
           <p:nvPr>
             <p:ph type="title"/>
           </p:nvPr>
@@ -3065,7 +3059,6 @@
           <a:bodyPr/>
           <a:lstStyle/>
           <a:p>
-            <a:pPr/>
             <a:r>
               <a:t>Title Text</a:t>
             </a:r>
@@ -3075,7 +3068,9 @@
       <p:sp>
         <p:nvSpPr>
           <p:cNvPr id="67" name="Body Level One…"/>
-          <p:cNvSpPr txBox="1"/>
+          <p:cNvSpPr txBox="1">
+            <a:spLocks noGrp="1"/>
+          </p:cNvSpPr>
           <p:nvPr>
             <p:ph type="body" sz="half" idx="1"/>
           </p:nvPr>
@@ -3124,7 +3119,6 @@
             </a:lvl5pPr>
           </a:lstStyle>
           <a:p>
-            <a:pPr/>
             <a:r>
               <a:t>Body Level One</a:t>
             </a:r>
@@ -3158,7 +3152,9 @@
       <p:sp>
         <p:nvSpPr>
           <p:cNvPr id="68" name="Slide Number"/>
-          <p:cNvSpPr txBox="1"/>
+          <p:cNvSpPr txBox="1">
+            <a:spLocks noGrp="1"/>
+          </p:cNvSpPr>
           <p:nvPr>
             <p:ph type="sldNum" sz="quarter" idx="2"/>
           </p:nvPr>
@@ -3172,8 +3168,10 @@
           <a:bodyPr/>
           <a:lstStyle/>
           <a:p>
-            <a:pPr/>
-            <a:fld id="{86CB4B4D-7CA3-9044-876B-883B54F8677D}" type="slidenum"/>
+            <a:fld id="{86CB4B4D-7CA3-9044-876B-883B54F8677D}" type="slidenum">
+              <a:t>‹#›</a:t>
+            </a:fld>
+            <a:endParaRPr/>
           </a:p>
         </p:txBody>
       </p:sp>
@@ -3182,12 +3180,12 @@
   <p:clrMapOvr>
     <a:masterClrMapping/>
   </p:clrMapOvr>
-  <p:transition xmlns:p14="http://schemas.microsoft.com/office/powerpoint/2010/main" spd="med" advClick="1"/>
+  <p:transition spd="med"/>
 </p:sldLayout>
 </file>
 
 <file path=ppt/slideLayouts/slideLayout8.xml><?xml version="1.0" encoding="utf-8"?>
-<p:sldLayout xmlns:a="http://schemas.openxmlformats.org/drawingml/2006/main" xmlns:r="http://schemas.openxmlformats.org/officeDocument/2006/relationships" xmlns:p="http://schemas.openxmlformats.org/presentationml/2006/main" xmlns:m="http://schemas.openxmlformats.org/officeDocument/2006/math" xmlns:a14="http://schemas.microsoft.com/office/drawing/2010/main" type="tx" showMasterSp="1" showMasterPhAnim="1">
+<p:sldLayout xmlns:a="http://schemas.openxmlformats.org/drawingml/2006/main" xmlns:r="http://schemas.openxmlformats.org/officeDocument/2006/relationships" xmlns:p="http://schemas.openxmlformats.org/presentationml/2006/main" type="tx">
   <p:cSld name="Bullets">
     <p:spTree>
       <p:nvGrpSpPr>
@@ -3206,7 +3204,9 @@
       <p:sp>
         <p:nvSpPr>
           <p:cNvPr id="75" name="Body Level One…"/>
-          <p:cNvSpPr txBox="1"/>
+          <p:cNvSpPr txBox="1">
+            <a:spLocks noGrp="1"/>
+          </p:cNvSpPr>
           <p:nvPr>
             <p:ph type="body" idx="1"/>
           </p:nvPr>
@@ -3224,7 +3224,6 @@
           <a:bodyPr/>
           <a:lstStyle/>
           <a:p>
-            <a:pPr/>
             <a:r>
               <a:t>Body Level One</a:t>
             </a:r>
@@ -3258,7 +3257,9 @@
       <p:sp>
         <p:nvSpPr>
           <p:cNvPr id="76" name="Slide Number"/>
-          <p:cNvSpPr txBox="1"/>
+          <p:cNvSpPr txBox="1">
+            <a:spLocks noGrp="1"/>
+          </p:cNvSpPr>
           <p:nvPr>
             <p:ph type="sldNum" sz="quarter" idx="2"/>
           </p:nvPr>
@@ -3272,8 +3273,10 @@
           <a:bodyPr/>
           <a:lstStyle/>
           <a:p>
-            <a:pPr/>
-            <a:fld id="{86CB4B4D-7CA3-9044-876B-883B54F8677D}" type="slidenum"/>
+            <a:fld id="{86CB4B4D-7CA3-9044-876B-883B54F8677D}" type="slidenum">
+              <a:t>‹#›</a:t>
+            </a:fld>
+            <a:endParaRPr/>
           </a:p>
         </p:txBody>
       </p:sp>
@@ -3282,12 +3285,12 @@
   <p:clrMapOvr>
     <a:masterClrMapping/>
   </p:clrMapOvr>
-  <p:transition xmlns:p14="http://schemas.microsoft.com/office/powerpoint/2010/main" spd="med" advClick="1"/>
+  <p:transition spd="med"/>
 </p:sldLayout>
 </file>
 
 <file path=ppt/slideLayouts/slideLayout9.xml><?xml version="1.0" encoding="utf-8"?>
-<p:sldLayout xmlns:a="http://schemas.openxmlformats.org/drawingml/2006/main" xmlns:r="http://schemas.openxmlformats.org/officeDocument/2006/relationships" xmlns:p="http://schemas.openxmlformats.org/presentationml/2006/main" xmlns:m="http://schemas.openxmlformats.org/officeDocument/2006/math" xmlns:a14="http://schemas.microsoft.com/office/drawing/2010/main" type="tx" showMasterSp="1" showMasterPhAnim="1">
+<p:sldLayout xmlns:a="http://schemas.openxmlformats.org/drawingml/2006/main" xmlns:r="http://schemas.openxmlformats.org/officeDocument/2006/relationships" xmlns:p="http://schemas.openxmlformats.org/presentationml/2006/main" type="tx">
   <p:cSld name="Photo - 3 Up">
     <p:spTree>
       <p:nvGrpSpPr>
@@ -3306,7 +3309,9 @@
       <p:sp>
         <p:nvSpPr>
           <p:cNvPr id="83" name="Image"/>
-          <p:cNvSpPr/>
+          <p:cNvSpPr>
+            <a:spLocks noGrp="1"/>
+          </p:cNvSpPr>
           <p:nvPr>
             <p:ph type="pic" sz="quarter" idx="13"/>
           </p:nvPr>
@@ -3326,14 +3331,16 @@
           </a:bodyPr>
           <a:lstStyle/>
           <a:p>
-            <a:pPr/>
+            <a:endParaRPr/>
           </a:p>
         </p:txBody>
       </p:sp>
       <p:sp>
         <p:nvSpPr>
           <p:cNvPr id="84" name="Image"/>
-          <p:cNvSpPr/>
+          <p:cNvSpPr>
+            <a:spLocks noGrp="1"/>
+          </p:cNvSpPr>
           <p:nvPr>
             <p:ph type="pic" sz="quarter" idx="14"/>
           </p:nvPr>
@@ -3353,14 +3360,16 @@
           </a:bodyPr>
           <a:lstStyle/>
           <a:p>
-            <a:pPr/>
+            <a:endParaRPr/>
           </a:p>
         </p:txBody>
       </p:sp>
       <p:sp>
         <p:nvSpPr>
           <p:cNvPr id="85" name="Image"/>
-          <p:cNvSpPr/>
+          <p:cNvSpPr>
+            <a:spLocks noGrp="1"/>
+          </p:cNvSpPr>
           <p:nvPr>
             <p:ph type="pic" idx="15"/>
           </p:nvPr>
@@ -3380,14 +3389,16 @@
           </a:bodyPr>
           <a:lstStyle/>
           <a:p>
-            <a:pPr/>
+            <a:endParaRPr/>
           </a:p>
         </p:txBody>
       </p:sp>
       <p:sp>
         <p:nvSpPr>
           <p:cNvPr id="86" name="Slide Number"/>
-          <p:cNvSpPr txBox="1"/>
+          <p:cNvSpPr txBox="1">
+            <a:spLocks noGrp="1"/>
+          </p:cNvSpPr>
           <p:nvPr>
             <p:ph type="sldNum" sz="quarter" idx="2"/>
           </p:nvPr>
@@ -3401,8 +3412,10 @@
           <a:bodyPr/>
           <a:lstStyle/>
           <a:p>
-            <a:pPr/>
-            <a:fld id="{86CB4B4D-7CA3-9044-876B-883B54F8677D}" type="slidenum"/>
+            <a:fld id="{86CB4B4D-7CA3-9044-876B-883B54F8677D}" type="slidenum">
+              <a:t>‹#›</a:t>
+            </a:fld>
+            <a:endParaRPr/>
           </a:p>
         </p:txBody>
       </p:sp>
@@ -3411,18 +3424,19 @@
   <p:clrMapOvr>
     <a:masterClrMapping/>
   </p:clrMapOvr>
-  <p:transition xmlns:p14="http://schemas.microsoft.com/office/powerpoint/2010/main" spd="med" advClick="1"/>
+  <p:transition spd="med"/>
 </p:sldLayout>
 </file>
 
 <file path=ppt/slideMasters/slideMaster1.xml><?xml version="1.0" encoding="utf-8"?>
-<p:sldMaster xmlns:a="http://schemas.openxmlformats.org/drawingml/2006/main" xmlns:r="http://schemas.openxmlformats.org/officeDocument/2006/relationships" xmlns:p="http://schemas.openxmlformats.org/presentationml/2006/main" xmlns:m="http://schemas.openxmlformats.org/officeDocument/2006/math" xmlns:a14="http://schemas.microsoft.com/office/drawing/2010/main">
+<p:sldMaster xmlns:a="http://schemas.openxmlformats.org/drawingml/2006/main" xmlns:r="http://schemas.openxmlformats.org/officeDocument/2006/relationships" xmlns:p="http://schemas.openxmlformats.org/presentationml/2006/main">
   <p:cSld>
     <p:bg>
       <p:bgPr>
         <a:solidFill>
           <a:srgbClr val="000000"/>
         </a:solidFill>
+        <a:effectLst/>
       </p:bgPr>
     </p:bg>
     <p:spTree>
@@ -3442,7 +3456,9 @@
       <p:sp>
         <p:nvSpPr>
           <p:cNvPr id="2" name="Title Text"/>
-          <p:cNvSpPr txBox="1"/>
+          <p:cNvSpPr txBox="1">
+            <a:spLocks noGrp="1"/>
+          </p:cNvSpPr>
           <p:nvPr>
             <p:ph type="title"/>
           </p:nvPr>
@@ -3460,17 +3476,16 @@
           </a:ln>
           <a:extLst>
             <a:ext uri="{C572A759-6A51-4108-AA02-DFA0A04FC94B}">
-              <ma14:wrappingTextBoxFlag xmlns:ma14="http://schemas.microsoft.com/office/mac/drawingml/2011/main" val="1"/>
+              <ma14:wrappingTextBoxFlag xmlns:ma14="http://schemas.microsoft.com/office/mac/drawingml/2011/main" xmlns:a14="http://schemas.microsoft.com/office/drawing/2010/main" xmlns:m="http://schemas.openxmlformats.org/officeDocument/2006/math" xmlns="" val="1"/>
             </a:ext>
           </a:extLst>
         </p:spPr>
         <p:txBody>
           <a:bodyPr lIns="50800" tIns="50800" rIns="50800" bIns="50800" anchor="ctr">
-            <a:normAutofit fontScale="100000" lnSpcReduction="0"/>
+            <a:normAutofit/>
           </a:bodyPr>
           <a:lstStyle/>
           <a:p>
-            <a:pPr/>
             <a:r>
               <a:t>Title Text</a:t>
             </a:r>
@@ -3480,7 +3495,9 @@
       <p:sp>
         <p:nvSpPr>
           <p:cNvPr id="3" name="Body Level One…"/>
-          <p:cNvSpPr txBox="1"/>
+          <p:cNvSpPr txBox="1">
+            <a:spLocks noGrp="1"/>
+          </p:cNvSpPr>
           <p:nvPr>
             <p:ph type="body" idx="1"/>
           </p:nvPr>
@@ -3498,17 +3515,16 @@
           </a:ln>
           <a:extLst>
             <a:ext uri="{C572A759-6A51-4108-AA02-DFA0A04FC94B}">
-              <ma14:wrappingTextBoxFlag xmlns:ma14="http://schemas.microsoft.com/office/mac/drawingml/2011/main" val="1"/>
+              <ma14:wrappingTextBoxFlag xmlns:ma14="http://schemas.microsoft.com/office/mac/drawingml/2011/main" xmlns:a14="http://schemas.microsoft.com/office/drawing/2010/main" xmlns:m="http://schemas.openxmlformats.org/officeDocument/2006/math" xmlns="" val="1"/>
             </a:ext>
           </a:extLst>
         </p:spPr>
         <p:txBody>
           <a:bodyPr lIns="50800" tIns="50800" rIns="50800" bIns="50800" anchor="ctr">
-            <a:normAutofit fontScale="100000" lnSpcReduction="0"/>
+            <a:normAutofit/>
           </a:bodyPr>
           <a:lstStyle/>
           <a:p>
-            <a:pPr/>
             <a:r>
               <a:t>Body Level One</a:t>
             </a:r>
@@ -3542,7 +3558,9 @@
       <p:sp>
         <p:nvSpPr>
           <p:cNvPr id="4" name="Slide Number"/>
-          <p:cNvSpPr txBox="1"/>
+          <p:cNvSpPr txBox="1">
+            <a:spLocks noGrp="1"/>
+          </p:cNvSpPr>
           <p:nvPr>
             <p:ph type="sldNum" sz="quarter" idx="2"/>
           </p:nvPr>
@@ -3577,8 +3595,10 @@
             </a:lvl1pPr>
           </a:lstStyle>
           <a:p>
-            <a:pPr/>
-            <a:fld id="{86CB4B4D-7CA3-9044-876B-883B54F8677D}" type="slidenum"/>
+            <a:fld id="{86CB4B4D-7CA3-9044-876B-883B54F8677D}" type="slidenum">
+              <a:t>‹#›</a:t>
+            </a:fld>
+            <a:endParaRPr/>
           </a:p>
         </p:txBody>
       </p:sp>
@@ -3586,24 +3606,24 @@
   </p:cSld>
   <p:clrMap bg1="lt1" tx1="dk1" bg2="lt2" tx2="dk2" accent1="accent1" accent2="accent2" accent3="accent3" accent4="accent4" accent5="accent5" accent6="accent6" hlink="hlink" folHlink="folHlink"/>
   <p:sldLayoutIdLst>
-    <p:sldLayoutId id="2147483649" r:id="rId2"/>
-    <p:sldLayoutId id="2147483650" r:id="rId3"/>
-    <p:sldLayoutId id="2147483651" r:id="rId4"/>
-    <p:sldLayoutId id="2147483652" r:id="rId5"/>
-    <p:sldLayoutId id="2147483653" r:id="rId6"/>
-    <p:sldLayoutId id="2147483654" r:id="rId7"/>
-    <p:sldLayoutId id="2147483655" r:id="rId8"/>
-    <p:sldLayoutId id="2147483656" r:id="rId9"/>
-    <p:sldLayoutId id="2147483657" r:id="rId10"/>
-    <p:sldLayoutId id="2147483658" r:id="rId11"/>
-    <p:sldLayoutId id="2147483659" r:id="rId12"/>
-    <p:sldLayoutId id="2147483660" r:id="rId13"/>
-    <p:sldLayoutId id="2147483661" r:id="rId14"/>
-    <p:sldLayoutId id="2147483662" r:id="rId15"/>
-    <p:sldLayoutId id="2147483663" r:id="rId16"/>
-    <p:sldLayoutId id="2147483664" r:id="rId17"/>
+    <p:sldLayoutId id="2147483649" r:id="rId1"/>
+    <p:sldLayoutId id="2147483650" r:id="rId2"/>
+    <p:sldLayoutId id="2147483651" r:id="rId3"/>
+    <p:sldLayoutId id="2147483652" r:id="rId4"/>
+    <p:sldLayoutId id="2147483653" r:id="rId5"/>
+    <p:sldLayoutId id="2147483654" r:id="rId6"/>
+    <p:sldLayoutId id="2147483655" r:id="rId7"/>
+    <p:sldLayoutId id="2147483656" r:id="rId8"/>
+    <p:sldLayoutId id="2147483657" r:id="rId9"/>
+    <p:sldLayoutId id="2147483658" r:id="rId10"/>
+    <p:sldLayoutId id="2147483659" r:id="rId11"/>
+    <p:sldLayoutId id="2147483660" r:id="rId12"/>
+    <p:sldLayoutId id="2147483661" r:id="rId13"/>
+    <p:sldLayoutId id="2147483662" r:id="rId14"/>
+    <p:sldLayoutId id="2147483663" r:id="rId15"/>
+    <p:sldLayoutId id="2147483664" r:id="rId16"/>
   </p:sldLayoutIdLst>
-  <p:transition xmlns:p14="http://schemas.microsoft.com/office/powerpoint/2010/main" spd="med" advClick="1"/>
+  <p:transition spd="med"/>
   <p:txStyles>
     <p:titleStyle>
       <a:lvl1pPr marL="0" marR="0" indent="0" algn="r" defTabSz="825500" rtl="0" latinLnBrk="0">
@@ -3621,7 +3641,7 @@
         <a:buFontTx/>
         <a:buNone/>
         <a:tabLst/>
-        <a:defRPr b="0" baseline="0" cap="none" i="0" spc="0" strike="noStrike" sz="10000" u="none">
+        <a:defRPr sz="10000" b="0" i="0" u="none" strike="noStrike" cap="none" spc="0" baseline="0">
           <a:ln>
             <a:noFill/>
           </a:ln>
@@ -3650,7 +3670,7 @@
         <a:buFontTx/>
         <a:buNone/>
         <a:tabLst/>
-        <a:defRPr b="0" baseline="0" cap="none" i="0" spc="0" strike="noStrike" sz="10000" u="none">
+        <a:defRPr sz="10000" b="0" i="0" u="none" strike="noStrike" cap="none" spc="0" baseline="0">
           <a:ln>
             <a:noFill/>
           </a:ln>
@@ -3679,7 +3699,7 @@
         <a:buFontTx/>
         <a:buNone/>
         <a:tabLst/>
-        <a:defRPr b="0" baseline="0" cap="none" i="0" spc="0" strike="noStrike" sz="10000" u="none">
+        <a:defRPr sz="10000" b="0" i="0" u="none" strike="noStrike" cap="none" spc="0" baseline="0">
           <a:ln>
             <a:noFill/>
           </a:ln>
@@ -3708,7 +3728,7 @@
         <a:buFontTx/>
         <a:buNone/>
         <a:tabLst/>
-        <a:defRPr b="0" baseline="0" cap="none" i="0" spc="0" strike="noStrike" sz="10000" u="none">
+        <a:defRPr sz="10000" b="0" i="0" u="none" strike="noStrike" cap="none" spc="0" baseline="0">
           <a:ln>
             <a:noFill/>
           </a:ln>
@@ -3737,7 +3757,7 @@
         <a:buFontTx/>
         <a:buNone/>
         <a:tabLst/>
-        <a:defRPr b="0" baseline="0" cap="none" i="0" spc="0" strike="noStrike" sz="10000" u="none">
+        <a:defRPr sz="10000" b="0" i="0" u="none" strike="noStrike" cap="none" spc="0" baseline="0">
           <a:ln>
             <a:noFill/>
           </a:ln>
@@ -3766,7 +3786,7 @@
         <a:buFontTx/>
         <a:buNone/>
         <a:tabLst/>
-        <a:defRPr b="0" baseline="0" cap="none" i="0" spc="0" strike="noStrike" sz="10000" u="none">
+        <a:defRPr sz="10000" b="0" i="0" u="none" strike="noStrike" cap="none" spc="0" baseline="0">
           <a:ln>
             <a:noFill/>
           </a:ln>
@@ -3795,7 +3815,7 @@
         <a:buFontTx/>
         <a:buNone/>
         <a:tabLst/>
-        <a:defRPr b="0" baseline="0" cap="none" i="0" spc="0" strike="noStrike" sz="10000" u="none">
+        <a:defRPr sz="10000" b="0" i="0" u="none" strike="noStrike" cap="none" spc="0" baseline="0">
           <a:ln>
             <a:noFill/>
           </a:ln>
@@ -3824,7 +3844,7 @@
         <a:buFontTx/>
         <a:buNone/>
         <a:tabLst/>
-        <a:defRPr b="0" baseline="0" cap="none" i="0" spc="0" strike="noStrike" sz="10000" u="none">
+        <a:defRPr sz="10000" b="0" i="0" u="none" strike="noStrike" cap="none" spc="0" baseline="0">
           <a:ln>
             <a:noFill/>
           </a:ln>
@@ -3853,7 +3873,7 @@
         <a:buFontTx/>
         <a:buNone/>
         <a:tabLst/>
-        <a:defRPr b="0" baseline="0" cap="none" i="0" spc="0" strike="noStrike" sz="10000" u="none">
+        <a:defRPr sz="10000" b="0" i="0" u="none" strike="noStrike" cap="none" spc="0" baseline="0">
           <a:ln>
             <a:noFill/>
           </a:ln>
@@ -3884,7 +3904,7 @@
         <a:buFontTx/>
         <a:buChar char="•"/>
         <a:tabLst/>
-        <a:defRPr b="0" baseline="0" cap="none" i="0" spc="0" strike="noStrike" sz="6400" u="none">
+        <a:defRPr sz="6400" b="0" i="0" u="none" strike="noStrike" cap="none" spc="0" baseline="0">
           <a:ln>
             <a:noFill/>
           </a:ln>
@@ -3913,7 +3933,7 @@
         <a:buFontTx/>
         <a:buChar char="•"/>
         <a:tabLst/>
-        <a:defRPr b="0" baseline="0" cap="none" i="0" spc="0" strike="noStrike" sz="6400" u="none">
+        <a:defRPr sz="6400" b="0" i="0" u="none" strike="noStrike" cap="none" spc="0" baseline="0">
           <a:ln>
             <a:noFill/>
           </a:ln>
@@ -3942,7 +3962,7 @@
         <a:buFontTx/>
         <a:buChar char="•"/>
         <a:tabLst/>
-        <a:defRPr b="0" baseline="0" cap="none" i="0" spc="0" strike="noStrike" sz="6400" u="none">
+        <a:defRPr sz="6400" b="0" i="0" u="none" strike="noStrike" cap="none" spc="0" baseline="0">
           <a:ln>
             <a:noFill/>
           </a:ln>
@@ -3971,7 +3991,7 @@
         <a:buFontTx/>
         <a:buChar char="•"/>
         <a:tabLst/>
-        <a:defRPr b="0" baseline="0" cap="none" i="0" spc="0" strike="noStrike" sz="6400" u="none">
+        <a:defRPr sz="6400" b="0" i="0" u="none" strike="noStrike" cap="none" spc="0" baseline="0">
           <a:ln>
             <a:noFill/>
           </a:ln>
@@ -4000,7 +4020,7 @@
         <a:buFontTx/>
         <a:buChar char="•"/>
         <a:tabLst/>
-        <a:defRPr b="0" baseline="0" cap="none" i="0" spc="0" strike="noStrike" sz="6400" u="none">
+        <a:defRPr sz="6400" b="0" i="0" u="none" strike="noStrike" cap="none" spc="0" baseline="0">
           <a:ln>
             <a:noFill/>
           </a:ln>
@@ -4029,7 +4049,7 @@
         <a:buFontTx/>
         <a:buChar char="•"/>
         <a:tabLst/>
-        <a:defRPr b="0" baseline="0" cap="none" i="0" spc="0" strike="noStrike" sz="6400" u="none">
+        <a:defRPr sz="6400" b="0" i="0" u="none" strike="noStrike" cap="none" spc="0" baseline="0">
           <a:ln>
             <a:noFill/>
           </a:ln>
@@ -4058,7 +4078,7 @@
         <a:buFontTx/>
         <a:buChar char="•"/>
         <a:tabLst/>
-        <a:defRPr b="0" baseline="0" cap="none" i="0" spc="0" strike="noStrike" sz="6400" u="none">
+        <a:defRPr sz="6400" b="0" i="0" u="none" strike="noStrike" cap="none" spc="0" baseline="0">
           <a:ln>
             <a:noFill/>
           </a:ln>
@@ -4087,7 +4107,7 @@
         <a:buFontTx/>
         <a:buChar char="•"/>
         <a:tabLst/>
-        <a:defRPr b="0" baseline="0" cap="none" i="0" spc="0" strike="noStrike" sz="6400" u="none">
+        <a:defRPr sz="6400" b="0" i="0" u="none" strike="noStrike" cap="none" spc="0" baseline="0">
           <a:ln>
             <a:noFill/>
           </a:ln>
@@ -4116,7 +4136,7 @@
         <a:buFontTx/>
         <a:buChar char="•"/>
         <a:tabLst/>
-        <a:defRPr b="0" baseline="0" cap="none" i="0" spc="0" strike="noStrike" sz="6400" u="none">
+        <a:defRPr sz="6400" b="0" i="0" u="none" strike="noStrike" cap="none" spc="0" baseline="0">
           <a:ln>
             <a:noFill/>
           </a:ln>
@@ -4147,7 +4167,7 @@
         <a:buFontTx/>
         <a:buNone/>
         <a:tabLst/>
-        <a:defRPr b="0" baseline="0" cap="none" i="0" spc="0" strike="noStrike" sz="2400" u="none">
+        <a:defRPr sz="2400" b="0" i="0" u="none" strike="noStrike" cap="none" spc="0" baseline="0">
           <a:ln>
             <a:noFill/>
           </a:ln>
@@ -4176,7 +4196,7 @@
         <a:buFontTx/>
         <a:buNone/>
         <a:tabLst/>
-        <a:defRPr b="0" baseline="0" cap="none" i="0" spc="0" strike="noStrike" sz="2400" u="none">
+        <a:defRPr sz="2400" b="0" i="0" u="none" strike="noStrike" cap="none" spc="0" baseline="0">
           <a:ln>
             <a:noFill/>
           </a:ln>
@@ -4205,7 +4225,7 @@
         <a:buFontTx/>
         <a:buNone/>
         <a:tabLst/>
-        <a:defRPr b="0" baseline="0" cap="none" i="0" spc="0" strike="noStrike" sz="2400" u="none">
+        <a:defRPr sz="2400" b="0" i="0" u="none" strike="noStrike" cap="none" spc="0" baseline="0">
           <a:ln>
             <a:noFill/>
           </a:ln>
@@ -4234,7 +4254,7 @@
         <a:buFontTx/>
         <a:buNone/>
         <a:tabLst/>
-        <a:defRPr b="0" baseline="0" cap="none" i="0" spc="0" strike="noStrike" sz="2400" u="none">
+        <a:defRPr sz="2400" b="0" i="0" u="none" strike="noStrike" cap="none" spc="0" baseline="0">
           <a:ln>
             <a:noFill/>
           </a:ln>
@@ -4263,7 +4283,7 @@
         <a:buFontTx/>
         <a:buNone/>
         <a:tabLst/>
-        <a:defRPr b="0" baseline="0" cap="none" i="0" spc="0" strike="noStrike" sz="2400" u="none">
+        <a:defRPr sz="2400" b="0" i="0" u="none" strike="noStrike" cap="none" spc="0" baseline="0">
           <a:ln>
             <a:noFill/>
           </a:ln>
@@ -4292,7 +4312,7 @@
         <a:buFontTx/>
         <a:buNone/>
         <a:tabLst/>
-        <a:defRPr b="0" baseline="0" cap="none" i="0" spc="0" strike="noStrike" sz="2400" u="none">
+        <a:defRPr sz="2400" b="0" i="0" u="none" strike="noStrike" cap="none" spc="0" baseline="0">
           <a:ln>
             <a:noFill/>
           </a:ln>
@@ -4321,7 +4341,7 @@
         <a:buFontTx/>
         <a:buNone/>
         <a:tabLst/>
-        <a:defRPr b="0" baseline="0" cap="none" i="0" spc="0" strike="noStrike" sz="2400" u="none">
+        <a:defRPr sz="2400" b="0" i="0" u="none" strike="noStrike" cap="none" spc="0" baseline="0">
           <a:ln>
             <a:noFill/>
           </a:ln>
@@ -4350,7 +4370,7 @@
         <a:buFontTx/>
         <a:buNone/>
         <a:tabLst/>
-        <a:defRPr b="0" baseline="0" cap="none" i="0" spc="0" strike="noStrike" sz="2400" u="none">
+        <a:defRPr sz="2400" b="0" i="0" u="none" strike="noStrike" cap="none" spc="0" baseline="0">
           <a:ln>
             <a:noFill/>
           </a:ln>
@@ -4379,7 +4399,7 @@
         <a:buFontTx/>
         <a:buNone/>
         <a:tabLst/>
-        <a:defRPr b="0" baseline="0" cap="none" i="0" spc="0" strike="noStrike" sz="2400" u="none">
+        <a:defRPr sz="2400" b="0" i="0" u="none" strike="noStrike" cap="none" spc="0" baseline="0">
           <a:ln>
             <a:noFill/>
           </a:ln>
@@ -4399,13 +4419,14 @@
 </file>
 
 <file path=ppt/slides/slide1.xml><?xml version="1.0" encoding="utf-8"?>
-<p:sld xmlns:a="http://schemas.openxmlformats.org/drawingml/2006/main" xmlns:r="http://schemas.openxmlformats.org/officeDocument/2006/relationships" xmlns:p="http://schemas.openxmlformats.org/presentationml/2006/main" xmlns:m="http://schemas.openxmlformats.org/officeDocument/2006/math" xmlns:a14="http://schemas.microsoft.com/office/drawing/2010/main" showMasterSp="1" showMasterPhAnim="1">
+<p:sld xmlns:a="http://schemas.openxmlformats.org/drawingml/2006/main" xmlns:r="http://schemas.openxmlformats.org/officeDocument/2006/relationships" xmlns:p="http://schemas.openxmlformats.org/presentationml/2006/main">
   <p:cSld>
     <p:bg>
       <p:bgPr>
         <a:solidFill>
           <a:srgbClr val="FFFFFF"/>
         </a:solidFill>
+        <a:effectLst/>
       </p:bgPr>
     </p:bg>
     <p:spTree>
@@ -4459,6 +4480,7 @@
                 </a:solidFill>
               </a:defRPr>
             </a:pPr>
+            <a:endParaRPr/>
           </a:p>
         </p:txBody>
       </p:sp>
@@ -4481,7 +4503,7 @@
           </a:ln>
           <a:extLst>
             <a:ext uri="{C572A759-6A51-4108-AA02-DFA0A04FC94B}">
-              <ma14:wrappingTextBoxFlag xmlns:ma14="http://schemas.microsoft.com/office/mac/drawingml/2011/main" val="1"/>
+              <ma14:wrappingTextBoxFlag xmlns:ma14="http://schemas.microsoft.com/office/mac/drawingml/2011/main" xmlns:a14="http://schemas.microsoft.com/office/drawing/2010/main" xmlns:m="http://schemas.openxmlformats.org/officeDocument/2006/math" xmlns="" val="1"/>
             </a:ext>
           </a:extLst>
         </p:spPr>
@@ -4533,7 +4555,7 @@
           </a:ln>
           <a:extLst>
             <a:ext uri="{C572A759-6A51-4108-AA02-DFA0A04FC94B}">
-              <ma14:wrappingTextBoxFlag xmlns:ma14="http://schemas.microsoft.com/office/mac/drawingml/2011/main" val="1"/>
+              <ma14:wrappingTextBoxFlag xmlns:ma14="http://schemas.microsoft.com/office/mac/drawingml/2011/main" xmlns:a14="http://schemas.microsoft.com/office/drawing/2010/main" xmlns:m="http://schemas.openxmlformats.org/officeDocument/2006/math" xmlns="" val="1"/>
             </a:ext>
           </a:extLst>
         </p:spPr>
@@ -4562,9 +4584,7 @@
           <p:nvPr/>
         </p:nvPicPr>
         <p:blipFill>
-          <a:blip r:embed="rId3">
-            <a:extLst/>
-          </a:blip>
+          <a:blip r:embed="rId3"/>
           <a:stretch>
             <a:fillRect/>
           </a:stretch>
@@ -4587,18 +4607,19 @@
   <p:clrMapOvr>
     <a:masterClrMapping/>
   </p:clrMapOvr>
-  <p:transition xmlns:p14="http://schemas.microsoft.com/office/powerpoint/2010/main" spd="med" advClick="1"/>
+  <p:transition spd="med"/>
 </p:sld>
 </file>
 
 <file path=ppt/slides/slide10.xml><?xml version="1.0" encoding="utf-8"?>
-<p:sld xmlns:a="http://schemas.openxmlformats.org/drawingml/2006/main" xmlns:r="http://schemas.openxmlformats.org/officeDocument/2006/relationships" xmlns:p="http://schemas.openxmlformats.org/presentationml/2006/main" xmlns:m="http://schemas.openxmlformats.org/officeDocument/2006/math" xmlns:a14="http://schemas.microsoft.com/office/drawing/2010/main" showMasterSp="1" showMasterPhAnim="1">
+<p:sld xmlns:a="http://schemas.openxmlformats.org/drawingml/2006/main" xmlns:r="http://schemas.openxmlformats.org/officeDocument/2006/relationships" xmlns:p="http://schemas.openxmlformats.org/presentationml/2006/main">
   <p:cSld>
     <p:bg>
       <p:bgPr>
         <a:solidFill>
           <a:srgbClr val="FFFFFF"/>
         </a:solidFill>
+        <a:effectLst/>
       </p:bgPr>
     </p:bg>
     <p:spTree>
@@ -4652,6 +4673,7 @@
                 </a:solidFill>
               </a:defRPr>
             </a:pPr>
+            <a:endParaRPr/>
           </a:p>
         </p:txBody>
       </p:sp>
@@ -4674,7 +4696,7 @@
           </a:ln>
           <a:extLst>
             <a:ext uri="{C572A759-6A51-4108-AA02-DFA0A04FC94B}">
-              <ma14:wrappingTextBoxFlag xmlns:ma14="http://schemas.microsoft.com/office/mac/drawingml/2011/main" val="1"/>
+              <ma14:wrappingTextBoxFlag xmlns:ma14="http://schemas.microsoft.com/office/mac/drawingml/2011/main" xmlns:a14="http://schemas.microsoft.com/office/drawing/2010/main" xmlns:m="http://schemas.openxmlformats.org/officeDocument/2006/math" xmlns="" val="1"/>
             </a:ext>
           </a:extLst>
         </p:spPr>
@@ -4721,7 +4743,7 @@
           </a:ln>
           <a:extLst>
             <a:ext uri="{C572A759-6A51-4108-AA02-DFA0A04FC94B}">
-              <ma14:wrappingTextBoxFlag xmlns:ma14="http://schemas.microsoft.com/office/mac/drawingml/2011/main" val="1"/>
+              <ma14:wrappingTextBoxFlag xmlns:ma14="http://schemas.microsoft.com/office/mac/drawingml/2011/main" xmlns:a14="http://schemas.microsoft.com/office/drawing/2010/main" xmlns:m="http://schemas.openxmlformats.org/officeDocument/2006/math" xmlns="" val="1"/>
             </a:ext>
           </a:extLst>
         </p:spPr>
@@ -4759,18 +4781,19 @@
   <p:clrMapOvr>
     <a:masterClrMapping/>
   </p:clrMapOvr>
-  <p:transition xmlns:p14="http://schemas.microsoft.com/office/powerpoint/2010/main" spd="med" advClick="1"/>
+  <p:transition spd="med"/>
 </p:sld>
 </file>
 
 <file path=ppt/slides/slide2.xml><?xml version="1.0" encoding="utf-8"?>
-<p:sld xmlns:a="http://schemas.openxmlformats.org/drawingml/2006/main" xmlns:r="http://schemas.openxmlformats.org/officeDocument/2006/relationships" xmlns:p="http://schemas.openxmlformats.org/presentationml/2006/main" xmlns:m="http://schemas.openxmlformats.org/officeDocument/2006/math" xmlns:a14="http://schemas.microsoft.com/office/drawing/2010/main" showMasterSp="1" showMasterPhAnim="1">
+<p:sld xmlns:a="http://schemas.openxmlformats.org/drawingml/2006/main" xmlns:r="http://schemas.openxmlformats.org/officeDocument/2006/relationships" xmlns:p="http://schemas.openxmlformats.org/presentationml/2006/main">
   <p:cSld>
     <p:bg>
       <p:bgPr>
         <a:solidFill>
           <a:srgbClr val="FFFFFF"/>
         </a:solidFill>
+        <a:effectLst/>
       </p:bgPr>
     </p:bg>
     <p:spTree>
@@ -4822,13 +4845,16 @@
                 </a:solidFill>
               </a:defRPr>
             </a:pPr>
+            <a:endParaRPr/>
           </a:p>
         </p:txBody>
       </p:sp>
       <p:sp>
         <p:nvSpPr>
           <p:cNvPr id="163" name="Drug usage in the US"/>
-          <p:cNvSpPr txBox="1"/>
+          <p:cNvSpPr txBox="1">
+            <a:spLocks noGrp="1"/>
+          </p:cNvSpPr>
           <p:nvPr>
             <p:ph type="title"/>
           </p:nvPr>
@@ -4843,7 +4869,9 @@
           </a:prstGeom>
         </p:spPr>
         <p:txBody>
-          <a:bodyPr anchor="b"/>
+          <a:bodyPr anchor="b">
+            <a:normAutofit fontScale="90000"/>
+          </a:bodyPr>
           <a:lstStyle>
             <a:lvl1pPr algn="l">
               <a:defRPr sz="10000">
@@ -4858,7 +4886,6 @@
             </a:lvl1pPr>
           </a:lstStyle>
           <a:p>
-            <a:pPr/>
             <a:r>
               <a:t>Drug usage in the US</a:t>
             </a:r>
@@ -4868,7 +4895,9 @@
       <p:sp>
         <p:nvSpPr>
           <p:cNvPr id="164" name="Slide Number"/>
-          <p:cNvSpPr txBox="1"/>
+          <p:cNvSpPr txBox="1">
+            <a:spLocks noGrp="1"/>
+          </p:cNvSpPr>
           <p:nvPr>
             <p:ph type="sldNum" sz="quarter" idx="4294967295"/>
           </p:nvPr>
@@ -4883,7 +4912,7 @@
           </a:prstGeom>
           <a:extLst>
             <a:ext uri="{C572A759-6A51-4108-AA02-DFA0A04FC94B}">
-              <ma14:wrappingTextBoxFlag xmlns:ma14="http://schemas.microsoft.com/office/mac/drawingml/2011/main" val="1"/>
+              <ma14:wrappingTextBoxFlag xmlns:ma14="http://schemas.microsoft.com/office/mac/drawingml/2011/main" xmlns:a14="http://schemas.microsoft.com/office/drawing/2010/main" xmlns:m="http://schemas.openxmlformats.org/officeDocument/2006/math" xmlns="" val="1"/>
             </a:ext>
           </a:extLst>
         </p:spPr>
@@ -4903,8 +4932,10 @@
             </a:lvl1pPr>
           </a:lstStyle>
           <a:p>
-            <a:pPr/>
-            <a:fld id="{86CB4B4D-7CA3-9044-876B-883B54F8677D}" type="slidenum"/>
+            <a:fld id="{86CB4B4D-7CA3-9044-876B-883B54F8677D}" type="slidenum">
+              <a:t>2</a:t>
+            </a:fld>
+            <a:endParaRPr/>
           </a:p>
         </p:txBody>
       </p:sp>
@@ -4927,7 +4958,7 @@
           </a:ln>
           <a:extLst>
             <a:ext uri="{C572A759-6A51-4108-AA02-DFA0A04FC94B}">
-              <ma14:wrappingTextBoxFlag xmlns:ma14="http://schemas.microsoft.com/office/mac/drawingml/2011/main" val="1"/>
+              <ma14:wrappingTextBoxFlag xmlns:ma14="http://schemas.microsoft.com/office/mac/drawingml/2011/main" xmlns:a14="http://schemas.microsoft.com/office/drawing/2010/main" xmlns:m="http://schemas.openxmlformats.org/officeDocument/2006/math" xmlns="" val="1"/>
             </a:ext>
           </a:extLst>
         </p:spPr>
@@ -4973,7 +5004,7 @@
           </a:ln>
           <a:extLst>
             <a:ext uri="{C572A759-6A51-4108-AA02-DFA0A04FC94B}">
-              <ma14:wrappingTextBoxFlag xmlns:ma14="http://schemas.microsoft.com/office/mac/drawingml/2011/main" val="1"/>
+              <ma14:wrappingTextBoxFlag xmlns:ma14="http://schemas.microsoft.com/office/mac/drawingml/2011/main" xmlns:a14="http://schemas.microsoft.com/office/drawing/2010/main" xmlns:m="http://schemas.openxmlformats.org/officeDocument/2006/math" xmlns="" val="1"/>
             </a:ext>
           </a:extLst>
         </p:spPr>
@@ -4995,7 +5026,7 @@
             </a:r>
             <a:r>
               <a:rPr u="sng">
-                <a:hlinkClick r:id="rId3" invalidUrl="" action="" tgtFrame="" tooltip="" history="1" highlightClick="0" endSnd="0"/>
+                <a:hlinkClick r:id="rId3"/>
               </a:rPr>
               <a:t>https://www.dailymail.co.uk/health/article-4647780/America-s-drug-addiction-revealed-new-report.html</a:t>
             </a:r>
@@ -5028,10 +5059,8 @@
             <p:nvPr/>
           </p:nvPicPr>
           <p:blipFill>
-            <a:blip r:embed="rId4">
-              <a:extLst/>
-            </a:blip>
-            <a:srcRect l="39970" t="22134" r="0" b="6807"/>
+            <a:blip r:embed="rId4"/>
+            <a:srcRect l="39970" t="22134" b="6807"/>
             <a:stretch>
               <a:fillRect/>
             </a:stretch>
@@ -5100,6 +5129,7 @@
                   </a:lnSpc>
                   <a:defRPr sz="6100"/>
                 </a:pPr>
+                <a:endParaRPr/>
               </a:p>
             </p:txBody>
           </p:sp>
@@ -5125,7 +5155,7 @@
               <a:effectLst/>
               <a:extLst>
                 <a:ext uri="{C572A759-6A51-4108-AA02-DFA0A04FC94B}">
-                  <ma14:wrappingTextBoxFlag xmlns:ma14="http://schemas.microsoft.com/office/mac/drawingml/2011/main" val="1"/>
+                  <ma14:wrappingTextBoxFlag xmlns:ma14="http://schemas.microsoft.com/office/mac/drawingml/2011/main" xmlns:a14="http://schemas.microsoft.com/office/drawing/2010/main" xmlns:m="http://schemas.openxmlformats.org/officeDocument/2006/math" xmlns="" val="1"/>
                 </a:ext>
               </a:extLst>
             </p:spPr>
@@ -5202,6 +5232,7 @@
                   </a:lnSpc>
                   <a:defRPr sz="6100"/>
                 </a:pPr>
+                <a:endParaRPr/>
               </a:p>
             </p:txBody>
           </p:sp>
@@ -5227,7 +5258,7 @@
               <a:effectLst/>
               <a:extLst>
                 <a:ext uri="{C572A759-6A51-4108-AA02-DFA0A04FC94B}">
-                  <ma14:wrappingTextBoxFlag xmlns:ma14="http://schemas.microsoft.com/office/mac/drawingml/2011/main" val="1"/>
+                  <ma14:wrappingTextBoxFlag xmlns:ma14="http://schemas.microsoft.com/office/mac/drawingml/2011/main" xmlns:a14="http://schemas.microsoft.com/office/drawing/2010/main" xmlns:m="http://schemas.openxmlformats.org/officeDocument/2006/math" xmlns="" val="1"/>
                 </a:ext>
               </a:extLst>
             </p:spPr>
@@ -5259,14 +5290,12 @@
           <p:nvPicPr>
             <p:cNvPr id="174" name="Oval" descr="Oval"/>
             <p:cNvPicPr>
-              <a:picLocks noChangeAspect="0"/>
+              <a:picLocks/>
             </p:cNvPicPr>
             <p:nvPr/>
           </p:nvPicPr>
           <p:blipFill>
-            <a:blip r:embed="rId5">
-              <a:extLst/>
-            </a:blip>
+            <a:blip r:embed="rId5"/>
             <a:stretch>
               <a:fillRect/>
             </a:stretch>
@@ -5288,18 +5317,19 @@
   <p:clrMapOvr>
     <a:masterClrMapping/>
   </p:clrMapOvr>
-  <p:transition xmlns:p14="http://schemas.microsoft.com/office/powerpoint/2010/main" spd="med" advClick="1"/>
+  <p:transition spd="med"/>
 </p:sld>
 </file>
 
 <file path=ppt/slides/slide3.xml><?xml version="1.0" encoding="utf-8"?>
-<p:sld xmlns:a="http://schemas.openxmlformats.org/drawingml/2006/main" xmlns:r="http://schemas.openxmlformats.org/officeDocument/2006/relationships" xmlns:p="http://schemas.openxmlformats.org/presentationml/2006/main" xmlns:m="http://schemas.openxmlformats.org/officeDocument/2006/math" xmlns:a14="http://schemas.microsoft.com/office/drawing/2010/main" showMasterSp="1" showMasterPhAnim="1">
+<p:sld xmlns:a="http://schemas.openxmlformats.org/drawingml/2006/main" xmlns:r="http://schemas.openxmlformats.org/officeDocument/2006/relationships" xmlns:p="http://schemas.openxmlformats.org/presentationml/2006/main">
   <p:cSld>
     <p:bg>
       <p:bgPr>
         <a:solidFill>
           <a:srgbClr val="FFFFFF"/>
         </a:solidFill>
+        <a:effectLst/>
       </p:bgPr>
     </p:bg>
     <p:spTree>
@@ -5351,13 +5381,16 @@
                 </a:solidFill>
               </a:defRPr>
             </a:pPr>
+            <a:endParaRPr/>
           </a:p>
         </p:txBody>
       </p:sp>
       <p:sp>
         <p:nvSpPr>
           <p:cNvPr id="181" name="Project goal"/>
-          <p:cNvSpPr txBox="1"/>
+          <p:cNvSpPr txBox="1">
+            <a:spLocks noGrp="1"/>
+          </p:cNvSpPr>
           <p:nvPr>
             <p:ph type="title"/>
           </p:nvPr>
@@ -5372,7 +5405,9 @@
           </a:prstGeom>
         </p:spPr>
         <p:txBody>
-          <a:bodyPr anchor="b"/>
+          <a:bodyPr anchor="b">
+            <a:normAutofit fontScale="90000"/>
+          </a:bodyPr>
           <a:lstStyle>
             <a:lvl1pPr algn="l">
               <a:defRPr sz="10000">
@@ -5387,7 +5422,6 @@
             </a:lvl1pPr>
           </a:lstStyle>
           <a:p>
-            <a:pPr/>
             <a:r>
               <a:t>Project goal</a:t>
             </a:r>
@@ -5397,7 +5431,9 @@
       <p:sp>
         <p:nvSpPr>
           <p:cNvPr id="182" name="Slide Number"/>
-          <p:cNvSpPr txBox="1"/>
+          <p:cNvSpPr txBox="1">
+            <a:spLocks noGrp="1"/>
+          </p:cNvSpPr>
           <p:nvPr>
             <p:ph type="sldNum" sz="quarter" idx="4294967295"/>
           </p:nvPr>
@@ -5412,7 +5448,7 @@
           </a:prstGeom>
           <a:extLst>
             <a:ext uri="{C572A759-6A51-4108-AA02-DFA0A04FC94B}">
-              <ma14:wrappingTextBoxFlag xmlns:ma14="http://schemas.microsoft.com/office/mac/drawingml/2011/main" val="1"/>
+              <ma14:wrappingTextBoxFlag xmlns:ma14="http://schemas.microsoft.com/office/mac/drawingml/2011/main" xmlns:a14="http://schemas.microsoft.com/office/drawing/2010/main" xmlns:m="http://schemas.openxmlformats.org/officeDocument/2006/math" xmlns="" val="1"/>
             </a:ext>
           </a:extLst>
         </p:spPr>
@@ -5432,8 +5468,10 @@
             </a:lvl1pPr>
           </a:lstStyle>
           <a:p>
-            <a:pPr/>
-            <a:fld id="{86CB4B4D-7CA3-9044-876B-883B54F8677D}" type="slidenum"/>
+            <a:fld id="{86CB4B4D-7CA3-9044-876B-883B54F8677D}" type="slidenum">
+              <a:t>3</a:t>
+            </a:fld>
+            <a:endParaRPr/>
           </a:p>
         </p:txBody>
       </p:sp>
@@ -5456,7 +5494,7 @@
           </a:ln>
           <a:extLst>
             <a:ext uri="{C572A759-6A51-4108-AA02-DFA0A04FC94B}">
-              <ma14:wrappingTextBoxFlag xmlns:ma14="http://schemas.microsoft.com/office/mac/drawingml/2011/main" val="1"/>
+              <ma14:wrappingTextBoxFlag xmlns:ma14="http://schemas.microsoft.com/office/mac/drawingml/2011/main" xmlns:a14="http://schemas.microsoft.com/office/drawing/2010/main" xmlns:m="http://schemas.openxmlformats.org/officeDocument/2006/math" xmlns="" val="1"/>
             </a:ext>
           </a:extLst>
         </p:spPr>
@@ -5502,7 +5540,7 @@
           </a:ln>
           <a:extLst>
             <a:ext uri="{C572A759-6A51-4108-AA02-DFA0A04FC94B}">
-              <ma14:wrappingTextBoxFlag xmlns:ma14="http://schemas.microsoft.com/office/mac/drawingml/2011/main" val="1"/>
+              <ma14:wrappingTextBoxFlag xmlns:ma14="http://schemas.microsoft.com/office/mac/drawingml/2011/main" xmlns:a14="http://schemas.microsoft.com/office/drawing/2010/main" xmlns:m="http://schemas.openxmlformats.org/officeDocument/2006/math" xmlns="" val="1"/>
             </a:ext>
           </a:extLst>
         </p:spPr>
@@ -5512,7 +5550,7 @@
           </a:bodyPr>
           <a:lstStyle>
             <a:lvl1pPr algn="r">
-              <a:defRPr i="1" sz="3700">
+              <a:defRPr sz="3700" i="1">
                 <a:solidFill>
                   <a:srgbClr val="FFFFFF"/>
                 </a:solidFill>
@@ -5524,7 +5562,6 @@
             </a:lvl1pPr>
           </a:lstStyle>
           <a:p>
-            <a:pPr/>
             <a:r>
               <a:t>introduction</a:t>
             </a:r>
@@ -5540,9 +5577,7 @@
           <p:nvPr/>
         </p:nvPicPr>
         <p:blipFill>
-          <a:blip r:embed="rId3">
-            <a:extLst/>
-          </a:blip>
+          <a:blip r:embed="rId3"/>
           <a:stretch>
             <a:fillRect/>
           </a:stretch>
@@ -5569,10 +5604,8 @@
           <p:nvPr/>
         </p:nvPicPr>
         <p:blipFill>
-          <a:blip r:embed="rId4">
-            <a:extLst/>
-          </a:blip>
-          <a:srcRect l="0" t="0" r="0" b="0"/>
+          <a:blip r:embed="rId4"/>
+          <a:srcRect/>
           <a:stretch>
             <a:fillRect/>
           </a:stretch>
@@ -5599,9 +5632,7 @@
           <p:nvPr/>
         </p:nvPicPr>
         <p:blipFill>
-          <a:blip r:embed="rId5">
-            <a:extLst/>
-          </a:blip>
+          <a:blip r:embed="rId5"/>
           <a:srcRect l="27366" t="26382" r="28239" b="31429"/>
           <a:stretch>
             <a:fillRect/>
@@ -5629,9 +5660,7 @@
           <p:nvPr/>
         </p:nvPicPr>
         <p:blipFill>
-          <a:blip r:embed="rId6">
-            <a:extLst/>
-          </a:blip>
+          <a:blip r:embed="rId6"/>
           <a:stretch>
             <a:fillRect/>
           </a:stretch>
@@ -5654,14 +5683,14 @@
   <p:clrMapOvr>
     <a:masterClrMapping/>
   </p:clrMapOvr>
-  <p:transition xmlns:p14="http://schemas.microsoft.com/office/powerpoint/2010/main" spd="med" advClick="1"/>
+  <p:transition spd="med"/>
   <p:timing>
     <p:tnLst>
       <p:par>
-        <p:cTn id="1" nodeType="tmRoot" restart="never" dur="indefinite" fill="hold">
+        <p:cTn id="1" dur="indefinite" restart="never" fill="hold" nodeType="tmRoot">
           <p:childTnLst>
             <p:seq concurrent="1" prevAc="none" nextAc="seek">
-              <p:cTn id="2" nodeType="mainSeq" dur="indefinite" fill="hold">
+              <p:cTn id="2" dur="indefinite" fill="hold" nodeType="mainSeq">
                 <p:childTnLst>
                   <p:par>
                     <p:cTn id="3" fill="hold">
@@ -5676,11 +5705,11 @@
                             </p:stCondLst>
                             <p:childTnLst>
                               <p:par>
-                                <p:cTn id="5" presetClass="entr" nodeType="clickEffect" presetSubtype="0" presetID="1" grpId="1" fill="hold">
+                                <p:cTn id="5" presetID="1" presetClass="entr" presetSubtype="0" fill="hold" grpId="1" nodeType="clickEffect">
                                   <p:stCondLst>
                                     <p:cond delay="0"/>
                                   </p:stCondLst>
-                                  <p:iterate type="el" backwards="0">
+                                  <p:iterate>
                                     <p:tmAbs val="0"/>
                                   </p:iterate>
                                   <p:childTnLst>
@@ -5720,11 +5749,11 @@
                             </p:stCondLst>
                             <p:childTnLst>
                               <p:par>
-                                <p:cTn id="9" presetClass="entr" nodeType="clickEffect" presetSubtype="0" presetID="1" grpId="2" fill="hold">
+                                <p:cTn id="9" presetID="1" presetClass="entr" presetSubtype="0" fill="hold" grpId="2" nodeType="clickEffect">
                                   <p:stCondLst>
                                     <p:cond delay="0"/>
                                   </p:stCondLst>
-                                  <p:iterate type="el" backwards="0">
+                                  <p:iterate>
                                     <p:tmAbs val="0"/>
                                   </p:iterate>
                                   <p:childTnLst>
@@ -5764,11 +5793,11 @@
                             </p:stCondLst>
                             <p:childTnLst>
                               <p:par>
-                                <p:cTn id="13" presetClass="entr" nodeType="clickEffect" presetSubtype="0" presetID="1" grpId="3" fill="hold">
+                                <p:cTn id="13" presetID="1" presetClass="entr" presetSubtype="0" fill="hold" grpId="3" nodeType="clickEffect">
                                   <p:stCondLst>
                                     <p:cond delay="0"/>
                                   </p:stCondLst>
-                                  <p:iterate type="el" backwards="0">
+                                  <p:iterate>
                                     <p:tmAbs val="0"/>
                                   </p:iterate>
                                   <p:childTnLst>
@@ -5808,11 +5837,11 @@
                             </p:stCondLst>
                             <p:childTnLst>
                               <p:par>
-                                <p:cTn id="17" presetClass="entr" nodeType="clickEffect" presetSubtype="0" presetID="1" grpId="4" fill="hold">
+                                <p:cTn id="17" presetID="1" presetClass="entr" presetSubtype="0" fill="hold" grpId="4" nodeType="clickEffect">
                                   <p:stCondLst>
                                     <p:cond delay="0"/>
                                   </p:stCondLst>
-                                  <p:iterate type="el" backwards="0">
+                                  <p:iterate>
                                     <p:tmAbs val="0"/>
                                   </p:iterate>
                                   <p:childTnLst>
@@ -5842,14 +5871,14 @@
                 </p:childTnLst>
               </p:cTn>
               <p:prevCondLst>
-                <p:cond evt="onPrev">
+                <p:cond evt="onPrev" delay="0">
                   <p:tgtEl>
                     <p:sldTgt/>
                   </p:tgtEl>
                 </p:cond>
               </p:prevCondLst>
               <p:nextCondLst>
-                <p:cond evt="onNext">
+                <p:cond evt="onNext" delay="0">
                   <p:tgtEl>
                     <p:sldTgt/>
                   </p:tgtEl>
@@ -5861,23 +5890,24 @@
       </p:par>
     </p:tnLst>
     <p:bldLst>
-      <p:bldP build="whole" bldLvl="1" animBg="1" rev="0" advAuto="0" spid="188" grpId="3"/>
-      <p:bldP build="whole" bldLvl="1" animBg="1" rev="0" advAuto="0" spid="187" grpId="2"/>
-      <p:bldP build="whole" bldLvl="1" animBg="1" rev="0" advAuto="0" spid="186" grpId="1"/>
-      <p:bldP build="whole" bldLvl="1" animBg="1" rev="0" advAuto="0" spid="185" grpId="4"/>
+      <p:bldP spid="185" grpId="4" animBg="1" advAuto="0"/>
+      <p:bldP spid="186" grpId="1" animBg="1" advAuto="0"/>
+      <p:bldP spid="187" grpId="2" animBg="1" advAuto="0"/>
+      <p:bldP spid="188" grpId="3" animBg="1" advAuto="0"/>
     </p:bldLst>
   </p:timing>
 </p:sld>
 </file>
 
 <file path=ppt/slides/slide4.xml><?xml version="1.0" encoding="utf-8"?>
-<p:sld xmlns:a="http://schemas.openxmlformats.org/drawingml/2006/main" xmlns:r="http://schemas.openxmlformats.org/officeDocument/2006/relationships" xmlns:p="http://schemas.openxmlformats.org/presentationml/2006/main" xmlns:m="http://schemas.openxmlformats.org/officeDocument/2006/math" xmlns:a14="http://schemas.microsoft.com/office/drawing/2010/main" showMasterSp="1" showMasterPhAnim="1">
+<p:sld xmlns:a="http://schemas.openxmlformats.org/drawingml/2006/main" xmlns:r="http://schemas.openxmlformats.org/officeDocument/2006/relationships" xmlns:p="http://schemas.openxmlformats.org/presentationml/2006/main">
   <p:cSld>
     <p:bg>
       <p:bgPr>
         <a:solidFill>
           <a:srgbClr val="FFFFFF"/>
         </a:solidFill>
+        <a:effectLst/>
       </p:bgPr>
     </p:bg>
     <p:spTree>
@@ -5929,13 +5959,16 @@
                 </a:solidFill>
               </a:defRPr>
             </a:pPr>
+            <a:endParaRPr/>
           </a:p>
         </p:txBody>
       </p:sp>
       <p:sp>
         <p:nvSpPr>
           <p:cNvPr id="193" name="Objective"/>
-          <p:cNvSpPr txBox="1"/>
+          <p:cNvSpPr txBox="1">
+            <a:spLocks noGrp="1"/>
+          </p:cNvSpPr>
           <p:nvPr>
             <p:ph type="title"/>
           </p:nvPr>
@@ -5950,7 +5983,9 @@
           </a:prstGeom>
         </p:spPr>
         <p:txBody>
-          <a:bodyPr anchor="b"/>
+          <a:bodyPr anchor="b">
+            <a:normAutofit fontScale="90000"/>
+          </a:bodyPr>
           <a:lstStyle>
             <a:lvl1pPr algn="l">
               <a:defRPr sz="10000">
@@ -5965,7 +6000,6 @@
             </a:lvl1pPr>
           </a:lstStyle>
           <a:p>
-            <a:pPr/>
             <a:r>
               <a:t>Objective</a:t>
             </a:r>
@@ -5975,7 +6009,9 @@
       <p:sp>
         <p:nvSpPr>
           <p:cNvPr id="194" name="Slide Number"/>
-          <p:cNvSpPr txBox="1"/>
+          <p:cNvSpPr txBox="1">
+            <a:spLocks noGrp="1"/>
+          </p:cNvSpPr>
           <p:nvPr>
             <p:ph type="sldNum" sz="quarter" idx="4294967295"/>
           </p:nvPr>
@@ -5990,7 +6026,7 @@
           </a:prstGeom>
           <a:extLst>
             <a:ext uri="{C572A759-6A51-4108-AA02-DFA0A04FC94B}">
-              <ma14:wrappingTextBoxFlag xmlns:ma14="http://schemas.microsoft.com/office/mac/drawingml/2011/main" val="1"/>
+              <ma14:wrappingTextBoxFlag xmlns:ma14="http://schemas.microsoft.com/office/mac/drawingml/2011/main" xmlns:a14="http://schemas.microsoft.com/office/drawing/2010/main" xmlns:m="http://schemas.openxmlformats.org/officeDocument/2006/math" xmlns="" val="1"/>
             </a:ext>
           </a:extLst>
         </p:spPr>
@@ -6010,8 +6046,10 @@
             </a:lvl1pPr>
           </a:lstStyle>
           <a:p>
-            <a:pPr/>
-            <a:fld id="{86CB4B4D-7CA3-9044-876B-883B54F8677D}" type="slidenum"/>
+            <a:fld id="{86CB4B4D-7CA3-9044-876B-883B54F8677D}" type="slidenum">
+              <a:t>4</a:t>
+            </a:fld>
+            <a:endParaRPr/>
           </a:p>
         </p:txBody>
       </p:sp>
@@ -6034,13 +6072,13 @@
           </a:ln>
           <a:extLst>
             <a:ext uri="{C572A759-6A51-4108-AA02-DFA0A04FC94B}">
-              <ma14:wrappingTextBoxFlag xmlns:ma14="http://schemas.microsoft.com/office/mac/drawingml/2011/main" val="1"/>
+              <ma14:wrappingTextBoxFlag xmlns:ma14="http://schemas.microsoft.com/office/mac/drawingml/2011/main" xmlns:a14="http://schemas.microsoft.com/office/drawing/2010/main" xmlns:m="http://schemas.openxmlformats.org/officeDocument/2006/math" xmlns="" val="1"/>
             </a:ext>
           </a:extLst>
         </p:spPr>
         <p:txBody>
           <a:bodyPr lIns="50800" tIns="50800" rIns="50800" bIns="50800">
-            <a:normAutofit fontScale="100000" lnSpcReduction="0"/>
+            <a:normAutofit/>
           </a:bodyPr>
           <a:lstStyle/>
           <a:p>
@@ -6070,7 +6108,7 @@
             </a:r>
           </a:p>
           <a:p>
-            <a:pPr lvl="1" marL="1379903" indent="-744903" algn="l">
+            <a:pPr marL="1379903" lvl="1" indent="-744903" algn="l">
               <a:lnSpc>
                 <a:spcPct val="110000"/>
               </a:lnSpc>
@@ -6083,7 +6121,7 @@
             </a:r>
           </a:p>
           <a:p>
-            <a:pPr lvl="1" marL="1379903" indent="-744903" algn="l">
+            <a:pPr marL="1379903" lvl="1" indent="-744903" algn="l">
               <a:lnSpc>
                 <a:spcPct val="110000"/>
               </a:lnSpc>
@@ -6096,7 +6134,7 @@
             </a:r>
           </a:p>
           <a:p>
-            <a:pPr lvl="1" marL="1379903" indent="-744903" algn="l">
+            <a:pPr marL="1379903" lvl="1" indent="-744903" algn="l">
               <a:lnSpc>
                 <a:spcPct val="110000"/>
               </a:lnSpc>
@@ -6109,7 +6147,7 @@
             </a:r>
           </a:p>
           <a:p>
-            <a:pPr lvl="1" marL="1379903" indent="-744903" algn="l">
+            <a:pPr marL="1379903" lvl="1" indent="-744903" algn="l">
               <a:lnSpc>
                 <a:spcPct val="110000"/>
               </a:lnSpc>
@@ -6142,7 +6180,7 @@
           </a:ln>
           <a:extLst>
             <a:ext uri="{C572A759-6A51-4108-AA02-DFA0A04FC94B}">
-              <ma14:wrappingTextBoxFlag xmlns:ma14="http://schemas.microsoft.com/office/mac/drawingml/2011/main" val="1"/>
+              <ma14:wrappingTextBoxFlag xmlns:ma14="http://schemas.microsoft.com/office/mac/drawingml/2011/main" xmlns:a14="http://schemas.microsoft.com/office/drawing/2010/main" xmlns:m="http://schemas.openxmlformats.org/officeDocument/2006/math" xmlns="" val="1"/>
             </a:ext>
           </a:extLst>
         </p:spPr>
@@ -6188,7 +6226,7 @@
           </a:ln>
           <a:extLst>
             <a:ext uri="{C572A759-6A51-4108-AA02-DFA0A04FC94B}">
-              <ma14:wrappingTextBoxFlag xmlns:ma14="http://schemas.microsoft.com/office/mac/drawingml/2011/main" val="1"/>
+              <ma14:wrappingTextBoxFlag xmlns:ma14="http://schemas.microsoft.com/office/mac/drawingml/2011/main" xmlns:a14="http://schemas.microsoft.com/office/drawing/2010/main" xmlns:m="http://schemas.openxmlformats.org/officeDocument/2006/math" xmlns="" val="1"/>
             </a:ext>
           </a:extLst>
         </p:spPr>
@@ -6198,7 +6236,7 @@
           </a:bodyPr>
           <a:lstStyle>
             <a:lvl1pPr algn="r">
-              <a:defRPr i="1" sz="3700">
+              <a:defRPr sz="3700" i="1">
                 <a:solidFill>
                   <a:srgbClr val="FFFFFF"/>
                 </a:solidFill>
@@ -6210,7 +6248,6 @@
             </a:lvl1pPr>
           </a:lstStyle>
           <a:p>
-            <a:pPr/>
             <a:r>
               <a:t>The Physician Payment Sunshine Act</a:t>
             </a:r>
@@ -6222,14 +6259,14 @@
   <p:clrMapOvr>
     <a:masterClrMapping/>
   </p:clrMapOvr>
-  <p:transition xmlns:p14="http://schemas.microsoft.com/office/powerpoint/2010/main" spd="med" advClick="1"/>
+  <p:transition spd="med"/>
   <p:timing>
     <p:tnLst>
       <p:par>
-        <p:cTn id="1" nodeType="tmRoot" restart="never" dur="indefinite" fill="hold">
+        <p:cTn id="1" dur="indefinite" restart="never" fill="hold" nodeType="tmRoot">
           <p:childTnLst>
             <p:seq concurrent="1" prevAc="none" nextAc="seek">
-              <p:cTn id="2" nodeType="mainSeq" dur="indefinite" fill="hold">
+              <p:cTn id="2" dur="indefinite" fill="hold" nodeType="mainSeq">
                 <p:childTnLst>
                   <p:par>
                     <p:cTn id="3" fill="hold">
@@ -6244,11 +6281,11 @@
                             </p:stCondLst>
                             <p:childTnLst>
                               <p:par>
-                                <p:cTn id="5" presetClass="entr" nodeType="clickEffect" presetSubtype="0" presetID="1" grpId="1" fill="hold">
+                                <p:cTn id="5" presetID="1" presetClass="entr" presetSubtype="0" fill="hold" grpId="1" nodeType="clickEffect">
                                   <p:stCondLst>
                                     <p:cond delay="0"/>
                                   </p:stCondLst>
-                                  <p:iterate type="el" backwards="0">
+                                  <p:iterate>
                                     <p:tmAbs val="0"/>
                                   </p:iterate>
                                   <p:childTnLst>
@@ -6272,11 +6309,11 @@
                                 </p:cTn>
                               </p:par>
                               <p:par>
-                                <p:cTn id="7" presetClass="entr" nodeType="withEffect" presetSubtype="0" presetID="1" grpId="1" fill="hold">
+                                <p:cTn id="7" presetID="1" presetClass="entr" presetSubtype="0" fill="hold" grpId="1" nodeType="withEffect">
                                   <p:stCondLst>
                                     <p:cond delay="0"/>
                                   </p:stCondLst>
-                                  <p:iterate type="el" backwards="0">
+                                  <p:iterate>
                                     <p:tmAbs val="0"/>
                                   </p:iterate>
                                   <p:childTnLst>
@@ -6320,11 +6357,11 @@
                             </p:stCondLst>
                             <p:childTnLst>
                               <p:par>
-                                <p:cTn id="11" presetClass="entr" nodeType="clickEffect" presetSubtype="0" presetID="1" grpId="1" fill="hold">
+                                <p:cTn id="11" presetID="1" presetClass="entr" presetSubtype="0" fill="hold" grpId="1" nodeType="clickEffect">
                                   <p:stCondLst>
                                     <p:cond delay="0"/>
                                   </p:stCondLst>
-                                  <p:iterate type="el" backwards="0">
+                                  <p:iterate>
                                     <p:tmAbs val="0"/>
                                   </p:iterate>
                                   <p:childTnLst>
@@ -6368,11 +6405,11 @@
                             </p:stCondLst>
                             <p:childTnLst>
                               <p:par>
-                                <p:cTn id="15" presetClass="entr" nodeType="clickEffect" presetSubtype="0" presetID="1" grpId="1" fill="hold">
+                                <p:cTn id="15" presetID="1" presetClass="entr" presetSubtype="0" fill="hold" grpId="1" nodeType="clickEffect">
                                   <p:stCondLst>
                                     <p:cond delay="0"/>
                                   </p:stCondLst>
-                                  <p:iterate type="el" backwards="0">
+                                  <p:iterate>
                                     <p:tmAbs val="0"/>
                                   </p:iterate>
                                   <p:childTnLst>
@@ -6416,11 +6453,11 @@
                             </p:stCondLst>
                             <p:childTnLst>
                               <p:par>
-                                <p:cTn id="19" presetClass="entr" nodeType="clickEffect" presetSubtype="0" presetID="1" grpId="1" fill="hold">
+                                <p:cTn id="19" presetID="1" presetClass="entr" presetSubtype="0" fill="hold" grpId="1" nodeType="clickEffect">
                                   <p:stCondLst>
                                     <p:cond delay="0"/>
                                   </p:stCondLst>
-                                  <p:iterate type="el" backwards="0">
+                                  <p:iterate>
                                     <p:tmAbs val="0"/>
                                   </p:iterate>
                                   <p:childTnLst>
@@ -6464,11 +6501,11 @@
                             </p:stCondLst>
                             <p:childTnLst>
                               <p:par>
-                                <p:cTn id="23" presetClass="entr" nodeType="clickEffect" presetSubtype="0" presetID="1" grpId="1" fill="hold">
+                                <p:cTn id="23" presetID="1" presetClass="entr" presetSubtype="0" fill="hold" grpId="1" nodeType="clickEffect">
                                   <p:stCondLst>
                                     <p:cond delay="0"/>
                                   </p:stCondLst>
-                                  <p:iterate type="el" backwards="0">
+                                  <p:iterate>
                                     <p:tmAbs val="0"/>
                                   </p:iterate>
                                   <p:childTnLst>
@@ -6512,11 +6549,11 @@
                             </p:stCondLst>
                             <p:childTnLst>
                               <p:par>
-                                <p:cTn id="27" presetClass="entr" nodeType="clickEffect" presetSubtype="0" presetID="1" grpId="1" fill="hold">
+                                <p:cTn id="27" presetID="1" presetClass="entr" presetSubtype="0" fill="hold" grpId="1" nodeType="clickEffect">
                                   <p:stCondLst>
                                     <p:cond delay="0"/>
                                   </p:stCondLst>
-                                  <p:iterate type="el" backwards="0">
+                                  <p:iterate>
                                     <p:tmAbs val="0"/>
                                   </p:iterate>
                                   <p:childTnLst>
@@ -6550,14 +6587,14 @@
                 </p:childTnLst>
               </p:cTn>
               <p:prevCondLst>
-                <p:cond evt="onPrev">
+                <p:cond evt="onPrev" delay="0">
                   <p:tgtEl>
                     <p:sldTgt/>
                   </p:tgtEl>
                 </p:cond>
               </p:prevCondLst>
               <p:nextCondLst>
-                <p:cond evt="onNext">
+                <p:cond evt="onNext" delay="0">
                   <p:tgtEl>
                     <p:sldTgt/>
                   </p:tgtEl>
@@ -6569,20 +6606,21 @@
       </p:par>
     </p:tnLst>
     <p:bldLst>
-      <p:bldP build="p" bldLvl="5" animBg="1" rev="0" advAuto="0" spid="195" grpId="1"/>
+      <p:bldP spid="195" grpId="1" build="p" bldLvl="5" animBg="1" advAuto="0"/>
     </p:bldLst>
   </p:timing>
 </p:sld>
 </file>
 
 <file path=ppt/slides/slide5.xml><?xml version="1.0" encoding="utf-8"?>
-<p:sld xmlns:a="http://schemas.openxmlformats.org/drawingml/2006/main" xmlns:r="http://schemas.openxmlformats.org/officeDocument/2006/relationships" xmlns:p="http://schemas.openxmlformats.org/presentationml/2006/main" xmlns:m="http://schemas.openxmlformats.org/officeDocument/2006/math" xmlns:a14="http://schemas.microsoft.com/office/drawing/2010/main" showMasterSp="1" showMasterPhAnim="1">
+<p:sld xmlns:a="http://schemas.openxmlformats.org/drawingml/2006/main" xmlns:r="http://schemas.openxmlformats.org/officeDocument/2006/relationships" xmlns:p="http://schemas.openxmlformats.org/presentationml/2006/main">
   <p:cSld>
     <p:bg>
       <p:bgPr>
         <a:solidFill>
           <a:srgbClr val="FFFFFF"/>
         </a:solidFill>
+        <a:effectLst/>
       </p:bgPr>
     </p:bg>
     <p:spTree>
@@ -6634,13 +6672,16 @@
                 </a:solidFill>
               </a:defRPr>
             </a:pPr>
+            <a:endParaRPr/>
           </a:p>
         </p:txBody>
       </p:sp>
       <p:sp>
         <p:nvSpPr>
           <p:cNvPr id="202" name="Dataset: UCI ML Repository"/>
-          <p:cNvSpPr txBox="1"/>
+          <p:cNvSpPr txBox="1">
+            <a:spLocks noGrp="1"/>
+          </p:cNvSpPr>
           <p:nvPr>
             <p:ph type="title"/>
           </p:nvPr>
@@ -6655,7 +6696,9 @@
           </a:prstGeom>
         </p:spPr>
         <p:txBody>
-          <a:bodyPr anchor="b"/>
+          <a:bodyPr anchor="b">
+            <a:normAutofit fontScale="90000"/>
+          </a:bodyPr>
           <a:lstStyle>
             <a:lvl1pPr algn="l">
               <a:defRPr sz="10000">
@@ -6670,7 +6713,6 @@
             </a:lvl1pPr>
           </a:lstStyle>
           <a:p>
-            <a:pPr/>
             <a:r>
               <a:t>Dataset: UCI ML Repository</a:t>
             </a:r>
@@ -6680,7 +6722,9 @@
       <p:sp>
         <p:nvSpPr>
           <p:cNvPr id="203" name="Slide Number"/>
-          <p:cNvSpPr txBox="1"/>
+          <p:cNvSpPr txBox="1">
+            <a:spLocks noGrp="1"/>
+          </p:cNvSpPr>
           <p:nvPr>
             <p:ph type="sldNum" sz="quarter" idx="4294967295"/>
           </p:nvPr>
@@ -6695,7 +6739,7 @@
           </a:prstGeom>
           <a:extLst>
             <a:ext uri="{C572A759-6A51-4108-AA02-DFA0A04FC94B}">
-              <ma14:wrappingTextBoxFlag xmlns:ma14="http://schemas.microsoft.com/office/mac/drawingml/2011/main" val="1"/>
+              <ma14:wrappingTextBoxFlag xmlns:ma14="http://schemas.microsoft.com/office/mac/drawingml/2011/main" xmlns:a14="http://schemas.microsoft.com/office/drawing/2010/main" xmlns:m="http://schemas.openxmlformats.org/officeDocument/2006/math" xmlns="" val="1"/>
             </a:ext>
           </a:extLst>
         </p:spPr>
@@ -6715,8 +6759,10 @@
             </a:lvl1pPr>
           </a:lstStyle>
           <a:p>
-            <a:pPr/>
-            <a:fld id="{86CB4B4D-7CA3-9044-876B-883B54F8677D}" type="slidenum"/>
+            <a:fld id="{86CB4B4D-7CA3-9044-876B-883B54F8677D}" type="slidenum">
+              <a:t>5</a:t>
+            </a:fld>
+            <a:endParaRPr/>
           </a:p>
         </p:txBody>
       </p:sp>
@@ -6739,7 +6785,7 @@
           </a:ln>
           <a:extLst>
             <a:ext uri="{C572A759-6A51-4108-AA02-DFA0A04FC94B}">
-              <ma14:wrappingTextBoxFlag xmlns:ma14="http://schemas.microsoft.com/office/mac/drawingml/2011/main" val="1"/>
+              <ma14:wrappingTextBoxFlag xmlns:ma14="http://schemas.microsoft.com/office/mac/drawingml/2011/main" xmlns:a14="http://schemas.microsoft.com/office/drawing/2010/main" xmlns:m="http://schemas.openxmlformats.org/officeDocument/2006/math" xmlns="" val="1"/>
             </a:ext>
           </a:extLst>
         </p:spPr>
@@ -6785,13 +6831,13 @@
           </a:ln>
           <a:extLst>
             <a:ext uri="{C572A759-6A51-4108-AA02-DFA0A04FC94B}">
-              <ma14:wrappingTextBoxFlag xmlns:ma14="http://schemas.microsoft.com/office/mac/drawingml/2011/main" val="1"/>
+              <ma14:wrappingTextBoxFlag xmlns:ma14="http://schemas.microsoft.com/office/mac/drawingml/2011/main" xmlns:a14="http://schemas.microsoft.com/office/drawing/2010/main" xmlns:m="http://schemas.openxmlformats.org/officeDocument/2006/math" xmlns="" val="1"/>
             </a:ext>
           </a:extLst>
         </p:spPr>
         <p:txBody>
           <a:bodyPr lIns="50800" tIns="50800" rIns="50800" bIns="50800">
-            <a:normAutofit fontScale="100000" lnSpcReduction="0"/>
+            <a:normAutofit lnSpcReduction="10000"/>
           </a:bodyPr>
           <a:lstStyle/>
           <a:p>
@@ -6801,7 +6847,7 @@
               </a:lnSpc>
               <a:buSzPct val="75000"/>
               <a:buChar char="•"/>
-              <a:defRPr b="1" sz="5062"/>
+              <a:defRPr sz="5062" b="1"/>
             </a:pPr>
             <a:r>
               <a:t>1885 respondents; 32 categorical features</a:t>
@@ -6825,6 +6871,7 @@
               <a:t>Age, gender, education, country of residence, ethnicity, impulsivity, sensation seeking, neuroticism, extraversion, openness to experience, agreeableness, conscientiousness</a:t>
             </a:r>
             <a:br/>
+            <a:endParaRPr/>
           </a:p>
           <a:p>
             <a:pPr marL="650249" indent="-650249" algn="l" defTabSz="685165">
@@ -6866,14 +6913,14 @@
   <p:clrMapOvr>
     <a:masterClrMapping/>
   </p:clrMapOvr>
-  <p:transition xmlns:p14="http://schemas.microsoft.com/office/powerpoint/2010/main" spd="med" advClick="1"/>
+  <p:transition spd="med"/>
   <p:timing>
     <p:tnLst>
       <p:par>
-        <p:cTn id="1" nodeType="tmRoot" restart="never" dur="indefinite" fill="hold">
+        <p:cTn id="1" dur="indefinite" restart="never" fill="hold" nodeType="tmRoot">
           <p:childTnLst>
             <p:seq concurrent="1" prevAc="none" nextAc="seek">
-              <p:cTn id="2" nodeType="mainSeq" dur="indefinite" fill="hold">
+              <p:cTn id="2" dur="indefinite" fill="hold" nodeType="mainSeq">
                 <p:childTnLst>
                   <p:par>
                     <p:cTn id="3" fill="hold">
@@ -6888,11 +6935,11 @@
                             </p:stCondLst>
                             <p:childTnLst>
                               <p:par>
-                                <p:cTn id="5" presetClass="entr" nodeType="clickEffect" presetSubtype="0" presetID="1" grpId="1" fill="hold">
+                                <p:cTn id="5" presetID="1" presetClass="entr" presetSubtype="0" fill="hold" grpId="1" nodeType="clickEffect">
                                   <p:stCondLst>
                                     <p:cond delay="0"/>
                                   </p:stCondLst>
-                                  <p:iterate type="el" backwards="0">
+                                  <p:iterate>
                                     <p:tmAbs val="0"/>
                                   </p:iterate>
                                   <p:childTnLst>
@@ -6916,11 +6963,11 @@
                                 </p:cTn>
                               </p:par>
                               <p:par>
-                                <p:cTn id="7" presetClass="entr" nodeType="withEffect" presetSubtype="0" presetID="1" grpId="1" fill="hold">
+                                <p:cTn id="7" presetID="1" presetClass="entr" presetSubtype="0" fill="hold" grpId="1" nodeType="withEffect">
                                   <p:stCondLst>
                                     <p:cond delay="0"/>
                                   </p:stCondLst>
-                                  <p:iterate type="el" backwards="0">
+                                  <p:iterate>
                                     <p:tmAbs val="0"/>
                                   </p:iterate>
                                   <p:childTnLst>
@@ -6964,11 +7011,11 @@
                             </p:stCondLst>
                             <p:childTnLst>
                               <p:par>
-                                <p:cTn id="11" presetClass="entr" nodeType="clickEffect" presetSubtype="0" presetID="1" grpId="1" fill="hold">
+                                <p:cTn id="11" presetID="1" presetClass="entr" presetSubtype="0" fill="hold" grpId="1" nodeType="clickEffect">
                                   <p:stCondLst>
                                     <p:cond delay="0"/>
                                   </p:stCondLst>
-                                  <p:iterate type="el" backwards="0">
+                                  <p:iterate>
                                     <p:tmAbs val="0"/>
                                   </p:iterate>
                                   <p:childTnLst>
@@ -7012,11 +7059,11 @@
                             </p:stCondLst>
                             <p:childTnLst>
                               <p:par>
-                                <p:cTn id="15" presetClass="entr" nodeType="clickEffect" presetSubtype="0" presetID="1" grpId="1" fill="hold">
+                                <p:cTn id="15" presetID="1" presetClass="entr" presetSubtype="0" fill="hold" grpId="1" nodeType="clickEffect">
                                   <p:stCondLst>
                                     <p:cond delay="0"/>
                                   </p:stCondLst>
-                                  <p:iterate type="el" backwards="0">
+                                  <p:iterate>
                                     <p:tmAbs val="0"/>
                                   </p:iterate>
                                   <p:childTnLst>
@@ -7050,14 +7097,14 @@
                 </p:childTnLst>
               </p:cTn>
               <p:prevCondLst>
-                <p:cond evt="onPrev">
+                <p:cond evt="onPrev" delay="0">
                   <p:tgtEl>
                     <p:sldTgt/>
                   </p:tgtEl>
                 </p:cond>
               </p:prevCondLst>
               <p:nextCondLst>
-                <p:cond evt="onNext">
+                <p:cond evt="onNext" delay="0">
                   <p:tgtEl>
                     <p:sldTgt/>
                   </p:tgtEl>
@@ -7069,20 +7116,21 @@
       </p:par>
     </p:tnLst>
     <p:bldLst>
-      <p:bldP build="p" bldLvl="5" animBg="1" rev="0" advAuto="0" spid="205" grpId="1"/>
+      <p:bldP spid="205" grpId="1" build="p" bldLvl="5" animBg="1" advAuto="0"/>
     </p:bldLst>
   </p:timing>
 </p:sld>
 </file>
 
 <file path=ppt/slides/slide6.xml><?xml version="1.0" encoding="utf-8"?>
-<p:sld xmlns:a="http://schemas.openxmlformats.org/drawingml/2006/main" xmlns:r="http://schemas.openxmlformats.org/officeDocument/2006/relationships" xmlns:p="http://schemas.openxmlformats.org/presentationml/2006/main" xmlns:m="http://schemas.openxmlformats.org/officeDocument/2006/math" xmlns:a14="http://schemas.microsoft.com/office/drawing/2010/main" showMasterSp="1" showMasterPhAnim="1">
+<p:sld xmlns:a="http://schemas.openxmlformats.org/drawingml/2006/main" xmlns:r="http://schemas.openxmlformats.org/officeDocument/2006/relationships" xmlns:p="http://schemas.openxmlformats.org/presentationml/2006/main">
   <p:cSld>
     <p:bg>
       <p:bgPr>
         <a:solidFill>
           <a:srgbClr val="FFFFFF"/>
         </a:solidFill>
+        <a:effectLst/>
       </p:bgPr>
     </p:bg>
     <p:spTree>
@@ -7118,7 +7166,7 @@
           </a:ln>
           <a:extLst>
             <a:ext uri="{C572A759-6A51-4108-AA02-DFA0A04FC94B}">
-              <ma14:wrappingTextBoxFlag xmlns:ma14="http://schemas.microsoft.com/office/mac/drawingml/2011/main" val="1"/>
+              <ma14:wrappingTextBoxFlag xmlns:ma14="http://schemas.microsoft.com/office/mac/drawingml/2011/main" xmlns:a14="http://schemas.microsoft.com/office/drawing/2010/main" xmlns:m="http://schemas.openxmlformats.org/officeDocument/2006/math" xmlns="" val="1"/>
             </a:ext>
           </a:extLst>
         </p:spPr>
@@ -7148,7 +7196,9 @@
       <p:sp>
         <p:nvSpPr>
           <p:cNvPr id="210" name="Slide Number"/>
-          <p:cNvSpPr txBox="1"/>
+          <p:cNvSpPr txBox="1">
+            <a:spLocks noGrp="1"/>
+          </p:cNvSpPr>
           <p:nvPr>
             <p:ph type="sldNum" sz="quarter" idx="4294967295"/>
           </p:nvPr>
@@ -7163,7 +7213,7 @@
           </a:prstGeom>
           <a:extLst>
             <a:ext uri="{C572A759-6A51-4108-AA02-DFA0A04FC94B}">
-              <ma14:wrappingTextBoxFlag xmlns:ma14="http://schemas.microsoft.com/office/mac/drawingml/2011/main" val="1"/>
+              <ma14:wrappingTextBoxFlag xmlns:ma14="http://schemas.microsoft.com/office/mac/drawingml/2011/main" xmlns:a14="http://schemas.microsoft.com/office/drawing/2010/main" xmlns:m="http://schemas.openxmlformats.org/officeDocument/2006/math" xmlns="" val="1"/>
             </a:ext>
           </a:extLst>
         </p:spPr>
@@ -7183,8 +7233,10 @@
             </a:lvl1pPr>
           </a:lstStyle>
           <a:p>
-            <a:pPr/>
-            <a:fld id="{86CB4B4D-7CA3-9044-876B-883B54F8677D}" type="slidenum"/>
+            <a:fld id="{86CB4B4D-7CA3-9044-876B-883B54F8677D}" type="slidenum">
+              <a:t>6</a:t>
+            </a:fld>
+            <a:endParaRPr/>
           </a:p>
         </p:txBody>
       </p:sp>
@@ -7223,6 +7275,7 @@
                 </a:solidFill>
               </a:defRPr>
             </a:pPr>
+            <a:endParaRPr/>
           </a:p>
         </p:txBody>
       </p:sp>
@@ -7245,7 +7298,7 @@
           </a:ln>
           <a:extLst>
             <a:ext uri="{C572A759-6A51-4108-AA02-DFA0A04FC94B}">
-              <ma14:wrappingTextBoxFlag xmlns:ma14="http://schemas.microsoft.com/office/mac/drawingml/2011/main" val="1"/>
+              <ma14:wrappingTextBoxFlag xmlns:ma14="http://schemas.microsoft.com/office/mac/drawingml/2011/main" xmlns:a14="http://schemas.microsoft.com/office/drawing/2010/main" xmlns:m="http://schemas.openxmlformats.org/officeDocument/2006/math" xmlns="" val="1"/>
             </a:ext>
           </a:extLst>
         </p:spPr>
@@ -7263,7 +7316,6 @@
             </a:lvl1pPr>
           </a:lstStyle>
           <a:p>
-            <a:pPr/>
             <a:r>
               <a:t>Explanatory analyses</a:t>
             </a:r>
@@ -7275,18 +7327,19 @@
   <p:clrMapOvr>
     <a:masterClrMapping/>
   </p:clrMapOvr>
-  <p:transition xmlns:p14="http://schemas.microsoft.com/office/powerpoint/2010/main" spd="med" advClick="1"/>
+  <p:transition spd="med"/>
 </p:sld>
 </file>
 
 <file path=ppt/slides/slide7.xml><?xml version="1.0" encoding="utf-8"?>
-<p:sld xmlns:a="http://schemas.openxmlformats.org/drawingml/2006/main" xmlns:r="http://schemas.openxmlformats.org/officeDocument/2006/relationships" xmlns:p="http://schemas.openxmlformats.org/presentationml/2006/main" xmlns:m="http://schemas.openxmlformats.org/officeDocument/2006/math" xmlns:a14="http://schemas.microsoft.com/office/drawing/2010/main" showMasterSp="1" showMasterPhAnim="1">
+<p:sld xmlns:a="http://schemas.openxmlformats.org/drawingml/2006/main" xmlns:r="http://schemas.openxmlformats.org/officeDocument/2006/relationships" xmlns:p="http://schemas.openxmlformats.org/presentationml/2006/main">
   <p:cSld>
     <p:bg>
       <p:bgPr>
         <a:solidFill>
           <a:srgbClr val="FFFFFF"/>
         </a:solidFill>
+        <a:effectLst/>
       </p:bgPr>
     </p:bg>
     <p:spTree>
@@ -7338,13 +7391,16 @@
                 </a:solidFill>
               </a:defRPr>
             </a:pPr>
+            <a:endParaRPr/>
           </a:p>
         </p:txBody>
       </p:sp>
       <p:sp>
         <p:nvSpPr>
           <p:cNvPr id="215" name="Slide Number"/>
-          <p:cNvSpPr txBox="1"/>
+          <p:cNvSpPr txBox="1">
+            <a:spLocks noGrp="1"/>
+          </p:cNvSpPr>
           <p:nvPr>
             <p:ph type="sldNum" sz="quarter" idx="4294967295"/>
           </p:nvPr>
@@ -7359,7 +7415,7 @@
           </a:prstGeom>
           <a:extLst>
             <a:ext uri="{C572A759-6A51-4108-AA02-DFA0A04FC94B}">
-              <ma14:wrappingTextBoxFlag xmlns:ma14="http://schemas.microsoft.com/office/mac/drawingml/2011/main" val="1"/>
+              <ma14:wrappingTextBoxFlag xmlns:ma14="http://schemas.microsoft.com/office/mac/drawingml/2011/main" xmlns:a14="http://schemas.microsoft.com/office/drawing/2010/main" xmlns:m="http://schemas.openxmlformats.org/officeDocument/2006/math" xmlns="" val="1"/>
             </a:ext>
           </a:extLst>
         </p:spPr>
@@ -7379,8 +7435,10 @@
             </a:lvl1pPr>
           </a:lstStyle>
           <a:p>
-            <a:pPr/>
-            <a:fld id="{86CB4B4D-7CA3-9044-876B-883B54F8677D}" type="slidenum"/>
+            <a:fld id="{86CB4B4D-7CA3-9044-876B-883B54F8677D}" type="slidenum">
+              <a:t>7</a:t>
+            </a:fld>
+            <a:endParaRPr/>
           </a:p>
         </p:txBody>
       </p:sp>
@@ -7403,7 +7461,7 @@
           </a:ln>
           <a:extLst>
             <a:ext uri="{C572A759-6A51-4108-AA02-DFA0A04FC94B}">
-              <ma14:wrappingTextBoxFlag xmlns:ma14="http://schemas.microsoft.com/office/mac/drawingml/2011/main" val="1"/>
+              <ma14:wrappingTextBoxFlag xmlns:ma14="http://schemas.microsoft.com/office/mac/drawingml/2011/main" xmlns:a14="http://schemas.microsoft.com/office/drawing/2010/main" xmlns:m="http://schemas.openxmlformats.org/officeDocument/2006/math" xmlns="" val="1"/>
             </a:ext>
           </a:extLst>
         </p:spPr>
@@ -7449,7 +7507,7 @@
           </a:ln>
           <a:extLst>
             <a:ext uri="{C572A759-6A51-4108-AA02-DFA0A04FC94B}">
-              <ma14:wrappingTextBoxFlag xmlns:ma14="http://schemas.microsoft.com/office/mac/drawingml/2011/main" val="1"/>
+              <ma14:wrappingTextBoxFlag xmlns:ma14="http://schemas.microsoft.com/office/mac/drawingml/2011/main" xmlns:a14="http://schemas.microsoft.com/office/drawing/2010/main" xmlns:m="http://schemas.openxmlformats.org/officeDocument/2006/math" xmlns="" val="1"/>
             </a:ext>
           </a:extLst>
         </p:spPr>
@@ -7459,7 +7517,7 @@
           </a:bodyPr>
           <a:lstStyle>
             <a:lvl1pPr algn="r">
-              <a:defRPr i="1" sz="3700">
+              <a:defRPr sz="3700" i="1">
                 <a:solidFill>
                   <a:srgbClr val="FFFFFF"/>
                 </a:solidFill>
@@ -7471,7 +7529,6 @@
             </a:lvl1pPr>
           </a:lstStyle>
           <a:p>
-            <a:pPr/>
             <a:r>
               <a:t>The Health Sector Payment Transparency Act</a:t>
             </a:r>
@@ -7501,9 +7558,7 @@
             <p:nvPr/>
           </p:nvPicPr>
           <p:blipFill>
-            <a:blip r:embed="rId3">
-              <a:extLst/>
-            </a:blip>
+            <a:blip r:embed="rId3"/>
             <a:stretch>
               <a:fillRect/>
             </a:stretch>
@@ -7562,6 +7617,7 @@
                   </a:solidFill>
                 </a:defRPr>
               </a:pPr>
+              <a:endParaRPr/>
             </a:p>
           </p:txBody>
         </p:sp>
@@ -7587,7 +7643,7 @@
             <a:effectLst/>
             <a:extLst>
               <a:ext uri="{C572A759-6A51-4108-AA02-DFA0A04FC94B}">
-                <ma14:wrappingTextBoxFlag xmlns:ma14="http://schemas.microsoft.com/office/mac/drawingml/2011/main" val="1"/>
+                <ma14:wrappingTextBoxFlag xmlns:ma14="http://schemas.microsoft.com/office/mac/drawingml/2011/main" xmlns:a14="http://schemas.microsoft.com/office/drawing/2010/main" xmlns:m="http://schemas.openxmlformats.org/officeDocument/2006/math" xmlns="" val="1"/>
               </a:ext>
             </a:extLst>
           </p:spPr>
@@ -7597,7 +7653,6 @@
             </a:bodyPr>
             <a:lstStyle/>
             <a:p>
-              <a:pPr/>
               <a:r>
                 <a:t>18-24</a:t>
               </a:r>
@@ -7626,7 +7681,7 @@
             <a:effectLst/>
             <a:extLst>
               <a:ext uri="{C572A759-6A51-4108-AA02-DFA0A04FC94B}">
-                <ma14:wrappingTextBoxFlag xmlns:ma14="http://schemas.microsoft.com/office/mac/drawingml/2011/main" val="1"/>
+                <ma14:wrappingTextBoxFlag xmlns:ma14="http://schemas.microsoft.com/office/mac/drawingml/2011/main" xmlns:a14="http://schemas.microsoft.com/office/drawing/2010/main" xmlns:m="http://schemas.openxmlformats.org/officeDocument/2006/math" xmlns="" val="1"/>
               </a:ext>
             </a:extLst>
           </p:spPr>
@@ -7636,7 +7691,6 @@
             </a:bodyPr>
             <a:lstStyle/>
             <a:p>
-              <a:pPr/>
               <a:r>
                 <a:t>35-44</a:t>
               </a:r>
@@ -7665,7 +7719,7 @@
             <a:effectLst/>
             <a:extLst>
               <a:ext uri="{C572A759-6A51-4108-AA02-DFA0A04FC94B}">
-                <ma14:wrappingTextBoxFlag xmlns:ma14="http://schemas.microsoft.com/office/mac/drawingml/2011/main" val="1"/>
+                <ma14:wrappingTextBoxFlag xmlns:ma14="http://schemas.microsoft.com/office/mac/drawingml/2011/main" xmlns:a14="http://schemas.microsoft.com/office/drawing/2010/main" xmlns:m="http://schemas.openxmlformats.org/officeDocument/2006/math" xmlns="" val="1"/>
               </a:ext>
             </a:extLst>
           </p:spPr>
@@ -7675,7 +7729,6 @@
             </a:bodyPr>
             <a:lstStyle/>
             <a:p>
-              <a:pPr/>
               <a:r>
                 <a:t>45-54</a:t>
               </a:r>
@@ -7704,7 +7757,7 @@
             <a:effectLst/>
             <a:extLst>
               <a:ext uri="{C572A759-6A51-4108-AA02-DFA0A04FC94B}">
-                <ma14:wrappingTextBoxFlag xmlns:ma14="http://schemas.microsoft.com/office/mac/drawingml/2011/main" val="1"/>
+                <ma14:wrappingTextBoxFlag xmlns:ma14="http://schemas.microsoft.com/office/mac/drawingml/2011/main" xmlns:a14="http://schemas.microsoft.com/office/drawing/2010/main" xmlns:m="http://schemas.openxmlformats.org/officeDocument/2006/math" xmlns="" val="1"/>
               </a:ext>
             </a:extLst>
           </p:spPr>
@@ -7714,7 +7767,6 @@
             </a:bodyPr>
             <a:lstStyle/>
             <a:p>
-              <a:pPr/>
               <a:r>
                 <a:t>55-64</a:t>
               </a:r>
@@ -7743,7 +7795,7 @@
             <a:effectLst/>
             <a:extLst>
               <a:ext uri="{C572A759-6A51-4108-AA02-DFA0A04FC94B}">
-                <ma14:wrappingTextBoxFlag xmlns:ma14="http://schemas.microsoft.com/office/mac/drawingml/2011/main" val="1"/>
+                <ma14:wrappingTextBoxFlag xmlns:ma14="http://schemas.microsoft.com/office/mac/drawingml/2011/main" xmlns:a14="http://schemas.microsoft.com/office/drawing/2010/main" xmlns:m="http://schemas.openxmlformats.org/officeDocument/2006/math" xmlns="" val="1"/>
               </a:ext>
             </a:extLst>
           </p:spPr>
@@ -7753,7 +7805,6 @@
             </a:bodyPr>
             <a:lstStyle/>
             <a:p>
-              <a:pPr/>
               <a:r>
                 <a:t>65+</a:t>
               </a:r>
@@ -7782,7 +7833,7 @@
             <a:effectLst/>
             <a:extLst>
               <a:ext uri="{C572A759-6A51-4108-AA02-DFA0A04FC94B}">
-                <ma14:wrappingTextBoxFlag xmlns:ma14="http://schemas.microsoft.com/office/mac/drawingml/2011/main" val="1"/>
+                <ma14:wrappingTextBoxFlag xmlns:ma14="http://schemas.microsoft.com/office/mac/drawingml/2011/main" xmlns:a14="http://schemas.microsoft.com/office/drawing/2010/main" xmlns:m="http://schemas.openxmlformats.org/officeDocument/2006/math" xmlns="" val="1"/>
               </a:ext>
             </a:extLst>
           </p:spPr>
@@ -7792,7 +7843,6 @@
             </a:bodyPr>
             <a:lstStyle/>
             <a:p>
-              <a:pPr/>
               <a:r>
                 <a:t>25-34</a:t>
               </a:r>
@@ -7805,18 +7855,19 @@
   <p:clrMapOvr>
     <a:masterClrMapping/>
   </p:clrMapOvr>
-  <p:transition xmlns:p14="http://schemas.microsoft.com/office/powerpoint/2010/main" spd="med" advClick="1"/>
+  <p:transition spd="med"/>
 </p:sld>
 </file>
 
 <file path=ppt/slides/slide8.xml><?xml version="1.0" encoding="utf-8"?>
-<p:sld xmlns:a="http://schemas.openxmlformats.org/drawingml/2006/main" xmlns:r="http://schemas.openxmlformats.org/officeDocument/2006/relationships" xmlns:p="http://schemas.openxmlformats.org/presentationml/2006/main" xmlns:m="http://schemas.openxmlformats.org/officeDocument/2006/math" xmlns:a14="http://schemas.microsoft.com/office/drawing/2010/main" showMasterSp="1" showMasterPhAnim="1">
+<p:sld xmlns:a="http://schemas.openxmlformats.org/drawingml/2006/main" xmlns:r="http://schemas.openxmlformats.org/officeDocument/2006/relationships" xmlns:p="http://schemas.openxmlformats.org/presentationml/2006/main">
   <p:cSld>
     <p:bg>
       <p:bgPr>
         <a:solidFill>
           <a:srgbClr val="FFFFFF"/>
         </a:solidFill>
+        <a:effectLst/>
       </p:bgPr>
     </p:bg>
     <p:spTree>
@@ -7868,13 +7919,16 @@
                 </a:solidFill>
               </a:defRPr>
             </a:pPr>
+            <a:endParaRPr/>
           </a:p>
         </p:txBody>
       </p:sp>
       <p:sp>
         <p:nvSpPr>
           <p:cNvPr id="231" name="Slide Number"/>
-          <p:cNvSpPr txBox="1"/>
+          <p:cNvSpPr txBox="1">
+            <a:spLocks noGrp="1"/>
+          </p:cNvSpPr>
           <p:nvPr>
             <p:ph type="sldNum" sz="quarter" idx="4294967295"/>
           </p:nvPr>
@@ -7889,7 +7943,7 @@
           </a:prstGeom>
           <a:extLst>
             <a:ext uri="{C572A759-6A51-4108-AA02-DFA0A04FC94B}">
-              <ma14:wrappingTextBoxFlag xmlns:ma14="http://schemas.microsoft.com/office/mac/drawingml/2011/main" val="1"/>
+              <ma14:wrappingTextBoxFlag xmlns:ma14="http://schemas.microsoft.com/office/mac/drawingml/2011/main" xmlns:a14="http://schemas.microsoft.com/office/drawing/2010/main" xmlns:m="http://schemas.openxmlformats.org/officeDocument/2006/math" xmlns="" val="1"/>
             </a:ext>
           </a:extLst>
         </p:spPr>
@@ -7909,8 +7963,10 @@
             </a:lvl1pPr>
           </a:lstStyle>
           <a:p>
-            <a:pPr/>
-            <a:fld id="{86CB4B4D-7CA3-9044-876B-883B54F8677D}" type="slidenum"/>
+            <a:fld id="{86CB4B4D-7CA3-9044-876B-883B54F8677D}" type="slidenum">
+              <a:t>8</a:t>
+            </a:fld>
+            <a:endParaRPr/>
           </a:p>
         </p:txBody>
       </p:sp>
@@ -7933,7 +7989,7 @@
           </a:ln>
           <a:extLst>
             <a:ext uri="{C572A759-6A51-4108-AA02-DFA0A04FC94B}">
-              <ma14:wrappingTextBoxFlag xmlns:ma14="http://schemas.microsoft.com/office/mac/drawingml/2011/main" val="1"/>
+              <ma14:wrappingTextBoxFlag xmlns:ma14="http://schemas.microsoft.com/office/mac/drawingml/2011/main" xmlns:a14="http://schemas.microsoft.com/office/drawing/2010/main" xmlns:m="http://schemas.openxmlformats.org/officeDocument/2006/math" xmlns="" val="1"/>
             </a:ext>
           </a:extLst>
         </p:spPr>
@@ -7979,7 +8035,7 @@
           </a:ln>
           <a:extLst>
             <a:ext uri="{C572A759-6A51-4108-AA02-DFA0A04FC94B}">
-              <ma14:wrappingTextBoxFlag xmlns:ma14="http://schemas.microsoft.com/office/mac/drawingml/2011/main" val="1"/>
+              <ma14:wrappingTextBoxFlag xmlns:ma14="http://schemas.microsoft.com/office/mac/drawingml/2011/main" xmlns:a14="http://schemas.microsoft.com/office/drawing/2010/main" xmlns:m="http://schemas.openxmlformats.org/officeDocument/2006/math" xmlns="" val="1"/>
             </a:ext>
           </a:extLst>
         </p:spPr>
@@ -7989,7 +8045,7 @@
           </a:bodyPr>
           <a:lstStyle>
             <a:lvl1pPr algn="r">
-              <a:defRPr i="1" sz="3700">
+              <a:defRPr sz="3700" i="1">
                 <a:solidFill>
                   <a:srgbClr val="FFFFFF"/>
                 </a:solidFill>
@@ -8001,7 +8057,6 @@
             </a:lvl1pPr>
           </a:lstStyle>
           <a:p>
-            <a:pPr/>
             <a:r>
               <a:t>The Health Sector Payment Transparency Act</a:t>
             </a:r>
@@ -8031,9 +8086,7 @@
             <p:nvPr/>
           </p:nvPicPr>
           <p:blipFill>
-            <a:blip r:embed="rId3">
-              <a:extLst/>
-            </a:blip>
+            <a:blip r:embed="rId3"/>
             <a:stretch>
               <a:fillRect/>
             </a:stretch>
@@ -8092,6 +8145,7 @@
                   </a:solidFill>
                 </a:defRPr>
               </a:pPr>
+              <a:endParaRPr/>
             </a:p>
           </p:txBody>
         </p:sp>
@@ -8117,7 +8171,7 @@
             <a:effectLst/>
             <a:extLst>
               <a:ext uri="{C572A759-6A51-4108-AA02-DFA0A04FC94B}">
-                <ma14:wrappingTextBoxFlag xmlns:ma14="http://schemas.microsoft.com/office/mac/drawingml/2011/main" val="1"/>
+                <ma14:wrappingTextBoxFlag xmlns:ma14="http://schemas.microsoft.com/office/mac/drawingml/2011/main" xmlns:a14="http://schemas.microsoft.com/office/drawing/2010/main" xmlns:m="http://schemas.openxmlformats.org/officeDocument/2006/math" xmlns="" val="1"/>
               </a:ext>
             </a:extLst>
           </p:spPr>
@@ -8127,7 +8181,6 @@
             </a:bodyPr>
             <a:lstStyle/>
             <a:p>
-              <a:pPr/>
               <a:r>
                 <a:t>Male</a:t>
               </a:r>
@@ -8156,7 +8209,7 @@
             <a:effectLst/>
             <a:extLst>
               <a:ext uri="{C572A759-6A51-4108-AA02-DFA0A04FC94B}">
-                <ma14:wrappingTextBoxFlag xmlns:ma14="http://schemas.microsoft.com/office/mac/drawingml/2011/main" val="1"/>
+                <ma14:wrappingTextBoxFlag xmlns:ma14="http://schemas.microsoft.com/office/mac/drawingml/2011/main" xmlns:a14="http://schemas.microsoft.com/office/drawing/2010/main" xmlns:m="http://schemas.openxmlformats.org/officeDocument/2006/math" xmlns="" val="1"/>
               </a:ext>
             </a:extLst>
           </p:spPr>
@@ -8166,7 +8219,6 @@
             </a:bodyPr>
             <a:lstStyle/>
             <a:p>
-              <a:pPr/>
               <a:r>
                 <a:t>Female</a:t>
               </a:r>
@@ -8179,18 +8231,19 @@
   <p:clrMapOvr>
     <a:masterClrMapping/>
   </p:clrMapOvr>
-  <p:transition xmlns:p14="http://schemas.microsoft.com/office/powerpoint/2010/main" spd="med" advClick="1"/>
+  <p:transition spd="med"/>
 </p:sld>
 </file>
 
 <file path=ppt/slides/slide9.xml><?xml version="1.0" encoding="utf-8"?>
-<p:sld xmlns:a="http://schemas.openxmlformats.org/drawingml/2006/main" xmlns:r="http://schemas.openxmlformats.org/officeDocument/2006/relationships" xmlns:p="http://schemas.openxmlformats.org/presentationml/2006/main" xmlns:m="http://schemas.openxmlformats.org/officeDocument/2006/math" xmlns:a14="http://schemas.microsoft.com/office/drawing/2010/main" showMasterSp="1" showMasterPhAnim="1">
+<p:sld xmlns:a="http://schemas.openxmlformats.org/drawingml/2006/main" xmlns:r="http://schemas.openxmlformats.org/officeDocument/2006/relationships" xmlns:p="http://schemas.openxmlformats.org/presentationml/2006/main">
   <p:cSld>
     <p:bg>
       <p:bgPr>
         <a:solidFill>
           <a:srgbClr val="FFFFFF"/>
         </a:solidFill>
+        <a:effectLst/>
       </p:bgPr>
     </p:bg>
     <p:spTree>
@@ -8242,13 +8295,16 @@
                 </a:solidFill>
               </a:defRPr>
             </a:pPr>
+            <a:endParaRPr/>
           </a:p>
         </p:txBody>
       </p:sp>
       <p:sp>
         <p:nvSpPr>
           <p:cNvPr id="243" name="Slide Number"/>
-          <p:cNvSpPr txBox="1"/>
+          <p:cNvSpPr txBox="1">
+            <a:spLocks noGrp="1"/>
+          </p:cNvSpPr>
           <p:nvPr>
             <p:ph type="sldNum" sz="quarter" idx="4294967295"/>
           </p:nvPr>
@@ -8263,7 +8319,7 @@
           </a:prstGeom>
           <a:extLst>
             <a:ext uri="{C572A759-6A51-4108-AA02-DFA0A04FC94B}">
-              <ma14:wrappingTextBoxFlag xmlns:ma14="http://schemas.microsoft.com/office/mac/drawingml/2011/main" val="1"/>
+              <ma14:wrappingTextBoxFlag xmlns:ma14="http://schemas.microsoft.com/office/mac/drawingml/2011/main" xmlns:a14="http://schemas.microsoft.com/office/drawing/2010/main" xmlns:m="http://schemas.openxmlformats.org/officeDocument/2006/math" xmlns="" val="1"/>
             </a:ext>
           </a:extLst>
         </p:spPr>
@@ -8283,8 +8339,10 @@
             </a:lvl1pPr>
           </a:lstStyle>
           <a:p>
-            <a:pPr/>
-            <a:fld id="{86CB4B4D-7CA3-9044-876B-883B54F8677D}" type="slidenum"/>
+            <a:fld id="{86CB4B4D-7CA3-9044-876B-883B54F8677D}" type="slidenum">
+              <a:t>9</a:t>
+            </a:fld>
+            <a:endParaRPr/>
           </a:p>
         </p:txBody>
       </p:sp>
@@ -8307,17 +8365,17 @@
           </a:ln>
           <a:extLst>
             <a:ext uri="{C572A759-6A51-4108-AA02-DFA0A04FC94B}">
-              <ma14:wrappingTextBoxFlag xmlns:ma14="http://schemas.microsoft.com/office/mac/drawingml/2011/main" val="1"/>
+              <ma14:wrappingTextBoxFlag xmlns:ma14="http://schemas.microsoft.com/office/mac/drawingml/2011/main" xmlns:a14="http://schemas.microsoft.com/office/drawing/2010/main" xmlns:m="http://schemas.openxmlformats.org/officeDocument/2006/math" xmlns="" val="1"/>
             </a:ext>
           </a:extLst>
         </p:spPr>
         <p:txBody>
           <a:bodyPr lIns="50800" tIns="50800" rIns="50800" bIns="50800">
-            <a:normAutofit fontScale="100000" lnSpcReduction="0"/>
+            <a:normAutofit/>
           </a:bodyPr>
           <a:lstStyle/>
           <a:p>
-            <a:pPr lvl="1" marL="457200" indent="-228600" algn="l">
+            <a:pPr marL="457200" lvl="1" indent="-228600" algn="l">
               <a:lnSpc>
                 <a:spcPct val="110000"/>
               </a:lnSpc>
@@ -8330,7 +8388,7 @@
             </a:r>
           </a:p>
           <a:p>
-            <a:pPr lvl="1" marL="457200" indent="-228600" algn="l">
+            <a:pPr marL="457200" lvl="1" indent="-228600" algn="l">
               <a:lnSpc>
                 <a:spcPct val="110000"/>
               </a:lnSpc>
@@ -8363,7 +8421,7 @@
           </a:ln>
           <a:extLst>
             <a:ext uri="{C572A759-6A51-4108-AA02-DFA0A04FC94B}">
-              <ma14:wrappingTextBoxFlag xmlns:ma14="http://schemas.microsoft.com/office/mac/drawingml/2011/main" val="1"/>
+              <ma14:wrappingTextBoxFlag xmlns:ma14="http://schemas.microsoft.com/office/mac/drawingml/2011/main" xmlns:a14="http://schemas.microsoft.com/office/drawing/2010/main" xmlns:m="http://schemas.openxmlformats.org/officeDocument/2006/math" xmlns="" val="1"/>
             </a:ext>
           </a:extLst>
         </p:spPr>
@@ -8409,7 +8467,7 @@
           </a:ln>
           <a:extLst>
             <a:ext uri="{C572A759-6A51-4108-AA02-DFA0A04FC94B}">
-              <ma14:wrappingTextBoxFlag xmlns:ma14="http://schemas.microsoft.com/office/mac/drawingml/2011/main" val="1"/>
+              <ma14:wrappingTextBoxFlag xmlns:ma14="http://schemas.microsoft.com/office/mac/drawingml/2011/main" xmlns:a14="http://schemas.microsoft.com/office/drawing/2010/main" xmlns:m="http://schemas.openxmlformats.org/officeDocument/2006/math" xmlns="" val="1"/>
             </a:ext>
           </a:extLst>
         </p:spPr>
@@ -8419,7 +8477,7 @@
           </a:bodyPr>
           <a:lstStyle>
             <a:lvl1pPr algn="r">
-              <a:defRPr i="1" sz="3700">
+              <a:defRPr sz="3700" i="1">
                 <a:solidFill>
                   <a:srgbClr val="FFFFFF"/>
                 </a:solidFill>
@@ -8431,7 +8489,6 @@
             </a:lvl1pPr>
           </a:lstStyle>
           <a:p>
-            <a:pPr/>
             <a:r>
               <a:t>Conclusion</a:t>
             </a:r>
@@ -8457,13 +8514,13 @@
           </a:ln>
           <a:extLst>
             <a:ext uri="{C572A759-6A51-4108-AA02-DFA0A04FC94B}">
-              <ma14:wrappingTextBoxFlag xmlns:ma14="http://schemas.microsoft.com/office/mac/drawingml/2011/main" val="1"/>
+              <ma14:wrappingTextBoxFlag xmlns:ma14="http://schemas.microsoft.com/office/mac/drawingml/2011/main" xmlns:a14="http://schemas.microsoft.com/office/drawing/2010/main" xmlns:m="http://schemas.openxmlformats.org/officeDocument/2006/math" xmlns="" val="1"/>
             </a:ext>
           </a:extLst>
         </p:spPr>
         <p:txBody>
           <a:bodyPr lIns="50800" tIns="50800" rIns="50800" bIns="50800" anchor="b">
-            <a:normAutofit fontScale="100000" lnSpcReduction="0"/>
+            <a:normAutofit lnSpcReduction="10000"/>
           </a:bodyPr>
           <a:lstStyle>
             <a:lvl1pPr algn="l">
@@ -8475,7 +8532,6 @@
             </a:lvl1pPr>
           </a:lstStyle>
           <a:p>
-            <a:pPr/>
             <a:r>
               <a:t>Final deliverables </a:t>
             </a:r>
@@ -8487,14 +8543,14 @@
   <p:clrMapOvr>
     <a:masterClrMapping/>
   </p:clrMapOvr>
-  <p:transition xmlns:p14="http://schemas.microsoft.com/office/powerpoint/2010/main" spd="med" advClick="1"/>
+  <p:transition spd="med"/>
   <p:timing>
     <p:tnLst>
       <p:par>
-        <p:cTn id="1" nodeType="tmRoot" restart="never" dur="indefinite" fill="hold">
+        <p:cTn id="1" dur="indefinite" restart="never" fill="hold" nodeType="tmRoot">
           <p:childTnLst>
             <p:seq concurrent="1" prevAc="none" nextAc="seek">
-              <p:cTn id="2" nodeType="mainSeq" dur="indefinite" fill="hold">
+              <p:cTn id="2" dur="indefinite" fill="hold" nodeType="mainSeq">
                 <p:childTnLst>
                   <p:par>
                     <p:cTn id="3" fill="hold">
@@ -8509,11 +8565,11 @@
                             </p:stCondLst>
                             <p:childTnLst>
                               <p:par>
-                                <p:cTn id="5" presetClass="entr" nodeType="clickEffect" presetSubtype="0" presetID="1" grpId="1" fill="hold">
+                                <p:cTn id="5" presetID="1" presetClass="entr" presetSubtype="0" fill="hold" grpId="1" nodeType="clickEffect">
                                   <p:stCondLst>
                                     <p:cond delay="0"/>
                                   </p:stCondLst>
-                                  <p:iterate type="el" backwards="0">
+                                  <p:iterate>
                                     <p:tmAbs val="0"/>
                                   </p:iterate>
                                   <p:childTnLst>
@@ -8537,11 +8593,11 @@
                                 </p:cTn>
                               </p:par>
                               <p:par>
-                                <p:cTn id="7" presetClass="entr" nodeType="withEffect" presetSubtype="0" presetID="1" grpId="1" fill="hold">
+                                <p:cTn id="7" presetID="1" presetClass="entr" presetSubtype="0" fill="hold" grpId="1" nodeType="withEffect">
                                   <p:stCondLst>
                                     <p:cond delay="0"/>
                                   </p:stCondLst>
-                                  <p:iterate type="el" backwards="0">
+                                  <p:iterate>
                                     <p:tmAbs val="0"/>
                                   </p:iterate>
                                   <p:childTnLst>
@@ -8585,11 +8641,11 @@
                             </p:stCondLst>
                             <p:childTnLst>
                               <p:par>
-                                <p:cTn id="11" presetClass="entr" nodeType="clickEffect" presetSubtype="0" presetID="1" grpId="1" fill="hold">
+                                <p:cTn id="11" presetID="1" presetClass="entr" presetSubtype="0" fill="hold" grpId="1" nodeType="clickEffect">
                                   <p:stCondLst>
                                     <p:cond delay="0"/>
                                   </p:stCondLst>
-                                  <p:iterate type="el" backwards="0">
+                                  <p:iterate>
                                     <p:tmAbs val="0"/>
                                   </p:iterate>
                                   <p:childTnLst>
@@ -8623,14 +8679,14 @@
                 </p:childTnLst>
               </p:cTn>
               <p:prevCondLst>
-                <p:cond evt="onPrev">
+                <p:cond evt="onPrev" delay="0">
                   <p:tgtEl>
                     <p:sldTgt/>
                   </p:tgtEl>
                 </p:cond>
               </p:prevCondLst>
               <p:nextCondLst>
-                <p:cond evt="onNext">
+                <p:cond evt="onNext" delay="0">
                   <p:tgtEl>
                     <p:sldTgt/>
                   </p:tgtEl>
@@ -8642,14 +8698,14 @@
       </p:par>
     </p:tnLst>
     <p:bldLst>
-      <p:bldP build="p" bldLvl="5" animBg="1" rev="0" advAuto="0" spid="244" grpId="1"/>
+      <p:bldP spid="244" grpId="1" build="p" bldLvl="5" animBg="1" advAuto="0"/>
     </p:bldLst>
   </p:timing>
 </p:sld>
 </file>
 
 <file path=ppt/theme/theme1.xml><?xml version="1.0" encoding="utf-8"?>
-<a:theme xmlns:a="http://schemas.openxmlformats.org/drawingml/2006/main" xmlns:r="http://schemas.openxmlformats.org/officeDocument/2006/relationships" name="Black">
+<a:theme xmlns:a="http://schemas.openxmlformats.org/drawingml/2006/main" name="Black">
   <a:themeElements>
     <a:clrScheme name="Black">
       <a:dk1>
@@ -8839,8 +8895,8 @@
     <a:spDef>
       <a:spPr>
         <a:blipFill rotWithShape="1">
-          <a:blip r:embed="rId1"/>
-          <a:srcRect l="0" t="0" r="0" b="0"/>
+          <a:blip xmlns:r="http://schemas.openxmlformats.org/officeDocument/2006/relationships" r:embed="rId1"/>
+          <a:srcRect/>
           <a:tile tx="0" ty="0" sx="100000" sy="100000" flip="none" algn="tl"/>
         </a:blipFill>
         <a:ln w="12700" cap="flat">
@@ -8850,7 +8906,7 @@
         <a:effectLst/>
         <a:sp3d/>
       </a:spPr>
-      <a:bodyPr rot="0" spcFirstLastPara="1" vertOverflow="overflow" horzOverflow="overflow" vert="horz" wrap="square" lIns="50800" tIns="50800" rIns="50800" bIns="50800" numCol="1" spcCol="38100" rtlCol="0" anchor="ctr" upright="0">
+      <a:bodyPr rot="0" spcFirstLastPara="1" vertOverflow="overflow" horzOverflow="overflow" vert="horz" wrap="square" lIns="50800" tIns="50800" rIns="50800" bIns="50800" numCol="1" spcCol="38100" rtlCol="0" anchor="ctr">
         <a:spAutoFit/>
       </a:bodyPr>
       <a:lstStyle>
@@ -8869,7 +8925,7 @@
           <a:buFontTx/>
           <a:buNone/>
           <a:tabLst/>
-          <a:defRPr b="0" baseline="0" cap="none" i="0" spc="0" strike="noStrike" sz="6100" u="none" kumimoji="0" normalizeH="0">
+          <a:defRPr kumimoji="0" sz="6100" b="0" i="0" u="none" strike="noStrike" cap="none" spc="0" normalizeH="0" baseline="0">
             <a:ln>
               <a:noFill/>
             </a:ln>
@@ -8899,7 +8955,7 @@
           <a:buFontTx/>
           <a:buNone/>
           <a:tabLst/>
-          <a:defRPr b="0" baseline="0" cap="none" i="0" spc="0" strike="noStrike" sz="1800" u="none" kumimoji="0" normalizeH="0">
+          <a:defRPr kumimoji="0" sz="1800" b="0" i="0" u="none" strike="noStrike" cap="none" spc="0" normalizeH="0" baseline="0">
             <a:ln>
               <a:noFill/>
             </a:ln>
@@ -8925,7 +8981,7 @@
           <a:buFontTx/>
           <a:buNone/>
           <a:tabLst/>
-          <a:defRPr b="0" baseline="0" cap="none" i="0" spc="0" strike="noStrike" sz="1800" u="none" kumimoji="0" normalizeH="0">
+          <a:defRPr kumimoji="0" sz="1800" b="0" i="0" u="none" strike="noStrike" cap="none" spc="0" normalizeH="0" baseline="0">
             <a:ln>
               <a:noFill/>
             </a:ln>
@@ -8951,7 +9007,7 @@
           <a:buFontTx/>
           <a:buNone/>
           <a:tabLst/>
-          <a:defRPr b="0" baseline="0" cap="none" i="0" spc="0" strike="noStrike" sz="1800" u="none" kumimoji="0" normalizeH="0">
+          <a:defRPr kumimoji="0" sz="1800" b="0" i="0" u="none" strike="noStrike" cap="none" spc="0" normalizeH="0" baseline="0">
             <a:ln>
               <a:noFill/>
             </a:ln>
@@ -8977,7 +9033,7 @@
           <a:buFontTx/>
           <a:buNone/>
           <a:tabLst/>
-          <a:defRPr b="0" baseline="0" cap="none" i="0" spc="0" strike="noStrike" sz="1800" u="none" kumimoji="0" normalizeH="0">
+          <a:defRPr kumimoji="0" sz="1800" b="0" i="0" u="none" strike="noStrike" cap="none" spc="0" normalizeH="0" baseline="0">
             <a:ln>
               <a:noFill/>
             </a:ln>
@@ -9003,7 +9059,7 @@
           <a:buFontTx/>
           <a:buNone/>
           <a:tabLst/>
-          <a:defRPr b="0" baseline="0" cap="none" i="0" spc="0" strike="noStrike" sz="1800" u="none" kumimoji="0" normalizeH="0">
+          <a:defRPr kumimoji="0" sz="1800" b="0" i="0" u="none" strike="noStrike" cap="none" spc="0" normalizeH="0" baseline="0">
             <a:ln>
               <a:noFill/>
             </a:ln>
@@ -9029,7 +9085,7 @@
           <a:buFontTx/>
           <a:buNone/>
           <a:tabLst/>
-          <a:defRPr b="0" baseline="0" cap="none" i="0" spc="0" strike="noStrike" sz="1800" u="none" kumimoji="0" normalizeH="0">
+          <a:defRPr kumimoji="0" sz="1800" b="0" i="0" u="none" strike="noStrike" cap="none" spc="0" normalizeH="0" baseline="0">
             <a:ln>
               <a:noFill/>
             </a:ln>
@@ -9055,7 +9111,7 @@
           <a:buFontTx/>
           <a:buNone/>
           <a:tabLst/>
-          <a:defRPr b="0" baseline="0" cap="none" i="0" spc="0" strike="noStrike" sz="1800" u="none" kumimoji="0" normalizeH="0">
+          <a:defRPr kumimoji="0" sz="1800" b="0" i="0" u="none" strike="noStrike" cap="none" spc="0" normalizeH="0" baseline="0">
             <a:ln>
               <a:noFill/>
             </a:ln>
@@ -9081,7 +9137,7 @@
           <a:buFontTx/>
           <a:buNone/>
           <a:tabLst/>
-          <a:defRPr b="0" baseline="0" cap="none" i="0" spc="0" strike="noStrike" sz="1800" u="none" kumimoji="0" normalizeH="0">
+          <a:defRPr kumimoji="0" sz="1800" b="0" i="0" u="none" strike="noStrike" cap="none" spc="0" normalizeH="0" baseline="0">
             <a:ln>
               <a:noFill/>
             </a:ln>
@@ -9107,7 +9163,7 @@
           <a:buFontTx/>
           <a:buNone/>
           <a:tabLst/>
-          <a:defRPr b="0" baseline="0" cap="none" i="0" spc="0" strike="noStrike" sz="1800" u="none" kumimoji="0" normalizeH="0">
+          <a:defRPr kumimoji="0" sz="1800" b="0" i="0" u="none" strike="noStrike" cap="none" spc="0" normalizeH="0" baseline="0">
             <a:ln>
               <a:noFill/>
             </a:ln>
@@ -9120,9 +9176,15 @@
         </a:lvl9pPr>
       </a:lstStyle>
       <a:style>
-        <a:lnRef idx="0"/>
-        <a:fillRef idx="0"/>
-        <a:effectRef idx="0"/>
+        <a:lnRef idx="0">
+          <a:scrgbClr r="0" g="0" b="0"/>
+        </a:lnRef>
+        <a:fillRef idx="0">
+          <a:scrgbClr r="0" g="0" b="0"/>
+        </a:fillRef>
+        <a:effectRef idx="0">
+          <a:scrgbClr r="0" g="0" b="0"/>
+        </a:effectRef>
         <a:fontRef idx="none"/>
       </a:style>
     </a:spDef>
@@ -9139,7 +9201,7 @@
         <a:effectLst/>
         <a:sp3d/>
       </a:spPr>
-      <a:bodyPr rot="0" spcFirstLastPara="1" vertOverflow="overflow" horzOverflow="overflow" vert="horz" wrap="square" lIns="91439" tIns="45719" rIns="91439" bIns="45719" numCol="1" spcCol="38100" rtlCol="0" anchor="t" upright="0">
+      <a:bodyPr rot="0" spcFirstLastPara="1" vertOverflow="overflow" horzOverflow="overflow" vert="horz" wrap="square" lIns="91439" tIns="45719" rIns="91439" bIns="45719" numCol="1" spcCol="38100" rtlCol="0" anchor="t">
         <a:noAutofit/>
       </a:bodyPr>
       <a:lstStyle>
@@ -9158,7 +9220,7 @@
           <a:buFontTx/>
           <a:buNone/>
           <a:tabLst/>
-          <a:defRPr b="0" baseline="0" cap="none" i="0" spc="0" strike="noStrike" sz="1800" u="none" kumimoji="0" normalizeH="0">
+          <a:defRPr kumimoji="0" sz="1800" b="0" i="0" u="none" strike="noStrike" cap="none" spc="0" normalizeH="0" baseline="0">
             <a:ln>
               <a:noFill/>
             </a:ln>
@@ -9184,7 +9246,7 @@
           <a:buFontTx/>
           <a:buNone/>
           <a:tabLst/>
-          <a:defRPr b="0" baseline="0" cap="none" i="0" spc="0" strike="noStrike" sz="1800" u="none" kumimoji="0" normalizeH="0">
+          <a:defRPr kumimoji="0" sz="1800" b="0" i="0" u="none" strike="noStrike" cap="none" spc="0" normalizeH="0" baseline="0">
             <a:ln>
               <a:noFill/>
             </a:ln>
@@ -9210,7 +9272,7 @@
           <a:buFontTx/>
           <a:buNone/>
           <a:tabLst/>
-          <a:defRPr b="0" baseline="0" cap="none" i="0" spc="0" strike="noStrike" sz="1800" u="none" kumimoji="0" normalizeH="0">
+          <a:defRPr kumimoji="0" sz="1800" b="0" i="0" u="none" strike="noStrike" cap="none" spc="0" normalizeH="0" baseline="0">
             <a:ln>
               <a:noFill/>
             </a:ln>
@@ -9236,7 +9298,7 @@
           <a:buFontTx/>
           <a:buNone/>
           <a:tabLst/>
-          <a:defRPr b="0" baseline="0" cap="none" i="0" spc="0" strike="noStrike" sz="1800" u="none" kumimoji="0" normalizeH="0">
+          <a:defRPr kumimoji="0" sz="1800" b="0" i="0" u="none" strike="noStrike" cap="none" spc="0" normalizeH="0" baseline="0">
             <a:ln>
               <a:noFill/>
             </a:ln>
@@ -9262,7 +9324,7 @@
           <a:buFontTx/>
           <a:buNone/>
           <a:tabLst/>
-          <a:defRPr b="0" baseline="0" cap="none" i="0" spc="0" strike="noStrike" sz="1800" u="none" kumimoji="0" normalizeH="0">
+          <a:defRPr kumimoji="0" sz="1800" b="0" i="0" u="none" strike="noStrike" cap="none" spc="0" normalizeH="0" baseline="0">
             <a:ln>
               <a:noFill/>
             </a:ln>
@@ -9288,7 +9350,7 @@
           <a:buFontTx/>
           <a:buNone/>
           <a:tabLst/>
-          <a:defRPr b="0" baseline="0" cap="none" i="0" spc="0" strike="noStrike" sz="1800" u="none" kumimoji="0" normalizeH="0">
+          <a:defRPr kumimoji="0" sz="1800" b="0" i="0" u="none" strike="noStrike" cap="none" spc="0" normalizeH="0" baseline="0">
             <a:ln>
               <a:noFill/>
             </a:ln>
@@ -9314,7 +9376,7 @@
           <a:buFontTx/>
           <a:buNone/>
           <a:tabLst/>
-          <a:defRPr b="0" baseline="0" cap="none" i="0" spc="0" strike="noStrike" sz="1800" u="none" kumimoji="0" normalizeH="0">
+          <a:defRPr kumimoji="0" sz="1800" b="0" i="0" u="none" strike="noStrike" cap="none" spc="0" normalizeH="0" baseline="0">
             <a:ln>
               <a:noFill/>
             </a:ln>
@@ -9340,7 +9402,7 @@
           <a:buFontTx/>
           <a:buNone/>
           <a:tabLst/>
-          <a:defRPr b="0" baseline="0" cap="none" i="0" spc="0" strike="noStrike" sz="1800" u="none" kumimoji="0" normalizeH="0">
+          <a:defRPr kumimoji="0" sz="1800" b="0" i="0" u="none" strike="noStrike" cap="none" spc="0" normalizeH="0" baseline="0">
             <a:ln>
               <a:noFill/>
             </a:ln>
@@ -9366,7 +9428,7 @@
           <a:buFontTx/>
           <a:buNone/>
           <a:tabLst/>
-          <a:defRPr b="0" baseline="0" cap="none" i="0" spc="0" strike="noStrike" sz="1800" u="none" kumimoji="0" normalizeH="0">
+          <a:defRPr kumimoji="0" sz="1800" b="0" i="0" u="none" strike="noStrike" cap="none" spc="0" normalizeH="0" baseline="0">
             <a:ln>
               <a:noFill/>
             </a:ln>
@@ -9392,7 +9454,7 @@
           <a:buFontTx/>
           <a:buNone/>
           <a:tabLst/>
-          <a:defRPr b="0" baseline="0" cap="none" i="0" spc="0" strike="noStrike" sz="1800" u="none" kumimoji="0" normalizeH="0">
+          <a:defRPr kumimoji="0" sz="1800" b="0" i="0" u="none" strike="noStrike" cap="none" spc="0" normalizeH="0" baseline="0">
             <a:ln>
               <a:noFill/>
             </a:ln>
@@ -9405,9 +9467,15 @@
         </a:lvl9pPr>
       </a:lstStyle>
       <a:style>
-        <a:lnRef idx="0"/>
-        <a:fillRef idx="0"/>
-        <a:effectRef idx="0"/>
+        <a:lnRef idx="0">
+          <a:scrgbClr r="0" g="0" b="0"/>
+        </a:lnRef>
+        <a:fillRef idx="0">
+          <a:scrgbClr r="0" g="0" b="0"/>
+        </a:fillRef>
+        <a:effectRef idx="0">
+          <a:scrgbClr r="0" g="0" b="0"/>
+        </a:effectRef>
         <a:fontRef idx="none"/>
       </a:style>
     </a:lnDef>
@@ -9421,7 +9489,7 @@
         <a:effectLst/>
         <a:sp3d/>
       </a:spPr>
-      <a:bodyPr rot="0" spcFirstLastPara="1" vertOverflow="overflow" horzOverflow="overflow" vert="horz" wrap="square" lIns="50800" tIns="50800" rIns="50800" bIns="50800" numCol="1" spcCol="38100" rtlCol="0" anchor="ctr" upright="0">
+      <a:bodyPr rot="0" spcFirstLastPara="1" vertOverflow="overflow" horzOverflow="overflow" vert="horz" wrap="square" lIns="50800" tIns="50800" rIns="50800" bIns="50800" numCol="1" spcCol="38100" rtlCol="0" anchor="ctr">
         <a:spAutoFit/>
       </a:bodyPr>
       <a:lstStyle>
@@ -9440,7 +9508,7 @@
           <a:buFontTx/>
           <a:buNone/>
           <a:tabLst/>
-          <a:defRPr b="0" baseline="0" cap="none" i="0" spc="0" strike="noStrike" sz="5200" u="none" kumimoji="0" normalizeH="0">
+          <a:defRPr kumimoji="0" sz="5200" b="0" i="0" u="none" strike="noStrike" cap="none" spc="0" normalizeH="0" baseline="0">
             <a:ln>
               <a:noFill/>
             </a:ln>
@@ -9470,7 +9538,7 @@
           <a:buFontTx/>
           <a:buNone/>
           <a:tabLst/>
-          <a:defRPr b="0" baseline="0" cap="none" i="0" spc="0" strike="noStrike" sz="1800" u="none" kumimoji="0" normalizeH="0">
+          <a:defRPr kumimoji="0" sz="1800" b="0" i="0" u="none" strike="noStrike" cap="none" spc="0" normalizeH="0" baseline="0">
             <a:ln>
               <a:noFill/>
             </a:ln>
@@ -9496,7 +9564,7 @@
           <a:buFontTx/>
           <a:buNone/>
           <a:tabLst/>
-          <a:defRPr b="0" baseline="0" cap="none" i="0" spc="0" strike="noStrike" sz="1800" u="none" kumimoji="0" normalizeH="0">
+          <a:defRPr kumimoji="0" sz="1800" b="0" i="0" u="none" strike="noStrike" cap="none" spc="0" normalizeH="0" baseline="0">
             <a:ln>
               <a:noFill/>
             </a:ln>
@@ -9522,7 +9590,7 @@
           <a:buFontTx/>
           <a:buNone/>
           <a:tabLst/>
-          <a:defRPr b="0" baseline="0" cap="none" i="0" spc="0" strike="noStrike" sz="1800" u="none" kumimoji="0" normalizeH="0">
+          <a:defRPr kumimoji="0" sz="1800" b="0" i="0" u="none" strike="noStrike" cap="none" spc="0" normalizeH="0" baseline="0">
             <a:ln>
               <a:noFill/>
             </a:ln>
@@ -9548,7 +9616,7 @@
           <a:buFontTx/>
           <a:buNone/>
           <a:tabLst/>
-          <a:defRPr b="0" baseline="0" cap="none" i="0" spc="0" strike="noStrike" sz="1800" u="none" kumimoji="0" normalizeH="0">
+          <a:defRPr kumimoji="0" sz="1800" b="0" i="0" u="none" strike="noStrike" cap="none" spc="0" normalizeH="0" baseline="0">
             <a:ln>
               <a:noFill/>
             </a:ln>
@@ -9574,7 +9642,7 @@
           <a:buFontTx/>
           <a:buNone/>
           <a:tabLst/>
-          <a:defRPr b="0" baseline="0" cap="none" i="0" spc="0" strike="noStrike" sz="1800" u="none" kumimoji="0" normalizeH="0">
+          <a:defRPr kumimoji="0" sz="1800" b="0" i="0" u="none" strike="noStrike" cap="none" spc="0" normalizeH="0" baseline="0">
             <a:ln>
               <a:noFill/>
             </a:ln>
@@ -9600,7 +9668,7 @@
           <a:buFontTx/>
           <a:buNone/>
           <a:tabLst/>
-          <a:defRPr b="0" baseline="0" cap="none" i="0" spc="0" strike="noStrike" sz="1800" u="none" kumimoji="0" normalizeH="0">
+          <a:defRPr kumimoji="0" sz="1800" b="0" i="0" u="none" strike="noStrike" cap="none" spc="0" normalizeH="0" baseline="0">
             <a:ln>
               <a:noFill/>
             </a:ln>
@@ -9626,7 +9694,7 @@
           <a:buFontTx/>
           <a:buNone/>
           <a:tabLst/>
-          <a:defRPr b="0" baseline="0" cap="none" i="0" spc="0" strike="noStrike" sz="1800" u="none" kumimoji="0" normalizeH="0">
+          <a:defRPr kumimoji="0" sz="1800" b="0" i="0" u="none" strike="noStrike" cap="none" spc="0" normalizeH="0" baseline="0">
             <a:ln>
               <a:noFill/>
             </a:ln>
@@ -9652,7 +9720,7 @@
           <a:buFontTx/>
           <a:buNone/>
           <a:tabLst/>
-          <a:defRPr b="0" baseline="0" cap="none" i="0" spc="0" strike="noStrike" sz="1800" u="none" kumimoji="0" normalizeH="0">
+          <a:defRPr kumimoji="0" sz="1800" b="0" i="0" u="none" strike="noStrike" cap="none" spc="0" normalizeH="0" baseline="0">
             <a:ln>
               <a:noFill/>
             </a:ln>
@@ -9678,7 +9746,7 @@
           <a:buFontTx/>
           <a:buNone/>
           <a:tabLst/>
-          <a:defRPr b="0" baseline="0" cap="none" i="0" spc="0" strike="noStrike" sz="1800" u="none" kumimoji="0" normalizeH="0">
+          <a:defRPr kumimoji="0" sz="1800" b="0" i="0" u="none" strike="noStrike" cap="none" spc="0" normalizeH="0" baseline="0">
             <a:ln>
               <a:noFill/>
             </a:ln>
@@ -9691,18 +9759,25 @@
         </a:lvl9pPr>
       </a:lstStyle>
       <a:style>
-        <a:lnRef idx="0"/>
-        <a:fillRef idx="0"/>
-        <a:effectRef idx="0"/>
+        <a:lnRef idx="0">
+          <a:scrgbClr r="0" g="0" b="0"/>
+        </a:lnRef>
+        <a:fillRef idx="0">
+          <a:scrgbClr r="0" g="0" b="0"/>
+        </a:fillRef>
+        <a:effectRef idx="0">
+          <a:scrgbClr r="0" g="0" b="0"/>
+        </a:effectRef>
         <a:fontRef idx="none"/>
       </a:style>
     </a:txDef>
   </a:objectDefaults>
+  <a:extraClrSchemeLst/>
 </a:theme>
 </file>
 
 <file path=ppt/theme/theme2.xml><?xml version="1.0" encoding="utf-8"?>
-<a:theme xmlns:a="http://schemas.openxmlformats.org/drawingml/2006/main" xmlns:r="http://schemas.openxmlformats.org/officeDocument/2006/relationships" name="Black">
+<a:theme xmlns:a="http://schemas.openxmlformats.org/drawingml/2006/main" name="Black">
   <a:themeElements>
     <a:clrScheme name="Black">
       <a:dk1>
@@ -9892,8 +9967,8 @@
     <a:spDef>
       <a:spPr>
         <a:blipFill rotWithShape="1">
-          <a:blip r:embed="rId1"/>
-          <a:srcRect l="0" t="0" r="0" b="0"/>
+          <a:blip xmlns:r="http://schemas.openxmlformats.org/officeDocument/2006/relationships" r:embed="rId1"/>
+          <a:srcRect/>
           <a:tile tx="0" ty="0" sx="100000" sy="100000" flip="none" algn="tl"/>
         </a:blipFill>
         <a:ln w="12700" cap="flat">
@@ -9903,7 +9978,7 @@
         <a:effectLst/>
         <a:sp3d/>
       </a:spPr>
-      <a:bodyPr rot="0" spcFirstLastPara="1" vertOverflow="overflow" horzOverflow="overflow" vert="horz" wrap="square" lIns="50800" tIns="50800" rIns="50800" bIns="50800" numCol="1" spcCol="38100" rtlCol="0" anchor="ctr" upright="0">
+      <a:bodyPr rot="0" spcFirstLastPara="1" vertOverflow="overflow" horzOverflow="overflow" vert="horz" wrap="square" lIns="50800" tIns="50800" rIns="50800" bIns="50800" numCol="1" spcCol="38100" rtlCol="0" anchor="ctr">
         <a:spAutoFit/>
       </a:bodyPr>
       <a:lstStyle>
@@ -9922,7 +9997,7 @@
           <a:buFontTx/>
           <a:buNone/>
           <a:tabLst/>
-          <a:defRPr b="0" baseline="0" cap="none" i="0" spc="0" strike="noStrike" sz="6100" u="none" kumimoji="0" normalizeH="0">
+          <a:defRPr kumimoji="0" sz="6100" b="0" i="0" u="none" strike="noStrike" cap="none" spc="0" normalizeH="0" baseline="0">
             <a:ln>
               <a:noFill/>
             </a:ln>
@@ -9952,7 +10027,7 @@
           <a:buFontTx/>
           <a:buNone/>
           <a:tabLst/>
-          <a:defRPr b="0" baseline="0" cap="none" i="0" spc="0" strike="noStrike" sz="1800" u="none" kumimoji="0" normalizeH="0">
+          <a:defRPr kumimoji="0" sz="1800" b="0" i="0" u="none" strike="noStrike" cap="none" spc="0" normalizeH="0" baseline="0">
             <a:ln>
               <a:noFill/>
             </a:ln>
@@ -9978,7 +10053,7 @@
           <a:buFontTx/>
           <a:buNone/>
           <a:tabLst/>
-          <a:defRPr b="0" baseline="0" cap="none" i="0" spc="0" strike="noStrike" sz="1800" u="none" kumimoji="0" normalizeH="0">
+          <a:defRPr kumimoji="0" sz="1800" b="0" i="0" u="none" strike="noStrike" cap="none" spc="0" normalizeH="0" baseline="0">
             <a:ln>
               <a:noFill/>
             </a:ln>
@@ -10004,7 +10079,7 @@
           <a:buFontTx/>
           <a:buNone/>
           <a:tabLst/>
-          <a:defRPr b="0" baseline="0" cap="none" i="0" spc="0" strike="noStrike" sz="1800" u="none" kumimoji="0" normalizeH="0">
+          <a:defRPr kumimoji="0" sz="1800" b="0" i="0" u="none" strike="noStrike" cap="none" spc="0" normalizeH="0" baseline="0">
             <a:ln>
               <a:noFill/>
             </a:ln>
@@ -10030,7 +10105,7 @@
           <a:buFontTx/>
           <a:buNone/>
           <a:tabLst/>
-          <a:defRPr b="0" baseline="0" cap="none" i="0" spc="0" strike="noStrike" sz="1800" u="none" kumimoji="0" normalizeH="0">
+          <a:defRPr kumimoji="0" sz="1800" b="0" i="0" u="none" strike="noStrike" cap="none" spc="0" normalizeH="0" baseline="0">
             <a:ln>
               <a:noFill/>
             </a:ln>
@@ -10056,7 +10131,7 @@
           <a:buFontTx/>
           <a:buNone/>
           <a:tabLst/>
-          <a:defRPr b="0" baseline="0" cap="none" i="0" spc="0" strike="noStrike" sz="1800" u="none" kumimoji="0" normalizeH="0">
+          <a:defRPr kumimoji="0" sz="1800" b="0" i="0" u="none" strike="noStrike" cap="none" spc="0" normalizeH="0" baseline="0">
             <a:ln>
               <a:noFill/>
             </a:ln>
@@ -10082,7 +10157,7 @@
           <a:buFontTx/>
           <a:buNone/>
           <a:tabLst/>
-          <a:defRPr b="0" baseline="0" cap="none" i="0" spc="0" strike="noStrike" sz="1800" u="none" kumimoji="0" normalizeH="0">
+          <a:defRPr kumimoji="0" sz="1800" b="0" i="0" u="none" strike="noStrike" cap="none" spc="0" normalizeH="0" baseline="0">
             <a:ln>
               <a:noFill/>
             </a:ln>
@@ -10108,7 +10183,7 @@
           <a:buFontTx/>
           <a:buNone/>
           <a:tabLst/>
-          <a:defRPr b="0" baseline="0" cap="none" i="0" spc="0" strike="noStrike" sz="1800" u="none" kumimoji="0" normalizeH="0">
+          <a:defRPr kumimoji="0" sz="1800" b="0" i="0" u="none" strike="noStrike" cap="none" spc="0" normalizeH="0" baseline="0">
             <a:ln>
               <a:noFill/>
             </a:ln>
@@ -10134,7 +10209,7 @@
           <a:buFontTx/>
           <a:buNone/>
           <a:tabLst/>
-          <a:defRPr b="0" baseline="0" cap="none" i="0" spc="0" strike="noStrike" sz="1800" u="none" kumimoji="0" normalizeH="0">
+          <a:defRPr kumimoji="0" sz="1800" b="0" i="0" u="none" strike="noStrike" cap="none" spc="0" normalizeH="0" baseline="0">
             <a:ln>
               <a:noFill/>
             </a:ln>
@@ -10160,7 +10235,7 @@
           <a:buFontTx/>
           <a:buNone/>
           <a:tabLst/>
-          <a:defRPr b="0" baseline="0" cap="none" i="0" spc="0" strike="noStrike" sz="1800" u="none" kumimoji="0" normalizeH="0">
+          <a:defRPr kumimoji="0" sz="1800" b="0" i="0" u="none" strike="noStrike" cap="none" spc="0" normalizeH="0" baseline="0">
             <a:ln>
               <a:noFill/>
             </a:ln>
@@ -10173,9 +10248,15 @@
         </a:lvl9pPr>
       </a:lstStyle>
       <a:style>
-        <a:lnRef idx="0"/>
-        <a:fillRef idx="0"/>
-        <a:effectRef idx="0"/>
+        <a:lnRef idx="0">
+          <a:scrgbClr r="0" g="0" b="0"/>
+        </a:lnRef>
+        <a:fillRef idx="0">
+          <a:scrgbClr r="0" g="0" b="0"/>
+        </a:fillRef>
+        <a:effectRef idx="0">
+          <a:scrgbClr r="0" g="0" b="0"/>
+        </a:effectRef>
         <a:fontRef idx="none"/>
       </a:style>
     </a:spDef>
@@ -10192,7 +10273,7 @@
         <a:effectLst/>
         <a:sp3d/>
       </a:spPr>
-      <a:bodyPr rot="0" spcFirstLastPara="1" vertOverflow="overflow" horzOverflow="overflow" vert="horz" wrap="square" lIns="91439" tIns="45719" rIns="91439" bIns="45719" numCol="1" spcCol="38100" rtlCol="0" anchor="t" upright="0">
+      <a:bodyPr rot="0" spcFirstLastPara="1" vertOverflow="overflow" horzOverflow="overflow" vert="horz" wrap="square" lIns="91439" tIns="45719" rIns="91439" bIns="45719" numCol="1" spcCol="38100" rtlCol="0" anchor="t">
         <a:noAutofit/>
       </a:bodyPr>
       <a:lstStyle>
@@ -10211,7 +10292,7 @@
           <a:buFontTx/>
           <a:buNone/>
           <a:tabLst/>
-          <a:defRPr b="0" baseline="0" cap="none" i="0" spc="0" strike="noStrike" sz="1800" u="none" kumimoji="0" normalizeH="0">
+          <a:defRPr kumimoji="0" sz="1800" b="0" i="0" u="none" strike="noStrike" cap="none" spc="0" normalizeH="0" baseline="0">
             <a:ln>
               <a:noFill/>
             </a:ln>
@@ -10237,7 +10318,7 @@
           <a:buFontTx/>
           <a:buNone/>
           <a:tabLst/>
-          <a:defRPr b="0" baseline="0" cap="none" i="0" spc="0" strike="noStrike" sz="1800" u="none" kumimoji="0" normalizeH="0">
+          <a:defRPr kumimoji="0" sz="1800" b="0" i="0" u="none" strike="noStrike" cap="none" spc="0" normalizeH="0" baseline="0">
             <a:ln>
               <a:noFill/>
             </a:ln>
@@ -10263,7 +10344,7 @@
           <a:buFontTx/>
           <a:buNone/>
           <a:tabLst/>
-          <a:defRPr b="0" baseline="0" cap="none" i="0" spc="0" strike="noStrike" sz="1800" u="none" kumimoji="0" normalizeH="0">
+          <a:defRPr kumimoji="0" sz="1800" b="0" i="0" u="none" strike="noStrike" cap="none" spc="0" normalizeH="0" baseline="0">
             <a:ln>
               <a:noFill/>
             </a:ln>
@@ -10289,7 +10370,7 @@
           <a:buFontTx/>
           <a:buNone/>
           <a:tabLst/>
-          <a:defRPr b="0" baseline="0" cap="none" i="0" spc="0" strike="noStrike" sz="1800" u="none" kumimoji="0" normalizeH="0">
+          <a:defRPr kumimoji="0" sz="1800" b="0" i="0" u="none" strike="noStrike" cap="none" spc="0" normalizeH="0" baseline="0">
             <a:ln>
               <a:noFill/>
             </a:ln>
@@ -10315,7 +10396,7 @@
           <a:buFontTx/>
           <a:buNone/>
           <a:tabLst/>
-          <a:defRPr b="0" baseline="0" cap="none" i="0" spc="0" strike="noStrike" sz="1800" u="none" kumimoji="0" normalizeH="0">
+          <a:defRPr kumimoji="0" sz="1800" b="0" i="0" u="none" strike="noStrike" cap="none" spc="0" normalizeH="0" baseline="0">
             <a:ln>
               <a:noFill/>
             </a:ln>
@@ -10341,7 +10422,7 @@
           <a:buFontTx/>
           <a:buNone/>
           <a:tabLst/>
-          <a:defRPr b="0" baseline="0" cap="none" i="0" spc="0" strike="noStrike" sz="1800" u="none" kumimoji="0" normalizeH="0">
+          <a:defRPr kumimoji="0" sz="1800" b="0" i="0" u="none" strike="noStrike" cap="none" spc="0" normalizeH="0" baseline="0">
             <a:ln>
               <a:noFill/>
             </a:ln>
@@ -10367,7 +10448,7 @@
           <a:buFontTx/>
           <a:buNone/>
           <a:tabLst/>
-          <a:defRPr b="0" baseline="0" cap="none" i="0" spc="0" strike="noStrike" sz="1800" u="none" kumimoji="0" normalizeH="0">
+          <a:defRPr kumimoji="0" sz="1800" b="0" i="0" u="none" strike="noStrike" cap="none" spc="0" normalizeH="0" baseline="0">
             <a:ln>
               <a:noFill/>
             </a:ln>
@@ -10393,7 +10474,7 @@
           <a:buFontTx/>
           <a:buNone/>
           <a:tabLst/>
-          <a:defRPr b="0" baseline="0" cap="none" i="0" spc="0" strike="noStrike" sz="1800" u="none" kumimoji="0" normalizeH="0">
+          <a:defRPr kumimoji="0" sz="1800" b="0" i="0" u="none" strike="noStrike" cap="none" spc="0" normalizeH="0" baseline="0">
             <a:ln>
               <a:noFill/>
             </a:ln>
@@ -10419,7 +10500,7 @@
           <a:buFontTx/>
           <a:buNone/>
           <a:tabLst/>
-          <a:defRPr b="0" baseline="0" cap="none" i="0" spc="0" strike="noStrike" sz="1800" u="none" kumimoji="0" normalizeH="0">
+          <a:defRPr kumimoji="0" sz="1800" b="0" i="0" u="none" strike="noStrike" cap="none" spc="0" normalizeH="0" baseline="0">
             <a:ln>
               <a:noFill/>
             </a:ln>
@@ -10445,7 +10526,7 @@
           <a:buFontTx/>
           <a:buNone/>
           <a:tabLst/>
-          <a:defRPr b="0" baseline="0" cap="none" i="0" spc="0" strike="noStrike" sz="1800" u="none" kumimoji="0" normalizeH="0">
+          <a:defRPr kumimoji="0" sz="1800" b="0" i="0" u="none" strike="noStrike" cap="none" spc="0" normalizeH="0" baseline="0">
             <a:ln>
               <a:noFill/>
             </a:ln>
@@ -10458,9 +10539,15 @@
         </a:lvl9pPr>
       </a:lstStyle>
       <a:style>
-        <a:lnRef idx="0"/>
-        <a:fillRef idx="0"/>
-        <a:effectRef idx="0"/>
+        <a:lnRef idx="0">
+          <a:scrgbClr r="0" g="0" b="0"/>
+        </a:lnRef>
+        <a:fillRef idx="0">
+          <a:scrgbClr r="0" g="0" b="0"/>
+        </a:fillRef>
+        <a:effectRef idx="0">
+          <a:scrgbClr r="0" g="0" b="0"/>
+        </a:effectRef>
         <a:fontRef idx="none"/>
       </a:style>
     </a:lnDef>
@@ -10474,7 +10561,7 @@
         <a:effectLst/>
         <a:sp3d/>
       </a:spPr>
-      <a:bodyPr rot="0" spcFirstLastPara="1" vertOverflow="overflow" horzOverflow="overflow" vert="horz" wrap="square" lIns="50800" tIns="50800" rIns="50800" bIns="50800" numCol="1" spcCol="38100" rtlCol="0" anchor="ctr" upright="0">
+      <a:bodyPr rot="0" spcFirstLastPara="1" vertOverflow="overflow" horzOverflow="overflow" vert="horz" wrap="square" lIns="50800" tIns="50800" rIns="50800" bIns="50800" numCol="1" spcCol="38100" rtlCol="0" anchor="ctr">
         <a:spAutoFit/>
       </a:bodyPr>
       <a:lstStyle>
@@ -10493,7 +10580,7 @@
           <a:buFontTx/>
           <a:buNone/>
           <a:tabLst/>
-          <a:defRPr b="0" baseline="0" cap="none" i="0" spc="0" strike="noStrike" sz="5200" u="none" kumimoji="0" normalizeH="0">
+          <a:defRPr kumimoji="0" sz="5200" b="0" i="0" u="none" strike="noStrike" cap="none" spc="0" normalizeH="0" baseline="0">
             <a:ln>
               <a:noFill/>
             </a:ln>
@@ -10523,7 +10610,7 @@
           <a:buFontTx/>
           <a:buNone/>
           <a:tabLst/>
-          <a:defRPr b="0" baseline="0" cap="none" i="0" spc="0" strike="noStrike" sz="1800" u="none" kumimoji="0" normalizeH="0">
+          <a:defRPr kumimoji="0" sz="1800" b="0" i="0" u="none" strike="noStrike" cap="none" spc="0" normalizeH="0" baseline="0">
             <a:ln>
               <a:noFill/>
             </a:ln>
@@ -10549,7 +10636,7 @@
           <a:buFontTx/>
           <a:buNone/>
           <a:tabLst/>
-          <a:defRPr b="0" baseline="0" cap="none" i="0" spc="0" strike="noStrike" sz="1800" u="none" kumimoji="0" normalizeH="0">
+          <a:defRPr kumimoji="0" sz="1800" b="0" i="0" u="none" strike="noStrike" cap="none" spc="0" normalizeH="0" baseline="0">
             <a:ln>
               <a:noFill/>
             </a:ln>
@@ -10575,7 +10662,7 @@
           <a:buFontTx/>
           <a:buNone/>
           <a:tabLst/>
-          <a:defRPr b="0" baseline="0" cap="none" i="0" spc="0" strike="noStrike" sz="1800" u="none" kumimoji="0" normalizeH="0">
+          <a:defRPr kumimoji="0" sz="1800" b="0" i="0" u="none" strike="noStrike" cap="none" spc="0" normalizeH="0" baseline="0">
             <a:ln>
               <a:noFill/>
             </a:ln>
@@ -10601,7 +10688,7 @@
           <a:buFontTx/>
           <a:buNone/>
           <a:tabLst/>
-          <a:defRPr b="0" baseline="0" cap="none" i="0" spc="0" strike="noStrike" sz="1800" u="none" kumimoji="0" normalizeH="0">
+          <a:defRPr kumimoji="0" sz="1800" b="0" i="0" u="none" strike="noStrike" cap="none" spc="0" normalizeH="0" baseline="0">
             <a:ln>
               <a:noFill/>
             </a:ln>
@@ -10627,7 +10714,7 @@
           <a:buFontTx/>
           <a:buNone/>
           <a:tabLst/>
-          <a:defRPr b="0" baseline="0" cap="none" i="0" spc="0" strike="noStrike" sz="1800" u="none" kumimoji="0" normalizeH="0">
+          <a:defRPr kumimoji="0" sz="1800" b="0" i="0" u="none" strike="noStrike" cap="none" spc="0" normalizeH="0" baseline="0">
             <a:ln>
               <a:noFill/>
             </a:ln>
@@ -10653,7 +10740,7 @@
           <a:buFontTx/>
           <a:buNone/>
           <a:tabLst/>
-          <a:defRPr b="0" baseline="0" cap="none" i="0" spc="0" strike="noStrike" sz="1800" u="none" kumimoji="0" normalizeH="0">
+          <a:defRPr kumimoji="0" sz="1800" b="0" i="0" u="none" strike="noStrike" cap="none" spc="0" normalizeH="0" baseline="0">
             <a:ln>
               <a:noFill/>
             </a:ln>
@@ -10679,7 +10766,7 @@
           <a:buFontTx/>
           <a:buNone/>
           <a:tabLst/>
-          <a:defRPr b="0" baseline="0" cap="none" i="0" spc="0" strike="noStrike" sz="1800" u="none" kumimoji="0" normalizeH="0">
+          <a:defRPr kumimoji="0" sz="1800" b="0" i="0" u="none" strike="noStrike" cap="none" spc="0" normalizeH="0" baseline="0">
             <a:ln>
               <a:noFill/>
             </a:ln>
@@ -10705,7 +10792,7 @@
           <a:buFontTx/>
           <a:buNone/>
           <a:tabLst/>
-          <a:defRPr b="0" baseline="0" cap="none" i="0" spc="0" strike="noStrike" sz="1800" u="none" kumimoji="0" normalizeH="0">
+          <a:defRPr kumimoji="0" sz="1800" b="0" i="0" u="none" strike="noStrike" cap="none" spc="0" normalizeH="0" baseline="0">
             <a:ln>
               <a:noFill/>
             </a:ln>
@@ -10731,7 +10818,7 @@
           <a:buFontTx/>
           <a:buNone/>
           <a:tabLst/>
-          <a:defRPr b="0" baseline="0" cap="none" i="0" spc="0" strike="noStrike" sz="1800" u="none" kumimoji="0" normalizeH="0">
+          <a:defRPr kumimoji="0" sz="1800" b="0" i="0" u="none" strike="noStrike" cap="none" spc="0" normalizeH="0" baseline="0">
             <a:ln>
               <a:noFill/>
             </a:ln>
@@ -10744,12 +10831,19 @@
         </a:lvl9pPr>
       </a:lstStyle>
       <a:style>
-        <a:lnRef idx="0"/>
-        <a:fillRef idx="0"/>
-        <a:effectRef idx="0"/>
+        <a:lnRef idx="0">
+          <a:scrgbClr r="0" g="0" b="0"/>
+        </a:lnRef>
+        <a:fillRef idx="0">
+          <a:scrgbClr r="0" g="0" b="0"/>
+        </a:fillRef>
+        <a:effectRef idx="0">
+          <a:scrgbClr r="0" g="0" b="0"/>
+        </a:effectRef>
         <a:fontRef idx="none"/>
       </a:style>
     </a:txDef>
   </a:objectDefaults>
+  <a:extraClrSchemeLst/>
 </a:theme>
 </file>
--- a/Whitney-CocainUsagePrediction.pptx
+++ b/Whitney-CocainUsagePrediction.pptx
@@ -319,6 +319,11 @@
       </a:defRPr>
     </a:lvl9pPr>
   </p:defaultTextStyle>
+  <p:extLst>
+    <p:ext uri="{EFAFB233-063F-42B5-8137-9DF3F51BA10A}">
+      <p15:sldGuideLst xmlns:p15="http://schemas.microsoft.com/office/powerpoint/2012/main"/>
+    </p:ext>
+  </p:extLst>
 </p:presentation>
 </file>
 
@@ -3476,7 +3481,7 @@
           </a:ln>
           <a:extLst>
             <a:ext uri="{C572A759-6A51-4108-AA02-DFA0A04FC94B}">
-              <ma14:wrappingTextBoxFlag xmlns:ma14="http://schemas.microsoft.com/office/mac/drawingml/2011/main" xmlns:a14="http://schemas.microsoft.com/office/drawing/2010/main" xmlns:m="http://schemas.openxmlformats.org/officeDocument/2006/math" xmlns="" val="1"/>
+              <ma14:wrappingTextBoxFlag xmlns="" xmlns:m="http://schemas.openxmlformats.org/officeDocument/2006/math" xmlns:a14="http://schemas.microsoft.com/office/drawing/2010/main" xmlns:ma14="http://schemas.microsoft.com/office/mac/drawingml/2011/main" val="1"/>
             </a:ext>
           </a:extLst>
         </p:spPr>
@@ -3515,7 +3520,7 @@
           </a:ln>
           <a:extLst>
             <a:ext uri="{C572A759-6A51-4108-AA02-DFA0A04FC94B}">
-              <ma14:wrappingTextBoxFlag xmlns:ma14="http://schemas.microsoft.com/office/mac/drawingml/2011/main" xmlns:a14="http://schemas.microsoft.com/office/drawing/2010/main" xmlns:m="http://schemas.openxmlformats.org/officeDocument/2006/math" xmlns="" val="1"/>
+              <ma14:wrappingTextBoxFlag xmlns="" xmlns:m="http://schemas.openxmlformats.org/officeDocument/2006/math" xmlns:a14="http://schemas.microsoft.com/office/drawing/2010/main" xmlns:ma14="http://schemas.microsoft.com/office/mac/drawingml/2011/main" val="1"/>
             </a:ext>
           </a:extLst>
         </p:spPr>
@@ -4503,7 +4508,7 @@
           </a:ln>
           <a:extLst>
             <a:ext uri="{C572A759-6A51-4108-AA02-DFA0A04FC94B}">
-              <ma14:wrappingTextBoxFlag xmlns:ma14="http://schemas.microsoft.com/office/mac/drawingml/2011/main" xmlns:a14="http://schemas.microsoft.com/office/drawing/2010/main" xmlns:m="http://schemas.openxmlformats.org/officeDocument/2006/math" xmlns="" val="1"/>
+              <ma14:wrappingTextBoxFlag xmlns="" xmlns:m="http://schemas.openxmlformats.org/officeDocument/2006/math" xmlns:a14="http://schemas.microsoft.com/office/drawing/2010/main" xmlns:ma14="http://schemas.microsoft.com/office/mac/drawingml/2011/main" val="1"/>
             </a:ext>
           </a:extLst>
         </p:spPr>
@@ -4555,7 +4560,7 @@
           </a:ln>
           <a:extLst>
             <a:ext uri="{C572A759-6A51-4108-AA02-DFA0A04FC94B}">
-              <ma14:wrappingTextBoxFlag xmlns:ma14="http://schemas.microsoft.com/office/mac/drawingml/2011/main" xmlns:a14="http://schemas.microsoft.com/office/drawing/2010/main" xmlns:m="http://schemas.openxmlformats.org/officeDocument/2006/math" xmlns="" val="1"/>
+              <ma14:wrappingTextBoxFlag xmlns="" xmlns:m="http://schemas.openxmlformats.org/officeDocument/2006/math" xmlns:a14="http://schemas.microsoft.com/office/drawing/2010/main" xmlns:ma14="http://schemas.microsoft.com/office/mac/drawingml/2011/main" val="1"/>
             </a:ext>
           </a:extLst>
         </p:spPr>
@@ -4696,7 +4701,7 @@
           </a:ln>
           <a:extLst>
             <a:ext uri="{C572A759-6A51-4108-AA02-DFA0A04FC94B}">
-              <ma14:wrappingTextBoxFlag xmlns:ma14="http://schemas.microsoft.com/office/mac/drawingml/2011/main" xmlns:a14="http://schemas.microsoft.com/office/drawing/2010/main" xmlns:m="http://schemas.openxmlformats.org/officeDocument/2006/math" xmlns="" val="1"/>
+              <ma14:wrappingTextBoxFlag xmlns="" xmlns:m="http://schemas.openxmlformats.org/officeDocument/2006/math" xmlns:a14="http://schemas.microsoft.com/office/drawing/2010/main" xmlns:ma14="http://schemas.microsoft.com/office/mac/drawingml/2011/main" val="1"/>
             </a:ext>
           </a:extLst>
         </p:spPr>
@@ -4743,7 +4748,7 @@
           </a:ln>
           <a:extLst>
             <a:ext uri="{C572A759-6A51-4108-AA02-DFA0A04FC94B}">
-              <ma14:wrappingTextBoxFlag xmlns:ma14="http://schemas.microsoft.com/office/mac/drawingml/2011/main" xmlns:a14="http://schemas.microsoft.com/office/drawing/2010/main" xmlns:m="http://schemas.openxmlformats.org/officeDocument/2006/math" xmlns="" val="1"/>
+              <ma14:wrappingTextBoxFlag xmlns="" xmlns:m="http://schemas.openxmlformats.org/officeDocument/2006/math" xmlns:a14="http://schemas.microsoft.com/office/drawing/2010/main" xmlns:ma14="http://schemas.microsoft.com/office/mac/drawingml/2011/main" val="1"/>
             </a:ext>
           </a:extLst>
         </p:spPr>
@@ -4912,7 +4917,7 @@
           </a:prstGeom>
           <a:extLst>
             <a:ext uri="{C572A759-6A51-4108-AA02-DFA0A04FC94B}">
-              <ma14:wrappingTextBoxFlag xmlns:ma14="http://schemas.microsoft.com/office/mac/drawingml/2011/main" xmlns:a14="http://schemas.microsoft.com/office/drawing/2010/main" xmlns:m="http://schemas.openxmlformats.org/officeDocument/2006/math" xmlns="" val="1"/>
+              <ma14:wrappingTextBoxFlag xmlns="" xmlns:m="http://schemas.openxmlformats.org/officeDocument/2006/math" xmlns:a14="http://schemas.microsoft.com/office/drawing/2010/main" xmlns:ma14="http://schemas.microsoft.com/office/mac/drawingml/2011/main" val="1"/>
             </a:ext>
           </a:extLst>
         </p:spPr>
@@ -4958,7 +4963,7 @@
           </a:ln>
           <a:extLst>
             <a:ext uri="{C572A759-6A51-4108-AA02-DFA0A04FC94B}">
-              <ma14:wrappingTextBoxFlag xmlns:ma14="http://schemas.microsoft.com/office/mac/drawingml/2011/main" xmlns:a14="http://schemas.microsoft.com/office/drawing/2010/main" xmlns:m="http://schemas.openxmlformats.org/officeDocument/2006/math" xmlns="" val="1"/>
+              <ma14:wrappingTextBoxFlag xmlns="" xmlns:m="http://schemas.openxmlformats.org/officeDocument/2006/math" xmlns:a14="http://schemas.microsoft.com/office/drawing/2010/main" xmlns:ma14="http://schemas.microsoft.com/office/mac/drawingml/2011/main" val="1"/>
             </a:ext>
           </a:extLst>
         </p:spPr>
@@ -5004,7 +5009,7 @@
           </a:ln>
           <a:extLst>
             <a:ext uri="{C572A759-6A51-4108-AA02-DFA0A04FC94B}">
-              <ma14:wrappingTextBoxFlag xmlns:ma14="http://schemas.microsoft.com/office/mac/drawingml/2011/main" xmlns:a14="http://schemas.microsoft.com/office/drawing/2010/main" xmlns:m="http://schemas.openxmlformats.org/officeDocument/2006/math" xmlns="" val="1"/>
+              <ma14:wrappingTextBoxFlag xmlns="" xmlns:m="http://schemas.openxmlformats.org/officeDocument/2006/math" xmlns:a14="http://schemas.microsoft.com/office/drawing/2010/main" xmlns:ma14="http://schemas.microsoft.com/office/mac/drawingml/2011/main" val="1"/>
             </a:ext>
           </a:extLst>
         </p:spPr>
@@ -5155,7 +5160,7 @@
               <a:effectLst/>
               <a:extLst>
                 <a:ext uri="{C572A759-6A51-4108-AA02-DFA0A04FC94B}">
-                  <ma14:wrappingTextBoxFlag xmlns:ma14="http://schemas.microsoft.com/office/mac/drawingml/2011/main" xmlns:a14="http://schemas.microsoft.com/office/drawing/2010/main" xmlns:m="http://schemas.openxmlformats.org/officeDocument/2006/math" xmlns="" val="1"/>
+                  <ma14:wrappingTextBoxFlag xmlns="" xmlns:m="http://schemas.openxmlformats.org/officeDocument/2006/math" xmlns:a14="http://schemas.microsoft.com/office/drawing/2010/main" xmlns:ma14="http://schemas.microsoft.com/office/mac/drawingml/2011/main" val="1"/>
                 </a:ext>
               </a:extLst>
             </p:spPr>
@@ -5258,7 +5263,7 @@
               <a:effectLst/>
               <a:extLst>
                 <a:ext uri="{C572A759-6A51-4108-AA02-DFA0A04FC94B}">
-                  <ma14:wrappingTextBoxFlag xmlns:ma14="http://schemas.microsoft.com/office/mac/drawingml/2011/main" xmlns:a14="http://schemas.microsoft.com/office/drawing/2010/main" xmlns:m="http://schemas.openxmlformats.org/officeDocument/2006/math" xmlns="" val="1"/>
+                  <ma14:wrappingTextBoxFlag xmlns="" xmlns:m="http://schemas.openxmlformats.org/officeDocument/2006/math" xmlns:a14="http://schemas.microsoft.com/office/drawing/2010/main" xmlns:ma14="http://schemas.microsoft.com/office/mac/drawingml/2011/main" val="1"/>
                 </a:ext>
               </a:extLst>
             </p:spPr>
@@ -5448,7 +5453,7 @@
           </a:prstGeom>
           <a:extLst>
             <a:ext uri="{C572A759-6A51-4108-AA02-DFA0A04FC94B}">
-              <ma14:wrappingTextBoxFlag xmlns:ma14="http://schemas.microsoft.com/office/mac/drawingml/2011/main" xmlns:a14="http://schemas.microsoft.com/office/drawing/2010/main" xmlns:m="http://schemas.openxmlformats.org/officeDocument/2006/math" xmlns="" val="1"/>
+              <ma14:wrappingTextBoxFlag xmlns="" xmlns:m="http://schemas.openxmlformats.org/officeDocument/2006/math" xmlns:a14="http://schemas.microsoft.com/office/drawing/2010/main" xmlns:ma14="http://schemas.microsoft.com/office/mac/drawingml/2011/main" val="1"/>
             </a:ext>
           </a:extLst>
         </p:spPr>
@@ -5494,7 +5499,7 @@
           </a:ln>
           <a:extLst>
             <a:ext uri="{C572A759-6A51-4108-AA02-DFA0A04FC94B}">
-              <ma14:wrappingTextBoxFlag xmlns:ma14="http://schemas.microsoft.com/office/mac/drawingml/2011/main" xmlns:a14="http://schemas.microsoft.com/office/drawing/2010/main" xmlns:m="http://schemas.openxmlformats.org/officeDocument/2006/math" xmlns="" val="1"/>
+              <ma14:wrappingTextBoxFlag xmlns="" xmlns:m="http://schemas.openxmlformats.org/officeDocument/2006/math" xmlns:a14="http://schemas.microsoft.com/office/drawing/2010/main" xmlns:ma14="http://schemas.microsoft.com/office/mac/drawingml/2011/main" val="1"/>
             </a:ext>
           </a:extLst>
         </p:spPr>
@@ -5517,53 +5522,6 @@
             <a:r>
               <a:rPr b="1"/>
               <a:t> |</a:t>
-            </a:r>
-          </a:p>
-        </p:txBody>
-      </p:sp>
-      <p:sp>
-        <p:nvSpPr>
-          <p:cNvPr id="184" name="introduction"/>
-          <p:cNvSpPr txBox="1"/>
-          <p:nvPr/>
-        </p:nvSpPr>
-        <p:spPr>
-          <a:xfrm>
-            <a:off x="21764164" y="-10314"/>
-            <a:ext cx="2392903" cy="635001"/>
-          </a:xfrm>
-          <a:prstGeom prst="rect">
-            <a:avLst/>
-          </a:prstGeom>
-          <a:ln w="12700">
-            <a:miter lim="400000"/>
-          </a:ln>
-          <a:extLst>
-            <a:ext uri="{C572A759-6A51-4108-AA02-DFA0A04FC94B}">
-              <ma14:wrappingTextBoxFlag xmlns:ma14="http://schemas.microsoft.com/office/mac/drawingml/2011/main" xmlns:a14="http://schemas.microsoft.com/office/drawing/2010/main" xmlns:m="http://schemas.openxmlformats.org/officeDocument/2006/math" xmlns="" val="1"/>
-            </a:ext>
-          </a:extLst>
-        </p:spPr>
-        <p:txBody>
-          <a:bodyPr wrap="none" lIns="50800" tIns="50800" rIns="50800" bIns="50800" anchor="ctr">
-            <a:spAutoFit/>
-          </a:bodyPr>
-          <a:lstStyle>
-            <a:lvl1pPr algn="r">
-              <a:defRPr sz="3700" i="1">
-                <a:solidFill>
-                  <a:srgbClr val="FFFFFF"/>
-                </a:solidFill>
-                <a:latin typeface="LinLibertineI"/>
-                <a:ea typeface="LinLibertineI"/>
-                <a:cs typeface="LinLibertineI"/>
-                <a:sym typeface="LinLibertineI"/>
-              </a:defRPr>
-            </a:lvl1pPr>
-          </a:lstStyle>
-          <a:p>
-            <a:r>
-              <a:t>introduction</a:t>
             </a:r>
           </a:p>
         </p:txBody>
@@ -6001,6 +5959,7 @@
           </a:lstStyle>
           <a:p>
             <a:r>
+              <a:rPr dirty="0"/>
               <a:t>Objective</a:t>
             </a:r>
           </a:p>
@@ -6026,7 +5985,7 @@
           </a:prstGeom>
           <a:extLst>
             <a:ext uri="{C572A759-6A51-4108-AA02-DFA0A04FC94B}">
-              <ma14:wrappingTextBoxFlag xmlns:ma14="http://schemas.microsoft.com/office/mac/drawingml/2011/main" xmlns:a14="http://schemas.microsoft.com/office/drawing/2010/main" xmlns:m="http://schemas.openxmlformats.org/officeDocument/2006/math" xmlns="" val="1"/>
+              <ma14:wrappingTextBoxFlag xmlns="" xmlns:m="http://schemas.openxmlformats.org/officeDocument/2006/math" xmlns:a14="http://schemas.microsoft.com/office/drawing/2010/main" xmlns:ma14="http://schemas.microsoft.com/office/mac/drawingml/2011/main" val="1"/>
             </a:ext>
           </a:extLst>
         </p:spPr>
@@ -6072,7 +6031,7 @@
           </a:ln>
           <a:extLst>
             <a:ext uri="{C572A759-6A51-4108-AA02-DFA0A04FC94B}">
-              <ma14:wrappingTextBoxFlag xmlns:ma14="http://schemas.microsoft.com/office/mac/drawingml/2011/main" xmlns:a14="http://schemas.microsoft.com/office/drawing/2010/main" xmlns:m="http://schemas.openxmlformats.org/officeDocument/2006/math" xmlns="" val="1"/>
+              <ma14:wrappingTextBoxFlag xmlns="" xmlns:m="http://schemas.openxmlformats.org/officeDocument/2006/math" xmlns:a14="http://schemas.microsoft.com/office/drawing/2010/main" xmlns:ma14="http://schemas.microsoft.com/office/mac/drawingml/2011/main" val="1"/>
             </a:ext>
           </a:extLst>
         </p:spPr>
@@ -6180,7 +6139,7 @@
           </a:ln>
           <a:extLst>
             <a:ext uri="{C572A759-6A51-4108-AA02-DFA0A04FC94B}">
-              <ma14:wrappingTextBoxFlag xmlns:ma14="http://schemas.microsoft.com/office/mac/drawingml/2011/main" xmlns:a14="http://schemas.microsoft.com/office/drawing/2010/main" xmlns:m="http://schemas.openxmlformats.org/officeDocument/2006/math" xmlns="" val="1"/>
+              <ma14:wrappingTextBoxFlag xmlns="" xmlns:m="http://schemas.openxmlformats.org/officeDocument/2006/math" xmlns:a14="http://schemas.microsoft.com/office/drawing/2010/main" xmlns:ma14="http://schemas.microsoft.com/office/mac/drawingml/2011/main" val="1"/>
             </a:ext>
           </a:extLst>
         </p:spPr>
@@ -6203,53 +6162,6 @@
             <a:r>
               <a:rPr b="1"/>
               <a:t> |</a:t>
-            </a:r>
-          </a:p>
-        </p:txBody>
-      </p:sp>
-      <p:sp>
-        <p:nvSpPr>
-          <p:cNvPr id="197" name="The Physician Payment Sunshine Act"/>
-          <p:cNvSpPr txBox="1"/>
-          <p:nvPr/>
-        </p:nvSpPr>
-        <p:spPr>
-          <a:xfrm>
-            <a:off x="17185393" y="-10314"/>
-            <a:ext cx="6971674" cy="635001"/>
-          </a:xfrm>
-          <a:prstGeom prst="rect">
-            <a:avLst/>
-          </a:prstGeom>
-          <a:ln w="12700">
-            <a:miter lim="400000"/>
-          </a:ln>
-          <a:extLst>
-            <a:ext uri="{C572A759-6A51-4108-AA02-DFA0A04FC94B}">
-              <ma14:wrappingTextBoxFlag xmlns:ma14="http://schemas.microsoft.com/office/mac/drawingml/2011/main" xmlns:a14="http://schemas.microsoft.com/office/drawing/2010/main" xmlns:m="http://schemas.openxmlformats.org/officeDocument/2006/math" xmlns="" val="1"/>
-            </a:ext>
-          </a:extLst>
-        </p:spPr>
-        <p:txBody>
-          <a:bodyPr wrap="none" lIns="50800" tIns="50800" rIns="50800" bIns="50800" anchor="ctr">
-            <a:spAutoFit/>
-          </a:bodyPr>
-          <a:lstStyle>
-            <a:lvl1pPr algn="r">
-              <a:defRPr sz="3700" i="1">
-                <a:solidFill>
-                  <a:srgbClr val="FFFFFF"/>
-                </a:solidFill>
-                <a:latin typeface="LinLibertineI"/>
-                <a:ea typeface="LinLibertineI"/>
-                <a:cs typeface="LinLibertineI"/>
-                <a:sym typeface="LinLibertineI"/>
-              </a:defRPr>
-            </a:lvl1pPr>
-          </a:lstStyle>
-          <a:p>
-            <a:r>
-              <a:t>The Physician Payment Sunshine Act</a:t>
             </a:r>
           </a:p>
         </p:txBody>
@@ -6739,7 +6651,7 @@
           </a:prstGeom>
           <a:extLst>
             <a:ext uri="{C572A759-6A51-4108-AA02-DFA0A04FC94B}">
-              <ma14:wrappingTextBoxFlag xmlns:ma14="http://schemas.microsoft.com/office/mac/drawingml/2011/main" xmlns:a14="http://schemas.microsoft.com/office/drawing/2010/main" xmlns:m="http://schemas.openxmlformats.org/officeDocument/2006/math" xmlns="" val="1"/>
+              <ma14:wrappingTextBoxFlag xmlns="" xmlns:m="http://schemas.openxmlformats.org/officeDocument/2006/math" xmlns:a14="http://schemas.microsoft.com/office/drawing/2010/main" xmlns:ma14="http://schemas.microsoft.com/office/mac/drawingml/2011/main" val="1"/>
             </a:ext>
           </a:extLst>
         </p:spPr>
@@ -6785,7 +6697,7 @@
           </a:ln>
           <a:extLst>
             <a:ext uri="{C572A759-6A51-4108-AA02-DFA0A04FC94B}">
-              <ma14:wrappingTextBoxFlag xmlns:ma14="http://schemas.microsoft.com/office/mac/drawingml/2011/main" xmlns:a14="http://schemas.microsoft.com/office/drawing/2010/main" xmlns:m="http://schemas.openxmlformats.org/officeDocument/2006/math" xmlns="" val="1"/>
+              <ma14:wrappingTextBoxFlag xmlns="" xmlns:m="http://schemas.openxmlformats.org/officeDocument/2006/math" xmlns:a14="http://schemas.microsoft.com/office/drawing/2010/main" xmlns:ma14="http://schemas.microsoft.com/office/mac/drawingml/2011/main" val="1"/>
             </a:ext>
           </a:extLst>
         </p:spPr>
@@ -6831,7 +6743,7 @@
           </a:ln>
           <a:extLst>
             <a:ext uri="{C572A759-6A51-4108-AA02-DFA0A04FC94B}">
-              <ma14:wrappingTextBoxFlag xmlns:ma14="http://schemas.microsoft.com/office/mac/drawingml/2011/main" xmlns:a14="http://schemas.microsoft.com/office/drawing/2010/main" xmlns:m="http://schemas.openxmlformats.org/officeDocument/2006/math" xmlns="" val="1"/>
+              <ma14:wrappingTextBoxFlag xmlns="" xmlns:m="http://schemas.openxmlformats.org/officeDocument/2006/math" xmlns:a14="http://schemas.microsoft.com/office/drawing/2010/main" xmlns:ma14="http://schemas.microsoft.com/office/mac/drawingml/2011/main" val="1"/>
             </a:ext>
           </a:extLst>
         </p:spPr>
@@ -7166,7 +7078,7 @@
           </a:ln>
           <a:extLst>
             <a:ext uri="{C572A759-6A51-4108-AA02-DFA0A04FC94B}">
-              <ma14:wrappingTextBoxFlag xmlns:ma14="http://schemas.microsoft.com/office/mac/drawingml/2011/main" xmlns:a14="http://schemas.microsoft.com/office/drawing/2010/main" xmlns:m="http://schemas.openxmlformats.org/officeDocument/2006/math" xmlns="" val="1"/>
+              <ma14:wrappingTextBoxFlag xmlns="" xmlns:m="http://schemas.openxmlformats.org/officeDocument/2006/math" xmlns:a14="http://schemas.microsoft.com/office/drawing/2010/main" xmlns:ma14="http://schemas.microsoft.com/office/mac/drawingml/2011/main" val="1"/>
             </a:ext>
           </a:extLst>
         </p:spPr>
@@ -7213,7 +7125,7 @@
           </a:prstGeom>
           <a:extLst>
             <a:ext uri="{C572A759-6A51-4108-AA02-DFA0A04FC94B}">
-              <ma14:wrappingTextBoxFlag xmlns:ma14="http://schemas.microsoft.com/office/mac/drawingml/2011/main" xmlns:a14="http://schemas.microsoft.com/office/drawing/2010/main" xmlns:m="http://schemas.openxmlformats.org/officeDocument/2006/math" xmlns="" val="1"/>
+              <ma14:wrappingTextBoxFlag xmlns="" xmlns:m="http://schemas.openxmlformats.org/officeDocument/2006/math" xmlns:a14="http://schemas.microsoft.com/office/drawing/2010/main" xmlns:ma14="http://schemas.microsoft.com/office/mac/drawingml/2011/main" val="1"/>
             </a:ext>
           </a:extLst>
         </p:spPr>
@@ -7298,7 +7210,7 @@
           </a:ln>
           <a:extLst>
             <a:ext uri="{C572A759-6A51-4108-AA02-DFA0A04FC94B}">
-              <ma14:wrappingTextBoxFlag xmlns:ma14="http://schemas.microsoft.com/office/mac/drawingml/2011/main" xmlns:a14="http://schemas.microsoft.com/office/drawing/2010/main" xmlns:m="http://schemas.openxmlformats.org/officeDocument/2006/math" xmlns="" val="1"/>
+              <ma14:wrappingTextBoxFlag xmlns="" xmlns:m="http://schemas.openxmlformats.org/officeDocument/2006/math" xmlns:a14="http://schemas.microsoft.com/office/drawing/2010/main" xmlns:ma14="http://schemas.microsoft.com/office/mac/drawingml/2011/main" val="1"/>
             </a:ext>
           </a:extLst>
         </p:spPr>
@@ -7415,7 +7327,7 @@
           </a:prstGeom>
           <a:extLst>
             <a:ext uri="{C572A759-6A51-4108-AA02-DFA0A04FC94B}">
-              <ma14:wrappingTextBoxFlag xmlns:ma14="http://schemas.microsoft.com/office/mac/drawingml/2011/main" xmlns:a14="http://schemas.microsoft.com/office/drawing/2010/main" xmlns:m="http://schemas.openxmlformats.org/officeDocument/2006/math" xmlns="" val="1"/>
+              <ma14:wrappingTextBoxFlag xmlns="" xmlns:m="http://schemas.openxmlformats.org/officeDocument/2006/math" xmlns:a14="http://schemas.microsoft.com/office/drawing/2010/main" xmlns:ma14="http://schemas.microsoft.com/office/mac/drawingml/2011/main" val="1"/>
             </a:ext>
           </a:extLst>
         </p:spPr>
@@ -7461,7 +7373,7 @@
           </a:ln>
           <a:extLst>
             <a:ext uri="{C572A759-6A51-4108-AA02-DFA0A04FC94B}">
-              <ma14:wrappingTextBoxFlag xmlns:ma14="http://schemas.microsoft.com/office/mac/drawingml/2011/main" xmlns:a14="http://schemas.microsoft.com/office/drawing/2010/main" xmlns:m="http://schemas.openxmlformats.org/officeDocument/2006/math" xmlns="" val="1"/>
+              <ma14:wrappingTextBoxFlag xmlns="" xmlns:m="http://schemas.openxmlformats.org/officeDocument/2006/math" xmlns:a14="http://schemas.microsoft.com/office/drawing/2010/main" xmlns:ma14="http://schemas.microsoft.com/office/mac/drawingml/2011/main" val="1"/>
             </a:ext>
           </a:extLst>
         </p:spPr>
@@ -7484,53 +7396,6 @@
             <a:r>
               <a:rPr b="1"/>
               <a:t> |</a:t>
-            </a:r>
-          </a:p>
-        </p:txBody>
-      </p:sp>
-      <p:sp>
-        <p:nvSpPr>
-          <p:cNvPr id="217" name="The Health Sector Payment Transparency Act"/>
-          <p:cNvSpPr txBox="1"/>
-          <p:nvPr/>
-        </p:nvSpPr>
-        <p:spPr>
-          <a:xfrm>
-            <a:off x="15644909" y="-10314"/>
-            <a:ext cx="8512158" cy="635001"/>
-          </a:xfrm>
-          <a:prstGeom prst="rect">
-            <a:avLst/>
-          </a:prstGeom>
-          <a:ln w="12700">
-            <a:miter lim="400000"/>
-          </a:ln>
-          <a:extLst>
-            <a:ext uri="{C572A759-6A51-4108-AA02-DFA0A04FC94B}">
-              <ma14:wrappingTextBoxFlag xmlns:ma14="http://schemas.microsoft.com/office/mac/drawingml/2011/main" xmlns:a14="http://schemas.microsoft.com/office/drawing/2010/main" xmlns:m="http://schemas.openxmlformats.org/officeDocument/2006/math" xmlns="" val="1"/>
-            </a:ext>
-          </a:extLst>
-        </p:spPr>
-        <p:txBody>
-          <a:bodyPr wrap="none" lIns="50800" tIns="50800" rIns="50800" bIns="50800" anchor="ctr">
-            <a:spAutoFit/>
-          </a:bodyPr>
-          <a:lstStyle>
-            <a:lvl1pPr algn="r">
-              <a:defRPr sz="3700" i="1">
-                <a:solidFill>
-                  <a:srgbClr val="FFFFFF"/>
-                </a:solidFill>
-                <a:latin typeface="LinLibertineI"/>
-                <a:ea typeface="LinLibertineI"/>
-                <a:cs typeface="LinLibertineI"/>
-                <a:sym typeface="LinLibertineI"/>
-              </a:defRPr>
-            </a:lvl1pPr>
-          </a:lstStyle>
-          <a:p>
-            <a:r>
-              <a:t>The Health Sector Payment Transparency Act</a:t>
             </a:r>
           </a:p>
         </p:txBody>
@@ -7643,7 +7508,7 @@
             <a:effectLst/>
             <a:extLst>
               <a:ext uri="{C572A759-6A51-4108-AA02-DFA0A04FC94B}">
-                <ma14:wrappingTextBoxFlag xmlns:ma14="http://schemas.microsoft.com/office/mac/drawingml/2011/main" xmlns:a14="http://schemas.microsoft.com/office/drawing/2010/main" xmlns:m="http://schemas.openxmlformats.org/officeDocument/2006/math" xmlns="" val="1"/>
+                <ma14:wrappingTextBoxFlag xmlns="" xmlns:m="http://schemas.openxmlformats.org/officeDocument/2006/math" xmlns:a14="http://schemas.microsoft.com/office/drawing/2010/main" xmlns:ma14="http://schemas.microsoft.com/office/mac/drawingml/2011/main" val="1"/>
               </a:ext>
             </a:extLst>
           </p:spPr>
@@ -7681,7 +7546,7 @@
             <a:effectLst/>
             <a:extLst>
               <a:ext uri="{C572A759-6A51-4108-AA02-DFA0A04FC94B}">
-                <ma14:wrappingTextBoxFlag xmlns:ma14="http://schemas.microsoft.com/office/mac/drawingml/2011/main" xmlns:a14="http://schemas.microsoft.com/office/drawing/2010/main" xmlns:m="http://schemas.openxmlformats.org/officeDocument/2006/math" xmlns="" val="1"/>
+                <ma14:wrappingTextBoxFlag xmlns="" xmlns:m="http://schemas.openxmlformats.org/officeDocument/2006/math" xmlns:a14="http://schemas.microsoft.com/office/drawing/2010/main" xmlns:ma14="http://schemas.microsoft.com/office/mac/drawingml/2011/main" val="1"/>
               </a:ext>
             </a:extLst>
           </p:spPr>
@@ -7719,7 +7584,7 @@
             <a:effectLst/>
             <a:extLst>
               <a:ext uri="{C572A759-6A51-4108-AA02-DFA0A04FC94B}">
-                <ma14:wrappingTextBoxFlag xmlns:ma14="http://schemas.microsoft.com/office/mac/drawingml/2011/main" xmlns:a14="http://schemas.microsoft.com/office/drawing/2010/main" xmlns:m="http://schemas.openxmlformats.org/officeDocument/2006/math" xmlns="" val="1"/>
+                <ma14:wrappingTextBoxFlag xmlns="" xmlns:m="http://schemas.openxmlformats.org/officeDocument/2006/math" xmlns:a14="http://schemas.microsoft.com/office/drawing/2010/main" xmlns:ma14="http://schemas.microsoft.com/office/mac/drawingml/2011/main" val="1"/>
               </a:ext>
             </a:extLst>
           </p:spPr>
@@ -7757,7 +7622,7 @@
             <a:effectLst/>
             <a:extLst>
               <a:ext uri="{C572A759-6A51-4108-AA02-DFA0A04FC94B}">
-                <ma14:wrappingTextBoxFlag xmlns:ma14="http://schemas.microsoft.com/office/mac/drawingml/2011/main" xmlns:a14="http://schemas.microsoft.com/office/drawing/2010/main" xmlns:m="http://schemas.openxmlformats.org/officeDocument/2006/math" xmlns="" val="1"/>
+                <ma14:wrappingTextBoxFlag xmlns="" xmlns:m="http://schemas.openxmlformats.org/officeDocument/2006/math" xmlns:a14="http://schemas.microsoft.com/office/drawing/2010/main" xmlns:ma14="http://schemas.microsoft.com/office/mac/drawingml/2011/main" val="1"/>
               </a:ext>
             </a:extLst>
           </p:spPr>
@@ -7795,7 +7660,7 @@
             <a:effectLst/>
             <a:extLst>
               <a:ext uri="{C572A759-6A51-4108-AA02-DFA0A04FC94B}">
-                <ma14:wrappingTextBoxFlag xmlns:ma14="http://schemas.microsoft.com/office/mac/drawingml/2011/main" xmlns:a14="http://schemas.microsoft.com/office/drawing/2010/main" xmlns:m="http://schemas.openxmlformats.org/officeDocument/2006/math" xmlns="" val="1"/>
+                <ma14:wrappingTextBoxFlag xmlns="" xmlns:m="http://schemas.openxmlformats.org/officeDocument/2006/math" xmlns:a14="http://schemas.microsoft.com/office/drawing/2010/main" xmlns:ma14="http://schemas.microsoft.com/office/mac/drawingml/2011/main" val="1"/>
               </a:ext>
             </a:extLst>
           </p:spPr>
@@ -7833,7 +7698,7 @@
             <a:effectLst/>
             <a:extLst>
               <a:ext uri="{C572A759-6A51-4108-AA02-DFA0A04FC94B}">
-                <ma14:wrappingTextBoxFlag xmlns:ma14="http://schemas.microsoft.com/office/mac/drawingml/2011/main" xmlns:a14="http://schemas.microsoft.com/office/drawing/2010/main" xmlns:m="http://schemas.openxmlformats.org/officeDocument/2006/math" xmlns="" val="1"/>
+                <ma14:wrappingTextBoxFlag xmlns="" xmlns:m="http://schemas.openxmlformats.org/officeDocument/2006/math" xmlns:a14="http://schemas.microsoft.com/office/drawing/2010/main" xmlns:ma14="http://schemas.microsoft.com/office/mac/drawingml/2011/main" val="1"/>
               </a:ext>
             </a:extLst>
           </p:spPr>
@@ -7943,7 +7808,7 @@
           </a:prstGeom>
           <a:extLst>
             <a:ext uri="{C572A759-6A51-4108-AA02-DFA0A04FC94B}">
-              <ma14:wrappingTextBoxFlag xmlns:ma14="http://schemas.microsoft.com/office/mac/drawingml/2011/main" xmlns:a14="http://schemas.microsoft.com/office/drawing/2010/main" xmlns:m="http://schemas.openxmlformats.org/officeDocument/2006/math" xmlns="" val="1"/>
+              <ma14:wrappingTextBoxFlag xmlns="" xmlns:m="http://schemas.openxmlformats.org/officeDocument/2006/math" xmlns:a14="http://schemas.microsoft.com/office/drawing/2010/main" xmlns:ma14="http://schemas.microsoft.com/office/mac/drawingml/2011/main" val="1"/>
             </a:ext>
           </a:extLst>
         </p:spPr>
@@ -7989,7 +7854,7 @@
           </a:ln>
           <a:extLst>
             <a:ext uri="{C572A759-6A51-4108-AA02-DFA0A04FC94B}">
-              <ma14:wrappingTextBoxFlag xmlns:ma14="http://schemas.microsoft.com/office/mac/drawingml/2011/main" xmlns:a14="http://schemas.microsoft.com/office/drawing/2010/main" xmlns:m="http://schemas.openxmlformats.org/officeDocument/2006/math" xmlns="" val="1"/>
+              <ma14:wrappingTextBoxFlag xmlns="" xmlns:m="http://schemas.openxmlformats.org/officeDocument/2006/math" xmlns:a14="http://schemas.microsoft.com/office/drawing/2010/main" xmlns:ma14="http://schemas.microsoft.com/office/mac/drawingml/2011/main" val="1"/>
             </a:ext>
           </a:extLst>
         </p:spPr>
@@ -8012,53 +7877,6 @@
             <a:r>
               <a:rPr b="1"/>
               <a:t> |</a:t>
-            </a:r>
-          </a:p>
-        </p:txBody>
-      </p:sp>
-      <p:sp>
-        <p:nvSpPr>
-          <p:cNvPr id="233" name="The Health Sector Payment Transparency Act"/>
-          <p:cNvSpPr txBox="1"/>
-          <p:nvPr/>
-        </p:nvSpPr>
-        <p:spPr>
-          <a:xfrm>
-            <a:off x="15644909" y="-10314"/>
-            <a:ext cx="8512158" cy="635001"/>
-          </a:xfrm>
-          <a:prstGeom prst="rect">
-            <a:avLst/>
-          </a:prstGeom>
-          <a:ln w="12700">
-            <a:miter lim="400000"/>
-          </a:ln>
-          <a:extLst>
-            <a:ext uri="{C572A759-6A51-4108-AA02-DFA0A04FC94B}">
-              <ma14:wrappingTextBoxFlag xmlns:ma14="http://schemas.microsoft.com/office/mac/drawingml/2011/main" xmlns:a14="http://schemas.microsoft.com/office/drawing/2010/main" xmlns:m="http://schemas.openxmlformats.org/officeDocument/2006/math" xmlns="" val="1"/>
-            </a:ext>
-          </a:extLst>
-        </p:spPr>
-        <p:txBody>
-          <a:bodyPr wrap="none" lIns="50800" tIns="50800" rIns="50800" bIns="50800" anchor="ctr">
-            <a:spAutoFit/>
-          </a:bodyPr>
-          <a:lstStyle>
-            <a:lvl1pPr algn="r">
-              <a:defRPr sz="3700" i="1">
-                <a:solidFill>
-                  <a:srgbClr val="FFFFFF"/>
-                </a:solidFill>
-                <a:latin typeface="LinLibertineI"/>
-                <a:ea typeface="LinLibertineI"/>
-                <a:cs typeface="LinLibertineI"/>
-                <a:sym typeface="LinLibertineI"/>
-              </a:defRPr>
-            </a:lvl1pPr>
-          </a:lstStyle>
-          <a:p>
-            <a:r>
-              <a:t>The Health Sector Payment Transparency Act</a:t>
             </a:r>
           </a:p>
         </p:txBody>
@@ -8171,7 +7989,7 @@
             <a:effectLst/>
             <a:extLst>
               <a:ext uri="{C572A759-6A51-4108-AA02-DFA0A04FC94B}">
-                <ma14:wrappingTextBoxFlag xmlns:ma14="http://schemas.microsoft.com/office/mac/drawingml/2011/main" xmlns:a14="http://schemas.microsoft.com/office/drawing/2010/main" xmlns:m="http://schemas.openxmlformats.org/officeDocument/2006/math" xmlns="" val="1"/>
+                <ma14:wrappingTextBoxFlag xmlns="" xmlns:m="http://schemas.openxmlformats.org/officeDocument/2006/math" xmlns:a14="http://schemas.microsoft.com/office/drawing/2010/main" xmlns:ma14="http://schemas.microsoft.com/office/mac/drawingml/2011/main" val="1"/>
               </a:ext>
             </a:extLst>
           </p:spPr>
@@ -8209,7 +8027,7 @@
             <a:effectLst/>
             <a:extLst>
               <a:ext uri="{C572A759-6A51-4108-AA02-DFA0A04FC94B}">
-                <ma14:wrappingTextBoxFlag xmlns:ma14="http://schemas.microsoft.com/office/mac/drawingml/2011/main" xmlns:a14="http://schemas.microsoft.com/office/drawing/2010/main" xmlns:m="http://schemas.openxmlformats.org/officeDocument/2006/math" xmlns="" val="1"/>
+                <ma14:wrappingTextBoxFlag xmlns="" xmlns:m="http://schemas.openxmlformats.org/officeDocument/2006/math" xmlns:a14="http://schemas.microsoft.com/office/drawing/2010/main" xmlns:ma14="http://schemas.microsoft.com/office/mac/drawingml/2011/main" val="1"/>
               </a:ext>
             </a:extLst>
           </p:spPr>
@@ -8319,7 +8137,7 @@
           </a:prstGeom>
           <a:extLst>
             <a:ext uri="{C572A759-6A51-4108-AA02-DFA0A04FC94B}">
-              <ma14:wrappingTextBoxFlag xmlns:ma14="http://schemas.microsoft.com/office/mac/drawingml/2011/main" xmlns:a14="http://schemas.microsoft.com/office/drawing/2010/main" xmlns:m="http://schemas.openxmlformats.org/officeDocument/2006/math" xmlns="" val="1"/>
+              <ma14:wrappingTextBoxFlag xmlns="" xmlns:m="http://schemas.openxmlformats.org/officeDocument/2006/math" xmlns:a14="http://schemas.microsoft.com/office/drawing/2010/main" xmlns:ma14="http://schemas.microsoft.com/office/mac/drawingml/2011/main" val="1"/>
             </a:ext>
           </a:extLst>
         </p:spPr>
@@ -8365,7 +8183,7 @@
           </a:ln>
           <a:extLst>
             <a:ext uri="{C572A759-6A51-4108-AA02-DFA0A04FC94B}">
-              <ma14:wrappingTextBoxFlag xmlns:ma14="http://schemas.microsoft.com/office/mac/drawingml/2011/main" xmlns:a14="http://schemas.microsoft.com/office/drawing/2010/main" xmlns:m="http://schemas.openxmlformats.org/officeDocument/2006/math" xmlns="" val="1"/>
+              <ma14:wrappingTextBoxFlag xmlns="" xmlns:m="http://schemas.openxmlformats.org/officeDocument/2006/math" xmlns:a14="http://schemas.microsoft.com/office/drawing/2010/main" xmlns:ma14="http://schemas.microsoft.com/office/mac/drawingml/2011/main" val="1"/>
             </a:ext>
           </a:extLst>
         </p:spPr>
@@ -8421,7 +8239,7 @@
           </a:ln>
           <a:extLst>
             <a:ext uri="{C572A759-6A51-4108-AA02-DFA0A04FC94B}">
-              <ma14:wrappingTextBoxFlag xmlns:ma14="http://schemas.microsoft.com/office/mac/drawingml/2011/main" xmlns:a14="http://schemas.microsoft.com/office/drawing/2010/main" xmlns:m="http://schemas.openxmlformats.org/officeDocument/2006/math" xmlns="" val="1"/>
+              <ma14:wrappingTextBoxFlag xmlns="" xmlns:m="http://schemas.openxmlformats.org/officeDocument/2006/math" xmlns:a14="http://schemas.microsoft.com/office/drawing/2010/main" xmlns:ma14="http://schemas.microsoft.com/office/mac/drawingml/2011/main" val="1"/>
             </a:ext>
           </a:extLst>
         </p:spPr>
@@ -8450,14 +8268,14 @@
       </p:sp>
       <p:sp>
         <p:nvSpPr>
-          <p:cNvPr id="246" name="Conclusion"/>
+          <p:cNvPr id="247" name="Final deliverables"/>
           <p:cNvSpPr txBox="1"/>
           <p:nvPr/>
         </p:nvSpPr>
         <p:spPr>
           <a:xfrm>
-            <a:off x="21999573" y="-10314"/>
-            <a:ext cx="2157494" cy="635001"/>
+            <a:off x="1311763" y="1195873"/>
+            <a:ext cx="21760474" cy="1604623"/>
           </a:xfrm>
           <a:prstGeom prst="rect">
             <a:avLst/>
@@ -8467,54 +8285,7 @@
           </a:ln>
           <a:extLst>
             <a:ext uri="{C572A759-6A51-4108-AA02-DFA0A04FC94B}">
-              <ma14:wrappingTextBoxFlag xmlns:ma14="http://schemas.microsoft.com/office/mac/drawingml/2011/main" xmlns:a14="http://schemas.microsoft.com/office/drawing/2010/main" xmlns:m="http://schemas.openxmlformats.org/officeDocument/2006/math" xmlns="" val="1"/>
-            </a:ext>
-          </a:extLst>
-        </p:spPr>
-        <p:txBody>
-          <a:bodyPr wrap="none" lIns="50800" tIns="50800" rIns="50800" bIns="50800" anchor="ctr">
-            <a:spAutoFit/>
-          </a:bodyPr>
-          <a:lstStyle>
-            <a:lvl1pPr algn="r">
-              <a:defRPr sz="3700" i="1">
-                <a:solidFill>
-                  <a:srgbClr val="FFFFFF"/>
-                </a:solidFill>
-                <a:latin typeface="LinLibertineI"/>
-                <a:ea typeface="LinLibertineI"/>
-                <a:cs typeface="LinLibertineI"/>
-                <a:sym typeface="LinLibertineI"/>
-              </a:defRPr>
-            </a:lvl1pPr>
-          </a:lstStyle>
-          <a:p>
-            <a:r>
-              <a:t>Conclusion</a:t>
-            </a:r>
-          </a:p>
-        </p:txBody>
-      </p:sp>
-      <p:sp>
-        <p:nvSpPr>
-          <p:cNvPr id="247" name="Final deliverables"/>
-          <p:cNvSpPr txBox="1"/>
-          <p:nvPr/>
-        </p:nvSpPr>
-        <p:spPr>
-          <a:xfrm>
-            <a:off x="1311763" y="1195873"/>
-            <a:ext cx="21760474" cy="1604623"/>
-          </a:xfrm>
-          <a:prstGeom prst="rect">
-            <a:avLst/>
-          </a:prstGeom>
-          <a:ln w="12700">
-            <a:miter lim="400000"/>
-          </a:ln>
-          <a:extLst>
-            <a:ext uri="{C572A759-6A51-4108-AA02-DFA0A04FC94B}">
-              <ma14:wrappingTextBoxFlag xmlns:ma14="http://schemas.microsoft.com/office/mac/drawingml/2011/main" xmlns:a14="http://schemas.microsoft.com/office/drawing/2010/main" xmlns:m="http://schemas.openxmlformats.org/officeDocument/2006/math" xmlns="" val="1"/>
+              <ma14:wrappingTextBoxFlag xmlns="" xmlns:m="http://schemas.openxmlformats.org/officeDocument/2006/math" xmlns:a14="http://schemas.microsoft.com/office/drawing/2010/main" xmlns:ma14="http://schemas.microsoft.com/office/mac/drawingml/2011/main" val="1"/>
             </a:ext>
           </a:extLst>
         </p:spPr>
